--- a/Project Pres.pptx
+++ b/Project Pres.pptx
@@ -5,7 +5,7 @@
     <p:sldMasterId id="2147483648" r:id="rId1"/>
   </p:sldMasterIdLst>
   <p:notesMasterIdLst>
-    <p:notesMasterId r:id="rId18"/>
+    <p:notesMasterId r:id="rId19"/>
   </p:notesMasterIdLst>
   <p:sldIdLst>
     <p:sldId id="263" r:id="rId2"/>
@@ -22,8 +22,9 @@
     <p:sldId id="288" r:id="rId13"/>
     <p:sldId id="289" r:id="rId14"/>
     <p:sldId id="292" r:id="rId15"/>
-    <p:sldId id="278" r:id="rId16"/>
-    <p:sldId id="257" r:id="rId17"/>
+    <p:sldId id="293" r:id="rId16"/>
+    <p:sldId id="294" r:id="rId17"/>
+    <p:sldId id="257" r:id="rId18"/>
   </p:sldIdLst>
   <p:sldSz cx="12192000" cy="6858000"/>
   <p:notesSz cx="6858000" cy="9144000"/>
@@ -628,7 +629,7 @@
           <a:p>
             <a:fld id="{5B8783BC-AF94-4E73-8499-F035313BE803}" type="slidenum">
               <a:rPr lang="en-US" smtClean="0"/>
-              <a:t>16</a:t>
+              <a:t>17</a:t>
             </a:fld>
             <a:endParaRPr lang="en-US"/>
           </a:p>
@@ -4108,2001 +4109,6 @@
 
 <file path=ppt/slides/slide10.xml><?xml version="1.0" encoding="utf-8"?>
 <p:sld xmlns:a="http://schemas.openxmlformats.org/drawingml/2006/main" xmlns:r="http://schemas.openxmlformats.org/officeDocument/2006/relationships" xmlns:p="http://schemas.openxmlformats.org/presentationml/2006/main" show="0">
-  <p:cSld>
-    <p:bg>
-      <p:bgPr>
-        <a:solidFill>
-          <a:schemeClr val="bg1"/>
-        </a:solidFill>
-        <a:effectLst/>
-      </p:bgPr>
-    </p:bg>
-    <p:spTree>
-      <p:nvGrpSpPr>
-        <p:cNvPr id="1" name=""/>
-        <p:cNvGrpSpPr/>
-        <p:nvPr/>
-      </p:nvGrpSpPr>
-      <p:grpSpPr>
-        <a:xfrm>
-          <a:off x="0" y="0"/>
-          <a:ext cx="0" cy="0"/>
-          <a:chOff x="0" y="0"/>
-          <a:chExt cx="0" cy="0"/>
-        </a:xfrm>
-      </p:grpSpPr>
-      <p:sp>
-        <p:nvSpPr>
-          <p:cNvPr id="35" name="Rectangle 34">
-            <a:extLst>
-              <a:ext uri="{FF2B5EF4-FFF2-40B4-BE49-F238E27FC236}">
-                <a16:creationId xmlns:a16="http://schemas.microsoft.com/office/drawing/2014/main" id="{1045B59B-615E-4718-A150-42DE5D03E1C8}"/>
-              </a:ext>
-              <a:ext uri="{C183D7F6-B498-43B3-948B-1728B52AA6E4}">
-                <adec:decorative xmlns:adec="http://schemas.microsoft.com/office/drawing/2017/decorative" val="1"/>
-              </a:ext>
-            </a:extLst>
-          </p:cNvPr>
-          <p:cNvSpPr>
-            <a:spLocks noGrp="1" noRot="1" noChangeAspect="1" noMove="1" noResize="1" noEditPoints="1" noAdjustHandles="1" noChangeArrowheads="1" noChangeShapeType="1" noTextEdit="1"/>
-          </p:cNvSpPr>
-          <p:nvPr>
-            <p:extLst>
-              <p:ext uri="{386F3935-93C4-4BCD-93E2-E3B085C9AB24}">
-                <p16:designElem xmlns:p16="http://schemas.microsoft.com/office/powerpoint/2015/main" val="1"/>
-              </p:ext>
-            </p:extLst>
-          </p:nvPr>
-        </p:nvSpPr>
-        <p:spPr>
-          <a:xfrm>
-            <a:off x="0" y="0"/>
-            <a:ext cx="12192000" cy="6858000"/>
-          </a:xfrm>
-          <a:prstGeom prst="rect">
-            <a:avLst/>
-          </a:prstGeom>
-          <a:solidFill>
-            <a:srgbClr val="FFFFFF"/>
-          </a:solidFill>
-          <a:ln>
-            <a:noFill/>
-          </a:ln>
-        </p:spPr>
-        <p:style>
-          <a:lnRef idx="2">
-            <a:schemeClr val="accent1">
-              <a:shade val="50000"/>
-            </a:schemeClr>
-          </a:lnRef>
-          <a:fillRef idx="1">
-            <a:schemeClr val="accent1"/>
-          </a:fillRef>
-          <a:effectRef idx="0">
-            <a:schemeClr val="accent1"/>
-          </a:effectRef>
-          <a:fontRef idx="minor">
-            <a:schemeClr val="lt1"/>
-          </a:fontRef>
-        </p:style>
-        <p:txBody>
-          <a:bodyPr rtlCol="0" anchor="ctr"/>
-          <a:lstStyle/>
-          <a:p>
-            <a:pPr marL="0" marR="0" lvl="0" indent="0" algn="ctr" defTabSz="914400" rtl="0" eaLnBrk="1" fontAlgn="auto" latinLnBrk="0" hangingPunct="1">
-              <a:lnSpc>
-                <a:spcPct val="100000"/>
-              </a:lnSpc>
-              <a:spcBef>
-                <a:spcPts val="0"/>
-              </a:spcBef>
-              <a:spcAft>
-                <a:spcPts val="0"/>
-              </a:spcAft>
-              <a:buClrTx/>
-              <a:buSzTx/>
-              <a:buFontTx/>
-              <a:buNone/>
-              <a:tabLst/>
-              <a:defRPr/>
-            </a:pPr>
-            <a:endParaRPr kumimoji="0" lang="en-US" sz="1800" b="0" i="0" u="none" strike="noStrike" kern="1200" cap="none" spc="0" normalizeH="0" baseline="0" noProof="0">
-              <a:ln>
-                <a:noFill/>
-              </a:ln>
-              <a:solidFill>
-                <a:prstClr val="white"/>
-              </a:solidFill>
-              <a:effectLst/>
-              <a:uLnTx/>
-              <a:uFillTx/>
-              <a:latin typeface="Calibri" panose="020F0502020204030204"/>
-              <a:ea typeface="+mn-ea"/>
-              <a:cs typeface="+mn-cs"/>
-            </a:endParaRPr>
-          </a:p>
-        </p:txBody>
-      </p:sp>
-      <p:sp>
-        <p:nvSpPr>
-          <p:cNvPr id="44" name="Rectangle 36">
-            <a:extLst>
-              <a:ext uri="{FF2B5EF4-FFF2-40B4-BE49-F238E27FC236}">
-                <a16:creationId xmlns:a16="http://schemas.microsoft.com/office/drawing/2014/main" id="{D6CF29CD-38B8-4924-BA11-6D60517487EF}"/>
-              </a:ext>
-              <a:ext uri="{C183D7F6-B498-43B3-948B-1728B52AA6E4}">
-                <adec:decorative xmlns:adec="http://schemas.microsoft.com/office/drawing/2017/decorative" val="1"/>
-              </a:ext>
-            </a:extLst>
-          </p:cNvPr>
-          <p:cNvSpPr>
-            <a:spLocks noGrp="1" noRot="1" noChangeAspect="1" noMove="1" noResize="1" noEditPoints="1" noAdjustHandles="1" noChangeArrowheads="1" noChangeShapeType="1" noTextEdit="1"/>
-          </p:cNvSpPr>
-          <p:nvPr>
-            <p:extLst>
-              <p:ext uri="{386F3935-93C4-4BCD-93E2-E3B085C9AB24}">
-                <p16:designElem xmlns:p16="http://schemas.microsoft.com/office/powerpoint/2015/main" val="1"/>
-              </p:ext>
-            </p:extLst>
-          </p:nvPr>
-        </p:nvSpPr>
-        <p:spPr>
-          <a:xfrm>
-            <a:off x="0" y="4242816"/>
-            <a:ext cx="12192000" cy="2615184"/>
-          </a:xfrm>
-          <a:prstGeom prst="rect">
-            <a:avLst/>
-          </a:prstGeom>
-          <a:solidFill>
-            <a:srgbClr val="404040"/>
-          </a:solidFill>
-          <a:ln>
-            <a:noFill/>
-          </a:ln>
-        </p:spPr>
-        <p:style>
-          <a:lnRef idx="2">
-            <a:schemeClr val="accent1">
-              <a:shade val="50000"/>
-            </a:schemeClr>
-          </a:lnRef>
-          <a:fillRef idx="1">
-            <a:schemeClr val="accent1"/>
-          </a:fillRef>
-          <a:effectRef idx="0">
-            <a:schemeClr val="accent1"/>
-          </a:effectRef>
-          <a:fontRef idx="minor">
-            <a:schemeClr val="lt1"/>
-          </a:fontRef>
-        </p:style>
-        <p:txBody>
-          <a:bodyPr rtlCol="0" anchor="ctr"/>
-          <a:lstStyle/>
-          <a:p>
-            <a:pPr marL="0" marR="0" lvl="0" indent="0" algn="ctr" defTabSz="914400" rtl="0" eaLnBrk="1" fontAlgn="auto" latinLnBrk="0" hangingPunct="1">
-              <a:lnSpc>
-                <a:spcPct val="100000"/>
-              </a:lnSpc>
-              <a:spcBef>
-                <a:spcPts val="0"/>
-              </a:spcBef>
-              <a:spcAft>
-                <a:spcPts val="0"/>
-              </a:spcAft>
-              <a:buClrTx/>
-              <a:buSzTx/>
-              <a:buFontTx/>
-              <a:buNone/>
-              <a:tabLst/>
-              <a:defRPr/>
-            </a:pPr>
-            <a:endParaRPr kumimoji="0" lang="en-US" sz="1800" b="0" i="0" u="none" strike="noStrike" kern="1200" cap="none" spc="0" normalizeH="0" baseline="0" noProof="0">
-              <a:ln>
-                <a:noFill/>
-              </a:ln>
-              <a:solidFill>
-                <a:prstClr val="white"/>
-              </a:solidFill>
-              <a:effectLst/>
-              <a:uLnTx/>
-              <a:uFillTx/>
-              <a:latin typeface="Calibri" panose="020F0502020204030204"/>
-              <a:ea typeface="+mn-ea"/>
-              <a:cs typeface="+mn-cs"/>
-            </a:endParaRPr>
-          </a:p>
-        </p:txBody>
-      </p:sp>
-      <p:sp>
-        <p:nvSpPr>
-          <p:cNvPr id="2" name="Title 1">
-            <a:extLst>
-              <a:ext uri="{FF2B5EF4-FFF2-40B4-BE49-F238E27FC236}">
-                <a16:creationId xmlns:a16="http://schemas.microsoft.com/office/drawing/2014/main" id="{7D1EF647-491F-41E0-AC6C-4CE0ADAE5520}"/>
-              </a:ext>
-            </a:extLst>
-          </p:cNvPr>
-          <p:cNvSpPr>
-            <a:spLocks noGrp="1"/>
-          </p:cNvSpPr>
-          <p:nvPr>
-            <p:ph type="title"/>
-          </p:nvPr>
-        </p:nvSpPr>
-        <p:spPr>
-          <a:xfrm>
-            <a:off x="707011" y="4502330"/>
-            <a:ext cx="10765410" cy="1207269"/>
-          </a:xfrm>
-        </p:spPr>
-        <p:txBody>
-          <a:bodyPr vert="horz" lIns="91440" tIns="45720" rIns="91440" bIns="45720" rtlCol="0" anchor="b">
-            <a:normAutofit/>
-          </a:bodyPr>
-          <a:lstStyle/>
-          <a:p>
-            <a:pPr algn="ctr"/>
-            <a:r>
-              <a:rPr lang="en-US" altLang="zh-CN" sz="6000" kern="1200" dirty="0">
-                <a:solidFill>
-                  <a:srgbClr val="FFFFFF"/>
-                </a:solidFill>
-                <a:latin typeface="Palatino Linotype" panose="02040502050505030304" pitchFamily="18" charset="0"/>
-              </a:rPr>
-              <a:t>Introduction</a:t>
-            </a:r>
-            <a:endParaRPr lang="en-US" sz="6000" kern="1200" dirty="0">
-              <a:solidFill>
-                <a:srgbClr val="FFFFFF"/>
-              </a:solidFill>
-              <a:latin typeface="Palatino Linotype" panose="02040502050505030304" pitchFamily="18" charset="0"/>
-            </a:endParaRPr>
-          </a:p>
-        </p:txBody>
-      </p:sp>
-      <p:sp>
-        <p:nvSpPr>
-          <p:cNvPr id="25" name="Content Placeholder 24">
-            <a:extLst>
-              <a:ext uri="{FF2B5EF4-FFF2-40B4-BE49-F238E27FC236}">
-                <a16:creationId xmlns:a16="http://schemas.microsoft.com/office/drawing/2014/main" id="{C170F4D6-C7EA-4D96-BDE6-BB46E37A39D7}"/>
-              </a:ext>
-            </a:extLst>
-          </p:cNvPr>
-          <p:cNvSpPr>
-            <a:spLocks noGrp="1"/>
-          </p:cNvSpPr>
-          <p:nvPr>
-            <p:ph idx="1"/>
-          </p:nvPr>
-        </p:nvSpPr>
-        <p:spPr>
-          <a:xfrm>
-            <a:off x="1376313" y="5665510"/>
-            <a:ext cx="9426806" cy="719122"/>
-          </a:xfrm>
-          <a:prstGeom prst="rect">
-            <a:avLst/>
-          </a:prstGeom>
-        </p:spPr>
-        <p:txBody>
-          <a:bodyPr vert="horz" lIns="91440" tIns="45720" rIns="91440" bIns="45720" rtlCol="0">
-            <a:normAutofit/>
-          </a:bodyPr>
-          <a:lstStyle/>
-          <a:p>
-            <a:pPr marL="0" indent="0" algn="ctr">
-              <a:buNone/>
-            </a:pPr>
-            <a:r>
-              <a:rPr lang="en-US" sz="2400" dirty="0">
-                <a:solidFill>
-                  <a:srgbClr val="E7E6E6"/>
-                </a:solidFill>
-                <a:latin typeface="Palatino Linotype" panose="02040502050505030304" pitchFamily="18" charset="0"/>
-              </a:rPr>
-              <a:t>Work in Paper</a:t>
-            </a:r>
-            <a:endParaRPr lang="en-US" sz="2400" kern="1200" dirty="0">
-              <a:solidFill>
-                <a:srgbClr val="E7E6E6"/>
-              </a:solidFill>
-              <a:latin typeface="Palatino Linotype" panose="02040502050505030304" pitchFamily="18" charset="0"/>
-            </a:endParaRPr>
-          </a:p>
-        </p:txBody>
-      </p:sp>
-      <p:grpSp>
-        <p:nvGrpSpPr>
-          <p:cNvPr id="10" name="Group 9">
-            <a:extLst>
-              <a:ext uri="{FF2B5EF4-FFF2-40B4-BE49-F238E27FC236}">
-                <a16:creationId xmlns:a16="http://schemas.microsoft.com/office/drawing/2014/main" id="{A4823CEE-D5E7-4140-B189-96AAF29EA3BA}"/>
-              </a:ext>
-            </a:extLst>
-          </p:cNvPr>
-          <p:cNvGrpSpPr/>
-          <p:nvPr/>
-        </p:nvGrpSpPr>
-        <p:grpSpPr>
-          <a:xfrm>
-            <a:off x="6009160" y="367268"/>
-            <a:ext cx="80556" cy="3448594"/>
-            <a:chOff x="9437914" y="457200"/>
-            <a:chExt cx="80556" cy="3448594"/>
-          </a:xfrm>
-        </p:grpSpPr>
-        <p:cxnSp>
-          <p:nvCxnSpPr>
-            <p:cNvPr id="9" name="Straight Connector 8">
-              <a:extLst>
-                <a:ext uri="{FF2B5EF4-FFF2-40B4-BE49-F238E27FC236}">
-                  <a16:creationId xmlns:a16="http://schemas.microsoft.com/office/drawing/2014/main" id="{A7A23FD2-88DC-454B-A8BE-CEAD4856099B}"/>
-                </a:ext>
-              </a:extLst>
-            </p:cNvPr>
-            <p:cNvCxnSpPr/>
-            <p:nvPr/>
-          </p:nvCxnSpPr>
-          <p:spPr>
-            <a:xfrm>
-              <a:off x="9437914" y="457200"/>
-              <a:ext cx="0" cy="3448594"/>
-            </a:xfrm>
-            <a:prstGeom prst="line">
-              <a:avLst/>
-            </a:prstGeom>
-            <a:ln w="38100">
-              <a:solidFill>
-                <a:schemeClr val="bg2">
-                  <a:lumMod val="25000"/>
-                </a:schemeClr>
-              </a:solidFill>
-            </a:ln>
-          </p:spPr>
-          <p:style>
-            <a:lnRef idx="1">
-              <a:schemeClr val="accent1"/>
-            </a:lnRef>
-            <a:fillRef idx="0">
-              <a:schemeClr val="accent1"/>
-            </a:fillRef>
-            <a:effectRef idx="0">
-              <a:schemeClr val="accent1"/>
-            </a:effectRef>
-            <a:fontRef idx="minor">
-              <a:schemeClr val="tx1"/>
-            </a:fontRef>
-          </p:style>
-        </p:cxnSp>
-        <p:cxnSp>
-          <p:nvCxnSpPr>
-            <p:cNvPr id="14" name="Straight Connector 13">
-              <a:extLst>
-                <a:ext uri="{FF2B5EF4-FFF2-40B4-BE49-F238E27FC236}">
-                  <a16:creationId xmlns:a16="http://schemas.microsoft.com/office/drawing/2014/main" id="{80ECDA67-B837-4995-B4F7-3B0A8CDFD37E}"/>
-                </a:ext>
-              </a:extLst>
-            </p:cNvPr>
-            <p:cNvCxnSpPr/>
-            <p:nvPr/>
-          </p:nvCxnSpPr>
-          <p:spPr>
-            <a:xfrm>
-              <a:off x="9518470" y="457200"/>
-              <a:ext cx="0" cy="3448594"/>
-            </a:xfrm>
-            <a:prstGeom prst="line">
-              <a:avLst/>
-            </a:prstGeom>
-            <a:ln w="38100">
-              <a:solidFill>
-                <a:schemeClr val="bg2">
-                  <a:lumMod val="25000"/>
-                </a:schemeClr>
-              </a:solidFill>
-            </a:ln>
-          </p:spPr>
-          <p:style>
-            <a:lnRef idx="1">
-              <a:schemeClr val="accent1"/>
-            </a:lnRef>
-            <a:fillRef idx="0">
-              <a:schemeClr val="accent1"/>
-            </a:fillRef>
-            <a:effectRef idx="0">
-              <a:schemeClr val="accent1"/>
-            </a:effectRef>
-            <a:fontRef idx="minor">
-              <a:schemeClr val="tx1"/>
-            </a:fontRef>
-          </p:style>
-        </p:cxnSp>
-      </p:grpSp>
-      <p:grpSp>
-        <p:nvGrpSpPr>
-          <p:cNvPr id="38" name="Group 37">
-            <a:extLst>
-              <a:ext uri="{FF2B5EF4-FFF2-40B4-BE49-F238E27FC236}">
-                <a16:creationId xmlns:a16="http://schemas.microsoft.com/office/drawing/2014/main" id="{0DB616DC-8F28-4F57-BB48-F72FA3876E1D}"/>
-              </a:ext>
-            </a:extLst>
-          </p:cNvPr>
-          <p:cNvGrpSpPr/>
-          <p:nvPr/>
-        </p:nvGrpSpPr>
-        <p:grpSpPr>
-          <a:xfrm>
-            <a:off x="6444469" y="230687"/>
-            <a:ext cx="5231666" cy="2955632"/>
-            <a:chOff x="6374674" y="473368"/>
-            <a:chExt cx="5231666" cy="2955632"/>
-          </a:xfrm>
-        </p:grpSpPr>
-        <p:pic>
-          <p:nvPicPr>
-            <p:cNvPr id="3" name="Picture 2">
-              <a:extLst>
-                <a:ext uri="{FF2B5EF4-FFF2-40B4-BE49-F238E27FC236}">
-                  <a16:creationId xmlns:a16="http://schemas.microsoft.com/office/drawing/2014/main" id="{9D184C1C-BB34-4757-99C0-16801E3399B0}"/>
-                </a:ext>
-              </a:extLst>
-            </p:cNvPr>
-            <p:cNvPicPr>
-              <a:picLocks noChangeAspect="1"/>
-            </p:cNvPicPr>
-            <p:nvPr/>
-          </p:nvPicPr>
-          <p:blipFill>
-            <a:blip r:embed="rId2">
-              <a:duotone>
-                <a:schemeClr val="accent5">
-                  <a:shade val="45000"/>
-                  <a:satMod val="135000"/>
-                </a:schemeClr>
-                <a:prstClr val="white"/>
-              </a:duotone>
-            </a:blip>
-            <a:stretch>
-              <a:fillRect/>
-            </a:stretch>
-          </p:blipFill>
-          <p:spPr>
-            <a:xfrm>
-              <a:off x="6426318" y="849350"/>
-              <a:ext cx="4476235" cy="2412607"/>
-            </a:xfrm>
-            <a:prstGeom prst="rect">
-              <a:avLst/>
-            </a:prstGeom>
-            <a:ln>
-              <a:noFill/>
-            </a:ln>
-          </p:spPr>
-        </p:pic>
-        <p:cxnSp>
-          <p:nvCxnSpPr>
-            <p:cNvPr id="28" name="Straight Connector 27">
-              <a:extLst>
-                <a:ext uri="{FF2B5EF4-FFF2-40B4-BE49-F238E27FC236}">
-                  <a16:creationId xmlns:a16="http://schemas.microsoft.com/office/drawing/2014/main" id="{A39B4F72-6AB0-409D-9341-BCF78302EFED}"/>
-                </a:ext>
-              </a:extLst>
-            </p:cNvPr>
-            <p:cNvCxnSpPr>
-              <a:cxnSpLocks/>
-            </p:cNvCxnSpPr>
-            <p:nvPr/>
-          </p:nvCxnSpPr>
-          <p:spPr>
-            <a:xfrm>
-              <a:off x="9432499" y="1543448"/>
-              <a:ext cx="919635" cy="447003"/>
-            </a:xfrm>
-            <a:prstGeom prst="line">
-              <a:avLst/>
-            </a:prstGeom>
-            <a:ln w="6350">
-              <a:noFill/>
-            </a:ln>
-          </p:spPr>
-          <p:style>
-            <a:lnRef idx="1">
-              <a:schemeClr val="accent1"/>
-            </a:lnRef>
-            <a:fillRef idx="0">
-              <a:schemeClr val="accent1"/>
-            </a:fillRef>
-            <a:effectRef idx="0">
-              <a:schemeClr val="accent1"/>
-            </a:effectRef>
-            <a:fontRef idx="minor">
-              <a:schemeClr val="tx1"/>
-            </a:fontRef>
-          </p:style>
-        </p:cxnSp>
-        <p:sp>
-          <p:nvSpPr>
-            <p:cNvPr id="32" name="Rectangle 31">
-              <a:extLst>
-                <a:ext uri="{FF2B5EF4-FFF2-40B4-BE49-F238E27FC236}">
-                  <a16:creationId xmlns:a16="http://schemas.microsoft.com/office/drawing/2014/main" id="{DE6F5B2D-3ACD-443E-939B-7CBE246F860C}"/>
-                </a:ext>
-              </a:extLst>
-            </p:cNvPr>
-            <p:cNvSpPr/>
-            <p:nvPr/>
-          </p:nvSpPr>
-          <p:spPr>
-            <a:xfrm>
-              <a:off x="6374674" y="473368"/>
-              <a:ext cx="5231666" cy="2955632"/>
-            </a:xfrm>
-            <a:prstGeom prst="rect">
-              <a:avLst/>
-            </a:prstGeom>
-            <a:noFill/>
-            <a:ln w="3175">
-              <a:noFill/>
-            </a:ln>
-          </p:spPr>
-          <p:style>
-            <a:lnRef idx="2">
-              <a:schemeClr val="accent1">
-                <a:shade val="50000"/>
-              </a:schemeClr>
-            </a:lnRef>
-            <a:fillRef idx="1">
-              <a:schemeClr val="accent1"/>
-            </a:fillRef>
-            <a:effectRef idx="0">
-              <a:schemeClr val="accent1"/>
-            </a:effectRef>
-            <a:fontRef idx="minor">
-              <a:schemeClr val="lt1"/>
-            </a:fontRef>
-          </p:style>
-          <p:txBody>
-            <a:bodyPr rtlCol="0" anchor="ctr"/>
-            <a:lstStyle/>
-            <a:p>
-              <a:pPr marL="0" marR="0" lvl="0" indent="0" algn="ctr" defTabSz="914400" rtl="0" eaLnBrk="1" fontAlgn="auto" latinLnBrk="0" hangingPunct="1">
-                <a:lnSpc>
-                  <a:spcPct val="100000"/>
-                </a:lnSpc>
-                <a:spcBef>
-                  <a:spcPts val="0"/>
-                </a:spcBef>
-                <a:spcAft>
-                  <a:spcPts val="0"/>
-                </a:spcAft>
-                <a:buClrTx/>
-                <a:buSzTx/>
-                <a:buFontTx/>
-                <a:buNone/>
-                <a:tabLst/>
-                <a:defRPr/>
-              </a:pPr>
-              <a:endParaRPr kumimoji="0" lang="en-US" sz="1800" b="0" i="0" u="none" strike="noStrike" kern="1200" cap="none" spc="0" normalizeH="0" baseline="0" noProof="0">
-                <a:ln>
-                  <a:noFill/>
-                </a:ln>
-                <a:solidFill>
-                  <a:prstClr val="white"/>
-                </a:solidFill>
-                <a:effectLst/>
-                <a:uLnTx/>
-                <a:uFillTx/>
-                <a:latin typeface="Calibri" panose="020F0502020204030204"/>
-                <a:ea typeface="+mn-ea"/>
-                <a:cs typeface="+mn-cs"/>
-              </a:endParaRPr>
-            </a:p>
-          </p:txBody>
-        </p:sp>
-        <p:sp>
-          <p:nvSpPr>
-            <p:cNvPr id="36" name="Oval 35">
-              <a:extLst>
-                <a:ext uri="{FF2B5EF4-FFF2-40B4-BE49-F238E27FC236}">
-                  <a16:creationId xmlns:a16="http://schemas.microsoft.com/office/drawing/2014/main" id="{7BC5B2BA-8132-4832-975A-FC54A0BCFB5B}"/>
-                </a:ext>
-              </a:extLst>
-            </p:cNvPr>
-            <p:cNvSpPr/>
-            <p:nvPr/>
-          </p:nvSpPr>
-          <p:spPr>
-            <a:xfrm rot="3660095">
-              <a:off x="9072738" y="1274453"/>
-              <a:ext cx="964785" cy="1868420"/>
-            </a:xfrm>
-            <a:prstGeom prst="ellipse">
-              <a:avLst/>
-            </a:prstGeom>
-            <a:solidFill>
-              <a:schemeClr val="accent4">
-                <a:lumMod val="20000"/>
-                <a:lumOff val="80000"/>
-                <a:alpha val="34118"/>
-              </a:schemeClr>
-            </a:solidFill>
-            <a:ln>
-              <a:noFill/>
-            </a:ln>
-          </p:spPr>
-          <p:style>
-            <a:lnRef idx="2">
-              <a:schemeClr val="accent1">
-                <a:shade val="50000"/>
-              </a:schemeClr>
-            </a:lnRef>
-            <a:fillRef idx="1">
-              <a:schemeClr val="accent1"/>
-            </a:fillRef>
-            <a:effectRef idx="0">
-              <a:schemeClr val="accent1"/>
-            </a:effectRef>
-            <a:fontRef idx="minor">
-              <a:schemeClr val="lt1"/>
-            </a:fontRef>
-          </p:style>
-          <p:txBody>
-            <a:bodyPr rtlCol="0" anchor="ctr"/>
-            <a:lstStyle/>
-            <a:p>
-              <a:pPr marL="0" marR="0" lvl="0" indent="0" algn="ctr" defTabSz="914400" rtl="0" eaLnBrk="1" fontAlgn="auto" latinLnBrk="0" hangingPunct="1">
-                <a:lnSpc>
-                  <a:spcPct val="100000"/>
-                </a:lnSpc>
-                <a:spcBef>
-                  <a:spcPts val="0"/>
-                </a:spcBef>
-                <a:spcAft>
-                  <a:spcPts val="0"/>
-                </a:spcAft>
-                <a:buClrTx/>
-                <a:buSzTx/>
-                <a:buFontTx/>
-                <a:buNone/>
-                <a:tabLst/>
-                <a:defRPr/>
-              </a:pPr>
-              <a:endParaRPr kumimoji="0" lang="en-US" sz="1800" b="0" i="0" u="none" strike="noStrike" kern="1200" cap="none" spc="0" normalizeH="0" baseline="0" noProof="0" dirty="0">
-                <a:ln>
-                  <a:noFill/>
-                </a:ln>
-                <a:solidFill>
-                  <a:prstClr val="white"/>
-                </a:solidFill>
-                <a:effectLst/>
-                <a:uLnTx/>
-                <a:uFillTx/>
-                <a:latin typeface="Calibri" panose="020F0502020204030204"/>
-                <a:ea typeface="+mn-ea"/>
-                <a:cs typeface="+mn-cs"/>
-              </a:endParaRPr>
-            </a:p>
-          </p:txBody>
-        </p:sp>
-        <p:sp>
-          <p:nvSpPr>
-            <p:cNvPr id="39" name="Oval 38">
-              <a:extLst>
-                <a:ext uri="{FF2B5EF4-FFF2-40B4-BE49-F238E27FC236}">
-                  <a16:creationId xmlns:a16="http://schemas.microsoft.com/office/drawing/2014/main" id="{00643C6F-414A-4910-BF99-8CF932C127A8}"/>
-                </a:ext>
-              </a:extLst>
-            </p:cNvPr>
-            <p:cNvSpPr/>
-            <p:nvPr/>
-          </p:nvSpPr>
-          <p:spPr>
-            <a:xfrm rot="5400000">
-              <a:off x="7256054" y="2250035"/>
-              <a:ext cx="770449" cy="1492065"/>
-            </a:xfrm>
-            <a:prstGeom prst="ellipse">
-              <a:avLst/>
-            </a:prstGeom>
-            <a:solidFill>
-              <a:schemeClr val="accent1">
-                <a:lumMod val="20000"/>
-                <a:lumOff val="80000"/>
-                <a:alpha val="34118"/>
-              </a:schemeClr>
-            </a:solidFill>
-            <a:ln>
-              <a:noFill/>
-            </a:ln>
-          </p:spPr>
-          <p:style>
-            <a:lnRef idx="2">
-              <a:schemeClr val="accent1">
-                <a:shade val="50000"/>
-              </a:schemeClr>
-            </a:lnRef>
-            <a:fillRef idx="1">
-              <a:schemeClr val="accent1"/>
-            </a:fillRef>
-            <a:effectRef idx="0">
-              <a:schemeClr val="accent1"/>
-            </a:effectRef>
-            <a:fontRef idx="minor">
-              <a:schemeClr val="lt1"/>
-            </a:fontRef>
-          </p:style>
-          <p:txBody>
-            <a:bodyPr rtlCol="0" anchor="ctr"/>
-            <a:lstStyle/>
-            <a:p>
-              <a:pPr marL="0" marR="0" lvl="0" indent="0" algn="ctr" defTabSz="914400" rtl="0" eaLnBrk="1" fontAlgn="auto" latinLnBrk="0" hangingPunct="1">
-                <a:lnSpc>
-                  <a:spcPct val="100000"/>
-                </a:lnSpc>
-                <a:spcBef>
-                  <a:spcPts val="0"/>
-                </a:spcBef>
-                <a:spcAft>
-                  <a:spcPts val="0"/>
-                </a:spcAft>
-                <a:buClrTx/>
-                <a:buSzTx/>
-                <a:buFontTx/>
-                <a:buNone/>
-                <a:tabLst/>
-                <a:defRPr/>
-              </a:pPr>
-              <a:endParaRPr kumimoji="0" lang="en-US" sz="1800" b="0" i="0" u="none" strike="noStrike" kern="1200" cap="none" spc="0" normalizeH="0" baseline="0" noProof="0">
-                <a:ln>
-                  <a:noFill/>
-                </a:ln>
-                <a:solidFill>
-                  <a:prstClr val="white"/>
-                </a:solidFill>
-                <a:effectLst/>
-                <a:uLnTx/>
-                <a:uFillTx/>
-                <a:latin typeface="Calibri" panose="020F0502020204030204"/>
-                <a:ea typeface="+mn-ea"/>
-                <a:cs typeface="+mn-cs"/>
-              </a:endParaRPr>
-            </a:p>
-          </p:txBody>
-        </p:sp>
-        <p:sp>
-          <p:nvSpPr>
-            <p:cNvPr id="40" name="Oval 39">
-              <a:extLst>
-                <a:ext uri="{FF2B5EF4-FFF2-40B4-BE49-F238E27FC236}">
-                  <a16:creationId xmlns:a16="http://schemas.microsoft.com/office/drawing/2014/main" id="{24F86EDB-B60F-4742-9D6A-E8E64520AF51}"/>
-                </a:ext>
-              </a:extLst>
-            </p:cNvPr>
-            <p:cNvSpPr/>
-            <p:nvPr/>
-          </p:nvSpPr>
-          <p:spPr>
-            <a:xfrm rot="5654135">
-              <a:off x="9640435" y="290526"/>
-              <a:ext cx="335802" cy="1963314"/>
-            </a:xfrm>
-            <a:prstGeom prst="ellipse">
-              <a:avLst/>
-            </a:prstGeom>
-            <a:solidFill>
-              <a:schemeClr val="accent6">
-                <a:lumMod val="20000"/>
-                <a:lumOff val="80000"/>
-                <a:alpha val="34118"/>
-              </a:schemeClr>
-            </a:solidFill>
-            <a:ln>
-              <a:noFill/>
-            </a:ln>
-          </p:spPr>
-          <p:style>
-            <a:lnRef idx="2">
-              <a:schemeClr val="accent1">
-                <a:shade val="50000"/>
-              </a:schemeClr>
-            </a:lnRef>
-            <a:fillRef idx="1">
-              <a:schemeClr val="accent1"/>
-            </a:fillRef>
-            <a:effectRef idx="0">
-              <a:schemeClr val="accent1"/>
-            </a:effectRef>
-            <a:fontRef idx="minor">
-              <a:schemeClr val="lt1"/>
-            </a:fontRef>
-          </p:style>
-          <p:txBody>
-            <a:bodyPr rtlCol="0" anchor="ctr"/>
-            <a:lstStyle/>
-            <a:p>
-              <a:pPr marL="0" marR="0" lvl="0" indent="0" algn="ctr" defTabSz="914400" rtl="0" eaLnBrk="1" fontAlgn="auto" latinLnBrk="0" hangingPunct="1">
-                <a:lnSpc>
-                  <a:spcPct val="100000"/>
-                </a:lnSpc>
-                <a:spcBef>
-                  <a:spcPts val="0"/>
-                </a:spcBef>
-                <a:spcAft>
-                  <a:spcPts val="0"/>
-                </a:spcAft>
-                <a:buClrTx/>
-                <a:buSzTx/>
-                <a:buFontTx/>
-                <a:buNone/>
-                <a:tabLst/>
-                <a:defRPr/>
-              </a:pPr>
-              <a:endParaRPr kumimoji="0" lang="en-US" sz="1800" b="0" i="0" u="none" strike="noStrike" kern="1200" cap="none" spc="0" normalizeH="0" baseline="0" noProof="0">
-                <a:ln>
-                  <a:noFill/>
-                </a:ln>
-                <a:solidFill>
-                  <a:prstClr val="white"/>
-                </a:solidFill>
-                <a:effectLst/>
-                <a:uLnTx/>
-                <a:uFillTx/>
-                <a:latin typeface="Calibri" panose="020F0502020204030204"/>
-                <a:ea typeface="+mn-ea"/>
-                <a:cs typeface="+mn-cs"/>
-              </a:endParaRPr>
-            </a:p>
-          </p:txBody>
-        </p:sp>
-      </p:grpSp>
-      <p:sp>
-        <p:nvSpPr>
-          <p:cNvPr id="41" name="Rectangle 40">
-            <a:extLst>
-              <a:ext uri="{FF2B5EF4-FFF2-40B4-BE49-F238E27FC236}">
-                <a16:creationId xmlns:a16="http://schemas.microsoft.com/office/drawing/2014/main" id="{ED6E8394-0133-425D-845C-07E935A33ED5}"/>
-              </a:ext>
-            </a:extLst>
-          </p:cNvPr>
-          <p:cNvSpPr/>
-          <p:nvPr/>
-        </p:nvSpPr>
-        <p:spPr>
-          <a:xfrm>
-            <a:off x="523620" y="374939"/>
-            <a:ext cx="5404985" cy="3139321"/>
-          </a:xfrm>
-          <a:prstGeom prst="rect">
-            <a:avLst/>
-          </a:prstGeom>
-        </p:spPr>
-        <p:txBody>
-          <a:bodyPr wrap="square">
-            <a:spAutoFit/>
-          </a:bodyPr>
-          <a:lstStyle/>
-          <a:p>
-            <a:pPr marL="0" marR="0" lvl="0" indent="0" algn="l" defTabSz="914400" rtl="0" eaLnBrk="1" fontAlgn="auto" latinLnBrk="0" hangingPunct="1">
-              <a:lnSpc>
-                <a:spcPct val="100000"/>
-              </a:lnSpc>
-              <a:spcBef>
-                <a:spcPts val="0"/>
-              </a:spcBef>
-              <a:spcAft>
-                <a:spcPts val="0"/>
-              </a:spcAft>
-              <a:buClrTx/>
-              <a:buSzTx/>
-              <a:buFontTx/>
-              <a:buNone/>
-              <a:tabLst/>
-              <a:defRPr/>
-            </a:pPr>
-            <a:endParaRPr kumimoji="0" lang="en-US" sz="1800" b="0" i="0" u="none" strike="noStrike" kern="1200" cap="none" spc="0" normalizeH="0" baseline="0" noProof="0" dirty="0">
-              <a:ln>
-                <a:noFill/>
-              </a:ln>
-              <a:solidFill>
-                <a:prstClr val="black"/>
-              </a:solidFill>
-              <a:effectLst/>
-              <a:uLnTx/>
-              <a:uFillTx/>
-              <a:latin typeface="Palatino Linotype" panose="02040502050505030304" pitchFamily="18" charset="0"/>
-              <a:ea typeface="+mn-ea"/>
-              <a:cs typeface="+mn-cs"/>
-            </a:endParaRPr>
-          </a:p>
-          <a:p>
-            <a:pPr marL="0" marR="0" lvl="0" indent="0" algn="ctr" defTabSz="914400" rtl="0" eaLnBrk="1" fontAlgn="auto" latinLnBrk="0" hangingPunct="1">
-              <a:lnSpc>
-                <a:spcPct val="100000"/>
-              </a:lnSpc>
-              <a:spcBef>
-                <a:spcPts val="0"/>
-              </a:spcBef>
-              <a:spcAft>
-                <a:spcPts val="0"/>
-              </a:spcAft>
-              <a:buClrTx/>
-              <a:buSzTx/>
-              <a:buFontTx/>
-              <a:buNone/>
-              <a:tabLst/>
-              <a:defRPr/>
-            </a:pPr>
-            <a:r>
-              <a:rPr kumimoji="0" lang="en-US" sz="1800" b="1" i="0" u="sng" strike="noStrike" kern="1200" cap="none" spc="0" normalizeH="0" baseline="0" noProof="0" dirty="0">
-                <a:ln>
-                  <a:noFill/>
-                </a:ln>
-                <a:solidFill>
-                  <a:prstClr val="black"/>
-                </a:solidFill>
-                <a:effectLst/>
-                <a:uLnTx/>
-                <a:uFillTx/>
-                <a:latin typeface="Palatino Linotype" panose="02040502050505030304" pitchFamily="18" charset="0"/>
-                <a:ea typeface="+mn-ea"/>
-                <a:cs typeface="+mn-cs"/>
-              </a:rPr>
-              <a:t>Results</a:t>
-            </a:r>
-            <a:endParaRPr kumimoji="0" lang="en-US" altLang="zh-CN" sz="1800" b="1" i="0" u="sng" strike="noStrike" kern="1200" cap="none" spc="0" normalizeH="0" baseline="0" noProof="0" dirty="0">
-              <a:ln>
-                <a:noFill/>
-              </a:ln>
-              <a:solidFill>
-                <a:prstClr val="black"/>
-              </a:solidFill>
-              <a:effectLst/>
-              <a:uLnTx/>
-              <a:uFillTx/>
-              <a:latin typeface="Palatino Linotype" panose="02040502050505030304" pitchFamily="18" charset="0"/>
-              <a:ea typeface="等线" panose="03000509000000000000" pitchFamily="65" charset="-122"/>
-              <a:cs typeface="+mn-cs"/>
-            </a:endParaRPr>
-          </a:p>
-          <a:p>
-            <a:pPr marL="0" marR="0" lvl="0" indent="0" algn="ctr" defTabSz="914400" rtl="0" eaLnBrk="1" fontAlgn="auto" latinLnBrk="0" hangingPunct="1">
-              <a:lnSpc>
-                <a:spcPct val="100000"/>
-              </a:lnSpc>
-              <a:spcBef>
-                <a:spcPts val="0"/>
-              </a:spcBef>
-              <a:spcAft>
-                <a:spcPts val="0"/>
-              </a:spcAft>
-              <a:buClrTx/>
-              <a:buSzTx/>
-              <a:buFontTx/>
-              <a:buNone/>
-              <a:tabLst/>
-              <a:defRPr/>
-            </a:pPr>
-            <a:endParaRPr kumimoji="0" lang="en-US" sz="1800" b="0" i="0" u="none" strike="noStrike" kern="1200" cap="none" spc="0" normalizeH="0" baseline="0" noProof="0" dirty="0">
-              <a:ln>
-                <a:noFill/>
-              </a:ln>
-              <a:solidFill>
-                <a:prstClr val="black"/>
-              </a:solidFill>
-              <a:effectLst/>
-              <a:uLnTx/>
-              <a:uFillTx/>
-              <a:latin typeface="Palatino Linotype" panose="02040502050505030304" pitchFamily="18" charset="0"/>
-              <a:ea typeface="+mn-ea"/>
-              <a:cs typeface="+mn-cs"/>
-            </a:endParaRPr>
-          </a:p>
-          <a:p>
-            <a:pPr marL="285750" marR="0" lvl="0" indent="-285750" algn="ctr" defTabSz="914400" rtl="0" eaLnBrk="1" fontAlgn="auto" latinLnBrk="0" hangingPunct="1">
-              <a:lnSpc>
-                <a:spcPct val="100000"/>
-              </a:lnSpc>
-              <a:spcBef>
-                <a:spcPts val="0"/>
-              </a:spcBef>
-              <a:spcAft>
-                <a:spcPts val="0"/>
-              </a:spcAft>
-              <a:buClrTx/>
-              <a:buSzTx/>
-              <a:buFont typeface="Arial" panose="020B0604020202020204" pitchFamily="34" charset="0"/>
-              <a:buChar char="•"/>
-              <a:tabLst/>
-              <a:defRPr/>
-            </a:pPr>
-            <a:endParaRPr kumimoji="0" lang="en-US" sz="1800" b="0" i="0" u="none" strike="noStrike" kern="1200" cap="none" spc="0" normalizeH="0" baseline="0" noProof="0" dirty="0">
-              <a:ln>
-                <a:noFill/>
-              </a:ln>
-              <a:solidFill>
-                <a:prstClr val="black"/>
-              </a:solidFill>
-              <a:effectLst/>
-              <a:uLnTx/>
-              <a:uFillTx/>
-              <a:latin typeface="Palatino Linotype" panose="02040502050505030304" pitchFamily="18" charset="0"/>
-              <a:ea typeface="+mn-ea"/>
-              <a:cs typeface="+mn-cs"/>
-            </a:endParaRPr>
-          </a:p>
-          <a:p>
-            <a:pPr marL="285750" marR="0" lvl="0" indent="-285750" algn="l" defTabSz="914400" rtl="0" eaLnBrk="1" fontAlgn="auto" latinLnBrk="0" hangingPunct="1">
-              <a:lnSpc>
-                <a:spcPct val="100000"/>
-              </a:lnSpc>
-              <a:spcBef>
-                <a:spcPts val="0"/>
-              </a:spcBef>
-              <a:spcAft>
-                <a:spcPts val="0"/>
-              </a:spcAft>
-              <a:buClrTx/>
-              <a:buSzTx/>
-              <a:buFont typeface="Arial" panose="020B0604020202020204" pitchFamily="34" charset="0"/>
-              <a:buChar char="•"/>
-              <a:tabLst/>
-              <a:defRPr/>
-            </a:pPr>
-            <a:r>
-              <a:rPr kumimoji="0" lang="en-US" altLang="zh-CN" sz="1800" b="0" i="0" u="none" strike="noStrike" kern="1200" cap="none" spc="0" normalizeH="0" baseline="0" noProof="0" dirty="0">
-                <a:ln>
-                  <a:noFill/>
-                </a:ln>
-                <a:solidFill>
-                  <a:srgbClr val="70AD47">
-                    <a:lumMod val="75000"/>
-                  </a:srgbClr>
-                </a:solidFill>
-                <a:effectLst/>
-                <a:uLnTx/>
-                <a:uFillTx/>
-                <a:latin typeface="Palatino Linotype" panose="02040502050505030304" pitchFamily="18" charset="0"/>
-                <a:ea typeface="等线" panose="03000509000000000000" pitchFamily="65" charset="-122"/>
-                <a:cs typeface="+mn-cs"/>
-              </a:rPr>
-              <a:t>A simple procedure for </a:t>
-            </a:r>
-            <a:r>
-              <a:rPr kumimoji="0" lang="en-US" altLang="zh-CN" sz="1800" b="1" i="0" u="none" strike="noStrike" kern="1200" cap="none" spc="0" normalizeH="0" baseline="0" noProof="0" dirty="0">
-                <a:ln>
-                  <a:noFill/>
-                </a:ln>
-                <a:solidFill>
-                  <a:srgbClr val="70AD47">
-                    <a:lumMod val="75000"/>
-                  </a:srgbClr>
-                </a:solidFill>
-                <a:effectLst/>
-                <a:uLnTx/>
-                <a:uFillTx/>
-                <a:latin typeface="Palatino Linotype" panose="02040502050505030304" pitchFamily="18" charset="0"/>
-                <a:ea typeface="等线" panose="03000509000000000000" pitchFamily="65" charset="-122"/>
-                <a:cs typeface="+mn-cs"/>
-              </a:rPr>
-              <a:t>distinction btw. body &amp; outside world</a:t>
-            </a:r>
-          </a:p>
-          <a:p>
-            <a:pPr marL="285750" marR="0" lvl="0" indent="-285750" algn="l" defTabSz="914400" rtl="0" eaLnBrk="1" fontAlgn="auto" latinLnBrk="0" hangingPunct="1">
-              <a:lnSpc>
-                <a:spcPct val="100000"/>
-              </a:lnSpc>
-              <a:spcBef>
-                <a:spcPts val="0"/>
-              </a:spcBef>
-              <a:spcAft>
-                <a:spcPts val="0"/>
-              </a:spcAft>
-              <a:buClrTx/>
-              <a:buSzTx/>
-              <a:buFont typeface="Arial" panose="020B0604020202020204" pitchFamily="34" charset="0"/>
-              <a:buChar char="•"/>
-              <a:tabLst/>
-              <a:defRPr/>
-            </a:pPr>
-            <a:r>
-              <a:rPr kumimoji="0" lang="en-US" altLang="zh-CN" sz="1800" b="0" i="0" u="none" strike="noStrike" kern="1200" cap="none" spc="0" normalizeH="0" baseline="0" noProof="0" dirty="0">
-                <a:ln>
-                  <a:noFill/>
-                </a:ln>
-                <a:solidFill>
-                  <a:prstClr val="white">
-                    <a:lumMod val="75000"/>
-                  </a:prstClr>
-                </a:solidFill>
-                <a:effectLst/>
-                <a:uLnTx/>
-                <a:uFillTx/>
-                <a:latin typeface="Palatino Linotype" panose="02040502050505030304" pitchFamily="18" charset="0"/>
-                <a:ea typeface="等线" panose="03000509000000000000" pitchFamily="65" charset="-122"/>
-                <a:cs typeface="+mn-cs"/>
-              </a:rPr>
-              <a:t>A simple algorithm for characterizing #variables necessary to describe </a:t>
-            </a:r>
-            <a:r>
-              <a:rPr kumimoji="0" lang="en-US" altLang="zh-CN" sz="1800" b="1" i="0" u="none" strike="noStrike" kern="1200" cap="none" spc="0" normalizeH="0" baseline="0" noProof="0" dirty="0">
-                <a:ln>
-                  <a:noFill/>
-                </a:ln>
-                <a:solidFill>
-                  <a:prstClr val="white">
-                    <a:lumMod val="75000"/>
-                  </a:prstClr>
-                </a:solidFill>
-                <a:effectLst/>
-                <a:uLnTx/>
-                <a:uFillTx/>
-                <a:latin typeface="Palatino Linotype" panose="02040502050505030304" pitchFamily="18" charset="0"/>
-                <a:ea typeface="等线" panose="03000509000000000000" pitchFamily="65" charset="-122"/>
-                <a:cs typeface="+mn-cs"/>
-              </a:rPr>
-              <a:t>organism’s body </a:t>
-            </a:r>
-          </a:p>
-          <a:p>
-            <a:pPr marL="285750" marR="0" lvl="0" indent="-285750" algn="l" defTabSz="914400" rtl="0" eaLnBrk="1" fontAlgn="auto" latinLnBrk="0" hangingPunct="1">
-              <a:lnSpc>
-                <a:spcPct val="100000"/>
-              </a:lnSpc>
-              <a:spcBef>
-                <a:spcPts val="0"/>
-              </a:spcBef>
-              <a:spcAft>
-                <a:spcPts val="0"/>
-              </a:spcAft>
-              <a:buClrTx/>
-              <a:buSzTx/>
-              <a:buFont typeface="Arial" panose="020B0604020202020204" pitchFamily="34" charset="0"/>
-              <a:buChar char="•"/>
-              <a:tabLst/>
-              <a:defRPr/>
-            </a:pPr>
-            <a:r>
-              <a:rPr kumimoji="0" lang="en-US" altLang="zh-CN" sz="1800" b="0" i="0" u="none" strike="noStrike" kern="1200" cap="none" spc="0" normalizeH="0" baseline="0" noProof="0" dirty="0">
-                <a:ln>
-                  <a:noFill/>
-                </a:ln>
-                <a:solidFill>
-                  <a:prstClr val="white">
-                    <a:lumMod val="75000"/>
-                  </a:prstClr>
-                </a:solidFill>
-                <a:effectLst/>
-                <a:uLnTx/>
-                <a:uFillTx/>
-                <a:latin typeface="Palatino Linotype" panose="02040502050505030304" pitchFamily="18" charset="0"/>
-                <a:ea typeface="等线" panose="03000509000000000000" pitchFamily="65" charset="-122"/>
-                <a:cs typeface="+mn-cs"/>
-              </a:rPr>
-              <a:t>Brain can deduce dim of </a:t>
-            </a:r>
-            <a:r>
-              <a:rPr kumimoji="0" lang="en-US" altLang="zh-CN" sz="1800" b="1" i="0" u="none" strike="noStrike" kern="1200" cap="none" spc="0" normalizeH="0" baseline="0" noProof="0" dirty="0">
-                <a:ln>
-                  <a:noFill/>
-                </a:ln>
-                <a:solidFill>
-                  <a:prstClr val="white">
-                    <a:lumMod val="75000"/>
-                  </a:prstClr>
-                </a:solidFill>
-                <a:effectLst/>
-                <a:uLnTx/>
-                <a:uFillTx/>
-                <a:latin typeface="Palatino Linotype" panose="02040502050505030304" pitchFamily="18" charset="0"/>
-                <a:ea typeface="等线" panose="03000509000000000000" pitchFamily="65" charset="-122"/>
-                <a:cs typeface="+mn-cs"/>
-              </a:rPr>
-              <a:t>outside physical space </a:t>
-            </a:r>
-            <a:r>
-              <a:rPr kumimoji="0" lang="en-US" altLang="zh-CN" sz="1800" b="0" i="0" u="none" strike="noStrike" kern="1200" cap="none" spc="0" normalizeH="0" baseline="0" noProof="0" dirty="0">
-                <a:ln>
-                  <a:noFill/>
-                </a:ln>
-                <a:solidFill>
-                  <a:prstClr val="white">
-                    <a:lumMod val="75000"/>
-                  </a:prstClr>
-                </a:solidFill>
-                <a:effectLst/>
-                <a:uLnTx/>
-                <a:uFillTx/>
-                <a:latin typeface="Palatino Linotype" panose="02040502050505030304" pitchFamily="18" charset="0"/>
-                <a:ea typeface="等线" panose="03000509000000000000" pitchFamily="65" charset="-122"/>
-                <a:cs typeface="+mn-cs"/>
-              </a:rPr>
-              <a:t>and #additional nonspatial parameters needed to describe </a:t>
-            </a:r>
-            <a:r>
-              <a:rPr kumimoji="0" lang="en-US" altLang="zh-CN" sz="1800" b="0" i="0" u="none" strike="noStrike" kern="1200" cap="none" spc="0" normalizeH="0" baseline="0" noProof="0" dirty="0" err="1">
-                <a:ln>
-                  <a:noFill/>
-                </a:ln>
-                <a:solidFill>
-                  <a:prstClr val="white">
-                    <a:lumMod val="75000"/>
-                  </a:prstClr>
-                </a:solidFill>
-                <a:effectLst/>
-                <a:uLnTx/>
-                <a:uFillTx/>
-                <a:latin typeface="Palatino Linotype" panose="02040502050505030304" pitchFamily="18" charset="0"/>
-                <a:ea typeface="等线" panose="03000509000000000000" pitchFamily="65" charset="-122"/>
-                <a:cs typeface="+mn-cs"/>
-              </a:rPr>
-              <a:t>attr</a:t>
-            </a:r>
-            <a:r>
-              <a:rPr kumimoji="0" lang="en-US" altLang="zh-CN" sz="1800" b="0" i="0" u="none" strike="noStrike" kern="1200" cap="none" spc="0" normalizeH="0" baseline="0" noProof="0" dirty="0">
-                <a:ln>
-                  <a:noFill/>
-                </a:ln>
-                <a:solidFill>
-                  <a:prstClr val="white">
-                    <a:lumMod val="75000"/>
-                  </a:prstClr>
-                </a:solidFill>
-                <a:effectLst/>
-                <a:uLnTx/>
-                <a:uFillTx/>
-                <a:latin typeface="Palatino Linotype" panose="02040502050505030304" pitchFamily="18" charset="0"/>
-                <a:ea typeface="等线" panose="03000509000000000000" pitchFamily="65" charset="-122"/>
-                <a:cs typeface="+mn-cs"/>
-              </a:rPr>
-              <a:t>. of objects/entities within it</a:t>
-            </a:r>
-          </a:p>
-        </p:txBody>
-      </p:sp>
-      <p:sp>
-        <p:nvSpPr>
-          <p:cNvPr id="42" name="Oval 41">
-            <a:extLst>
-              <a:ext uri="{FF2B5EF4-FFF2-40B4-BE49-F238E27FC236}">
-                <a16:creationId xmlns:a16="http://schemas.microsoft.com/office/drawing/2014/main" id="{E9034EAF-6738-48A9-BFA0-BD5CEB6A3918}"/>
-              </a:ext>
-            </a:extLst>
-          </p:cNvPr>
-          <p:cNvSpPr/>
-          <p:nvPr/>
-        </p:nvSpPr>
-        <p:spPr>
-          <a:xfrm>
-            <a:off x="2473926" y="690182"/>
-            <a:ext cx="260804" cy="260804"/>
-          </a:xfrm>
-          <a:prstGeom prst="ellipse">
-            <a:avLst/>
-          </a:prstGeom>
-          <a:solidFill>
-            <a:schemeClr val="bg1"/>
-          </a:solidFill>
-          <a:ln>
-            <a:solidFill>
-              <a:schemeClr val="tx1"/>
-            </a:solidFill>
-          </a:ln>
-        </p:spPr>
-        <p:style>
-          <a:lnRef idx="2">
-            <a:schemeClr val="accent1">
-              <a:shade val="50000"/>
-            </a:schemeClr>
-          </a:lnRef>
-          <a:fillRef idx="1">
-            <a:schemeClr val="accent1"/>
-          </a:fillRef>
-          <a:effectRef idx="0">
-            <a:schemeClr val="accent1"/>
-          </a:effectRef>
-          <a:fontRef idx="minor">
-            <a:schemeClr val="lt1"/>
-          </a:fontRef>
-        </p:style>
-        <p:txBody>
-          <a:bodyPr rtlCol="0" anchor="ctr"/>
-          <a:lstStyle/>
-          <a:p>
-            <a:pPr marL="0" marR="0" lvl="0" indent="0" algn="ctr" defTabSz="914400" rtl="0" eaLnBrk="1" fontAlgn="auto" latinLnBrk="0" hangingPunct="1">
-              <a:lnSpc>
-                <a:spcPct val="100000"/>
-              </a:lnSpc>
-              <a:spcBef>
-                <a:spcPts val="0"/>
-              </a:spcBef>
-              <a:spcAft>
-                <a:spcPts val="0"/>
-              </a:spcAft>
-              <a:buClrTx/>
-              <a:buSzTx/>
-              <a:buFontTx/>
-              <a:buNone/>
-              <a:tabLst/>
-              <a:defRPr/>
-            </a:pPr>
-            <a:r>
-              <a:rPr kumimoji="0" lang="en-US" sz="1600" b="1" i="0" u="none" strike="noStrike" kern="1200" cap="none" spc="0" normalizeH="0" baseline="0" noProof="0" dirty="0">
-                <a:ln>
-                  <a:noFill/>
-                </a:ln>
-                <a:solidFill>
-                  <a:sysClr val="windowText" lastClr="000000"/>
-                </a:solidFill>
-                <a:effectLst/>
-                <a:uLnTx/>
-                <a:uFillTx/>
-                <a:latin typeface="Palatino Linotype" panose="02040502050505030304" pitchFamily="18" charset="0"/>
-                <a:ea typeface="+mn-ea"/>
-                <a:cs typeface="+mn-cs"/>
-              </a:rPr>
-              <a:t>4</a:t>
-            </a:r>
-          </a:p>
-        </p:txBody>
-      </p:sp>
-      <p:sp>
-        <p:nvSpPr>
-          <p:cNvPr id="30" name="Rectangle 29">
-            <a:extLst>
-              <a:ext uri="{FF2B5EF4-FFF2-40B4-BE49-F238E27FC236}">
-                <a16:creationId xmlns:a16="http://schemas.microsoft.com/office/drawing/2014/main" id="{4595590B-CA72-421A-AA9F-947F229DD6CE}"/>
-              </a:ext>
-            </a:extLst>
-          </p:cNvPr>
-          <p:cNvSpPr/>
-          <p:nvPr/>
-        </p:nvSpPr>
-        <p:spPr>
-          <a:xfrm>
-            <a:off x="10190607" y="152484"/>
-            <a:ext cx="1582484" cy="646331"/>
-          </a:xfrm>
-          <a:prstGeom prst="rect">
-            <a:avLst/>
-          </a:prstGeom>
-          <a:noFill/>
-        </p:spPr>
-        <p:txBody>
-          <a:bodyPr wrap="none">
-            <a:spAutoFit/>
-          </a:bodyPr>
-          <a:lstStyle/>
-          <a:p>
-            <a:pPr marL="0" marR="0" lvl="0" indent="0" algn="ctr" defTabSz="914400" rtl="0" eaLnBrk="1" fontAlgn="auto" latinLnBrk="0" hangingPunct="1">
-              <a:lnSpc>
-                <a:spcPct val="100000"/>
-              </a:lnSpc>
-              <a:spcBef>
-                <a:spcPts val="0"/>
-              </a:spcBef>
-              <a:spcAft>
-                <a:spcPts val="0"/>
-              </a:spcAft>
-              <a:buClrTx/>
-              <a:buSzTx/>
-              <a:buFontTx/>
-              <a:buNone/>
-              <a:tabLst/>
-              <a:defRPr/>
-            </a:pPr>
-            <a:r>
-              <a:rPr kumimoji="0" lang="en-US" sz="1800" b="1" i="1" u="none" strike="noStrike" kern="1200" cap="none" spc="0" normalizeH="0" baseline="0" noProof="0" dirty="0">
-                <a:ln>
-                  <a:noFill/>
-                </a:ln>
-                <a:solidFill>
-                  <a:schemeClr val="accent4">
-                    <a:lumMod val="75000"/>
-                  </a:schemeClr>
-                </a:solidFill>
-                <a:effectLst/>
-                <a:uLnTx/>
-                <a:uFillTx/>
-                <a:latin typeface="Palatino Linotype" panose="02040502050505030304" pitchFamily="18" charset="0"/>
-                <a:ea typeface="+mn-ea"/>
-                <a:cs typeface="+mn-cs"/>
-              </a:rPr>
-              <a:t>Exteroceptive</a:t>
-            </a:r>
-          </a:p>
-          <a:p>
-            <a:pPr marL="0" marR="0" lvl="0" indent="0" algn="ctr" defTabSz="914400" rtl="0" eaLnBrk="1" fontAlgn="auto" latinLnBrk="0" hangingPunct="1">
-              <a:lnSpc>
-                <a:spcPct val="100000"/>
-              </a:lnSpc>
-              <a:spcBef>
-                <a:spcPts val="0"/>
-              </a:spcBef>
-              <a:spcAft>
-                <a:spcPts val="0"/>
-              </a:spcAft>
-              <a:buClrTx/>
-              <a:buSzTx/>
-              <a:buFontTx/>
-              <a:buNone/>
-              <a:tabLst/>
-              <a:defRPr/>
-            </a:pPr>
-            <a:r>
-              <a:rPr kumimoji="0" lang="en-US" altLang="zh-CN" sz="1800" b="1" i="1" u="none" strike="noStrike" kern="1200" cap="none" spc="0" normalizeH="0" baseline="0" noProof="0" dirty="0">
-                <a:ln>
-                  <a:noFill/>
-                </a:ln>
-                <a:solidFill>
-                  <a:schemeClr val="accent4">
-                    <a:lumMod val="75000"/>
-                  </a:schemeClr>
-                </a:solidFill>
-                <a:effectLst/>
-                <a:uLnTx/>
-                <a:uFillTx/>
-                <a:latin typeface="Palatino Linotype" panose="02040502050505030304" pitchFamily="18" charset="0"/>
-                <a:ea typeface="等线" panose="03000509000000000000" pitchFamily="65" charset="-122"/>
-                <a:cs typeface="+mn-cs"/>
-              </a:rPr>
-              <a:t>input</a:t>
-            </a:r>
-            <a:endParaRPr kumimoji="0" lang="en-US" sz="1800" b="1" i="1" u="none" strike="noStrike" kern="1200" cap="none" spc="0" normalizeH="0" baseline="0" noProof="0" dirty="0">
-              <a:ln>
-                <a:noFill/>
-              </a:ln>
-              <a:solidFill>
-                <a:schemeClr val="accent4">
-                  <a:lumMod val="75000"/>
-                </a:schemeClr>
-              </a:solidFill>
-              <a:effectLst/>
-              <a:uLnTx/>
-              <a:uFillTx/>
-              <a:latin typeface="Calibri" panose="020F0502020204030204"/>
-              <a:cs typeface="+mn-cs"/>
-            </a:endParaRPr>
-          </a:p>
-        </p:txBody>
-      </p:sp>
-      <p:cxnSp>
-        <p:nvCxnSpPr>
-          <p:cNvPr id="6" name="Straight Connector 5">
-            <a:extLst>
-              <a:ext uri="{FF2B5EF4-FFF2-40B4-BE49-F238E27FC236}">
-                <a16:creationId xmlns:a16="http://schemas.microsoft.com/office/drawing/2014/main" id="{259D3DE0-89F2-4BC0-A7A9-46DBDD924C30}"/>
-              </a:ext>
-            </a:extLst>
-          </p:cNvPr>
-          <p:cNvCxnSpPr/>
-          <p:nvPr/>
-        </p:nvCxnSpPr>
-        <p:spPr>
-          <a:xfrm flipH="1">
-            <a:off x="9679577" y="749900"/>
-            <a:ext cx="1292771" cy="817643"/>
-          </a:xfrm>
-          <a:prstGeom prst="line">
-            <a:avLst/>
-          </a:prstGeom>
-          <a:ln>
-            <a:solidFill>
-              <a:schemeClr val="accent4"/>
-            </a:solidFill>
-          </a:ln>
-        </p:spPr>
-        <p:style>
-          <a:lnRef idx="1">
-            <a:schemeClr val="accent1"/>
-          </a:lnRef>
-          <a:fillRef idx="0">
-            <a:schemeClr val="accent1"/>
-          </a:fillRef>
-          <a:effectRef idx="0">
-            <a:schemeClr val="accent1"/>
-          </a:effectRef>
-          <a:fontRef idx="minor">
-            <a:schemeClr val="tx1"/>
-          </a:fontRef>
-        </p:style>
-      </p:cxnSp>
-      <p:cxnSp>
-        <p:nvCxnSpPr>
-          <p:cNvPr id="43" name="Straight Connector 42">
-            <a:extLst>
-              <a:ext uri="{FF2B5EF4-FFF2-40B4-BE49-F238E27FC236}">
-                <a16:creationId xmlns:a16="http://schemas.microsoft.com/office/drawing/2014/main" id="{E7A9F20F-A6EB-4B66-ABD2-8590CA8B2B7D}"/>
-              </a:ext>
-            </a:extLst>
-          </p:cNvPr>
-          <p:cNvCxnSpPr>
-            <a:cxnSpLocks/>
-            <a:stCxn id="30" idx="2"/>
-          </p:cNvCxnSpPr>
-          <p:nvPr/>
-        </p:nvCxnSpPr>
-        <p:spPr>
-          <a:xfrm flipH="1">
-            <a:off x="10384241" y="798815"/>
-            <a:ext cx="597608" cy="994027"/>
-          </a:xfrm>
-          <a:prstGeom prst="line">
-            <a:avLst/>
-          </a:prstGeom>
-          <a:ln>
-            <a:solidFill>
-              <a:schemeClr val="accent4"/>
-            </a:solidFill>
-          </a:ln>
-        </p:spPr>
-        <p:style>
-          <a:lnRef idx="1">
-            <a:schemeClr val="accent1"/>
-          </a:lnRef>
-          <a:fillRef idx="0">
-            <a:schemeClr val="accent1"/>
-          </a:fillRef>
-          <a:effectRef idx="0">
-            <a:schemeClr val="accent1"/>
-          </a:effectRef>
-          <a:fontRef idx="minor">
-            <a:schemeClr val="tx1"/>
-          </a:fontRef>
-        </p:style>
-      </p:cxnSp>
-      <p:sp>
-        <p:nvSpPr>
-          <p:cNvPr id="46" name="Rectangle 45">
-            <a:extLst>
-              <a:ext uri="{FF2B5EF4-FFF2-40B4-BE49-F238E27FC236}">
-                <a16:creationId xmlns:a16="http://schemas.microsoft.com/office/drawing/2014/main" id="{4DF3FBD6-3066-4F5A-8808-478EAF8CF4EE}"/>
-              </a:ext>
-            </a:extLst>
-          </p:cNvPr>
-          <p:cNvSpPr/>
-          <p:nvPr/>
-        </p:nvSpPr>
-        <p:spPr>
-          <a:xfrm>
-            <a:off x="7933179" y="1256997"/>
-            <a:ext cx="1356461" cy="646331"/>
-          </a:xfrm>
-          <a:prstGeom prst="rect">
-            <a:avLst/>
-          </a:prstGeom>
-          <a:noFill/>
-        </p:spPr>
-        <p:txBody>
-          <a:bodyPr wrap="none">
-            <a:spAutoFit/>
-          </a:bodyPr>
-          <a:lstStyle/>
-          <a:p>
-            <a:pPr marL="0" marR="0" lvl="0" indent="0" algn="ctr" defTabSz="914400" rtl="0" eaLnBrk="1" fontAlgn="auto" latinLnBrk="0" hangingPunct="1">
-              <a:lnSpc>
-                <a:spcPct val="100000"/>
-              </a:lnSpc>
-              <a:spcBef>
-                <a:spcPts val="0"/>
-              </a:spcBef>
-              <a:spcAft>
-                <a:spcPts val="0"/>
-              </a:spcAft>
-              <a:buClrTx/>
-              <a:buSzTx/>
-              <a:buFontTx/>
-              <a:buNone/>
-              <a:tabLst/>
-              <a:defRPr/>
-            </a:pPr>
-            <a:r>
-              <a:rPr lang="en-US" i="1" dirty="0">
-                <a:solidFill>
-                  <a:schemeClr val="accent4">
-                    <a:lumMod val="75000"/>
-                  </a:schemeClr>
-                </a:solidFill>
-                <a:latin typeface="Palatino Linotype" panose="02040502050505030304" pitchFamily="18" charset="0"/>
-              </a:rPr>
-              <a:t>40</a:t>
-            </a:r>
-          </a:p>
-          <a:p>
-            <a:pPr marL="0" marR="0" lvl="0" indent="0" algn="ctr" defTabSz="914400" rtl="0" eaLnBrk="1" fontAlgn="auto" latinLnBrk="0" hangingPunct="1">
-              <a:lnSpc>
-                <a:spcPct val="100000"/>
-              </a:lnSpc>
-              <a:spcBef>
-                <a:spcPts val="0"/>
-              </a:spcBef>
-              <a:spcAft>
-                <a:spcPts val="0"/>
-              </a:spcAft>
-              <a:buClrTx/>
-              <a:buSzTx/>
-              <a:buFontTx/>
-              <a:buNone/>
-              <a:tabLst/>
-              <a:defRPr/>
-            </a:pPr>
-            <a:r>
-              <a:rPr lang="en-US" i="1" dirty="0">
-                <a:solidFill>
-                  <a:schemeClr val="accent4">
-                    <a:lumMod val="75000"/>
-                  </a:schemeClr>
-                </a:solidFill>
-                <a:latin typeface="Palatino Linotype" panose="02040502050505030304" pitchFamily="18" charset="0"/>
-              </a:rPr>
-              <a:t>photoceptors</a:t>
-            </a:r>
-            <a:endParaRPr kumimoji="0" lang="en-US" sz="1800" i="1" u="none" strike="noStrike" kern="1200" cap="none" spc="0" normalizeH="0" baseline="0" noProof="0" dirty="0">
-              <a:ln>
-                <a:noFill/>
-              </a:ln>
-              <a:solidFill>
-                <a:schemeClr val="accent4">
-                  <a:lumMod val="75000"/>
-                </a:schemeClr>
-              </a:solidFill>
-              <a:effectLst/>
-              <a:uLnTx/>
-              <a:uFillTx/>
-              <a:latin typeface="Calibri" panose="020F0502020204030204"/>
-            </a:endParaRPr>
-          </a:p>
-        </p:txBody>
-      </p:sp>
-      <p:sp>
-        <p:nvSpPr>
-          <p:cNvPr id="52" name="Arrow: Right 51">
-            <a:extLst>
-              <a:ext uri="{FF2B5EF4-FFF2-40B4-BE49-F238E27FC236}">
-                <a16:creationId xmlns:a16="http://schemas.microsoft.com/office/drawing/2014/main" id="{C630F117-1DE5-49B7-8FD1-75E563EF5CBF}"/>
-              </a:ext>
-            </a:extLst>
-          </p:cNvPr>
-          <p:cNvSpPr/>
-          <p:nvPr/>
-        </p:nvSpPr>
-        <p:spPr>
-          <a:xfrm rot="16200000">
-            <a:off x="8438264" y="909371"/>
-            <a:ext cx="348488" cy="436418"/>
-          </a:xfrm>
-          <a:prstGeom prst="rightArrow">
-            <a:avLst/>
-          </a:prstGeom>
-          <a:solidFill>
-            <a:schemeClr val="accent6">
-              <a:lumMod val="40000"/>
-              <a:lumOff val="60000"/>
-            </a:schemeClr>
-          </a:solidFill>
-          <a:ln>
-            <a:noFill/>
-          </a:ln>
-        </p:spPr>
-        <p:style>
-          <a:lnRef idx="2">
-            <a:schemeClr val="accent1">
-              <a:shade val="50000"/>
-            </a:schemeClr>
-          </a:lnRef>
-          <a:fillRef idx="1">
-            <a:schemeClr val="accent1"/>
-          </a:fillRef>
-          <a:effectRef idx="0">
-            <a:schemeClr val="accent1"/>
-          </a:effectRef>
-          <a:fontRef idx="minor">
-            <a:schemeClr val="lt1"/>
-          </a:fontRef>
-        </p:style>
-        <p:txBody>
-          <a:bodyPr rtlCol="0" anchor="ctr"/>
-          <a:lstStyle/>
-          <a:p>
-            <a:pPr algn="ctr"/>
-            <a:endParaRPr lang="en-US"/>
-          </a:p>
-        </p:txBody>
-      </p:sp>
-      <p:sp>
-        <p:nvSpPr>
-          <p:cNvPr id="53" name="Rectangle 52">
-            <a:extLst>
-              <a:ext uri="{FF2B5EF4-FFF2-40B4-BE49-F238E27FC236}">
-                <a16:creationId xmlns:a16="http://schemas.microsoft.com/office/drawing/2014/main" id="{887CD7EA-5DDB-4C2D-9CBD-18DA752090D5}"/>
-              </a:ext>
-            </a:extLst>
-          </p:cNvPr>
-          <p:cNvSpPr/>
-          <p:nvPr/>
-        </p:nvSpPr>
-        <p:spPr>
-          <a:xfrm>
-            <a:off x="7832511" y="501504"/>
-            <a:ext cx="1473480" cy="369332"/>
-          </a:xfrm>
-          <a:prstGeom prst="rect">
-            <a:avLst/>
-          </a:prstGeom>
-          <a:noFill/>
-        </p:spPr>
-        <p:txBody>
-          <a:bodyPr wrap="none">
-            <a:spAutoFit/>
-          </a:bodyPr>
-          <a:lstStyle/>
-          <a:p>
-            <a:pPr marL="0" marR="0" lvl="0" indent="0" algn="ctr" defTabSz="914400" rtl="0" eaLnBrk="1" fontAlgn="auto" latinLnBrk="0" hangingPunct="1">
-              <a:lnSpc>
-                <a:spcPct val="100000"/>
-              </a:lnSpc>
-              <a:spcBef>
-                <a:spcPts val="0"/>
-              </a:spcBef>
-              <a:spcAft>
-                <a:spcPts val="0"/>
-              </a:spcAft>
-              <a:buClrTx/>
-              <a:buSzTx/>
-              <a:buFontTx/>
-              <a:buNone/>
-              <a:tabLst/>
-              <a:defRPr/>
-            </a:pPr>
-            <a:r>
-              <a:rPr lang="en-US" i="1" dirty="0">
-                <a:solidFill>
-                  <a:srgbClr val="C00000"/>
-                </a:solidFill>
-                <a:latin typeface="Palatino Linotype" panose="02040502050505030304" pitchFamily="18" charset="0"/>
-              </a:rPr>
-              <a:t>p</a:t>
-            </a:r>
-            <a:r>
-              <a:rPr kumimoji="0" lang="en-US" sz="1800" i="1" u="none" strike="noStrike" kern="1200" cap="none" spc="0" normalizeH="0" baseline="0" noProof="0" dirty="0" err="1">
-                <a:ln>
-                  <a:noFill/>
-                </a:ln>
-                <a:solidFill>
-                  <a:srgbClr val="C00000"/>
-                </a:solidFill>
-                <a:effectLst/>
-                <a:uLnTx/>
-                <a:uFillTx/>
-                <a:latin typeface="Palatino Linotype" panose="02040502050505030304" pitchFamily="18" charset="0"/>
-                <a:ea typeface="+mn-ea"/>
-                <a:cs typeface="+mn-cs"/>
-              </a:rPr>
-              <a:t>os</a:t>
-            </a:r>
-            <a:r>
-              <a:rPr kumimoji="0" lang="en-US" sz="1800" i="1" u="none" strike="noStrike" kern="1200" cap="none" spc="0" normalizeH="0" baseline="0" noProof="0" dirty="0">
-                <a:ln>
-                  <a:noFill/>
-                </a:ln>
-                <a:solidFill>
-                  <a:srgbClr val="C00000"/>
-                </a:solidFill>
-                <a:effectLst/>
-                <a:uLnTx/>
-                <a:uFillTx/>
-                <a:latin typeface="Palatino Linotype" panose="02040502050505030304" pitchFamily="18" charset="0"/>
-                <a:ea typeface="+mn-ea"/>
-                <a:cs typeface="+mn-cs"/>
-              </a:rPr>
-              <a:t> of 3 lights</a:t>
-            </a:r>
-            <a:endParaRPr kumimoji="0" lang="en-US" sz="1800" i="1" u="none" strike="noStrike" kern="1200" cap="none" spc="0" normalizeH="0" baseline="0" noProof="0" dirty="0">
-              <a:ln>
-                <a:noFill/>
-              </a:ln>
-              <a:solidFill>
-                <a:srgbClr val="C00000"/>
-              </a:solidFill>
-              <a:effectLst/>
-              <a:uLnTx/>
-              <a:uFillTx/>
-              <a:latin typeface="Calibri" panose="020F0502020204030204"/>
-              <a:ea typeface="+mn-ea"/>
-              <a:cs typeface="+mn-cs"/>
-            </a:endParaRPr>
-          </a:p>
-        </p:txBody>
-      </p:sp>
-      <p:sp>
-        <p:nvSpPr>
-          <p:cNvPr id="54" name="Rectangle 53">
-            <a:extLst>
-              <a:ext uri="{FF2B5EF4-FFF2-40B4-BE49-F238E27FC236}">
-                <a16:creationId xmlns:a16="http://schemas.microsoft.com/office/drawing/2014/main" id="{EE81BA4E-F8D0-465C-92A3-15C1B83972A2}"/>
-              </a:ext>
-            </a:extLst>
-          </p:cNvPr>
-          <p:cNvSpPr/>
-          <p:nvPr/>
-        </p:nvSpPr>
-        <p:spPr>
-          <a:xfrm>
-            <a:off x="8049256" y="3363497"/>
-            <a:ext cx="2722284" cy="369332"/>
-          </a:xfrm>
-          <a:prstGeom prst="rect">
-            <a:avLst/>
-          </a:prstGeom>
-          <a:solidFill>
-            <a:schemeClr val="bg1">
-              <a:lumMod val="95000"/>
-            </a:schemeClr>
-          </a:solidFill>
-        </p:spPr>
-        <p:txBody>
-          <a:bodyPr wrap="none">
-            <a:spAutoFit/>
-          </a:bodyPr>
-          <a:lstStyle/>
-          <a:p>
-            <a:pPr marL="0" marR="0" lvl="0" indent="0" algn="l" defTabSz="914400" rtl="0" eaLnBrk="1" fontAlgn="auto" latinLnBrk="0" hangingPunct="1">
-              <a:lnSpc>
-                <a:spcPct val="100000"/>
-              </a:lnSpc>
-              <a:spcBef>
-                <a:spcPts val="0"/>
-              </a:spcBef>
-              <a:spcAft>
-                <a:spcPts val="0"/>
-              </a:spcAft>
-              <a:buClrTx/>
-              <a:buSzTx/>
-              <a:buFontTx/>
-              <a:buNone/>
-              <a:tabLst/>
-              <a:defRPr/>
-            </a:pPr>
-            <a:r>
-              <a:rPr lang="en-US" b="1" dirty="0">
-                <a:solidFill>
-                  <a:prstClr val="black"/>
-                </a:solidFill>
-                <a:latin typeface="Palatino Linotype" panose="02040502050505030304" pitchFamily="18" charset="0"/>
-              </a:rPr>
-              <a:t>env. change / motor </a:t>
-            </a:r>
-            <a:r>
-              <a:rPr lang="en-US" b="1" dirty="0" err="1">
-                <a:solidFill>
-                  <a:prstClr val="black"/>
-                </a:solidFill>
-                <a:latin typeface="Palatino Linotype" panose="02040502050505030304" pitchFamily="18" charset="0"/>
-              </a:rPr>
-              <a:t>cmd</a:t>
-            </a:r>
-            <a:endParaRPr kumimoji="0" lang="en-US" sz="1800" b="1" i="0" u="none" strike="noStrike" kern="1200" cap="none" spc="0" normalizeH="0" baseline="0" noProof="0" dirty="0">
-              <a:ln>
-                <a:noFill/>
-              </a:ln>
-              <a:solidFill>
-                <a:prstClr val="black"/>
-              </a:solidFill>
-              <a:effectLst/>
-              <a:uLnTx/>
-              <a:uFillTx/>
-              <a:latin typeface="Calibri" panose="020F0502020204030204"/>
-              <a:ea typeface="+mn-ea"/>
-              <a:cs typeface="+mn-cs"/>
-            </a:endParaRPr>
-          </a:p>
-        </p:txBody>
-      </p:sp>
-      <p:sp>
-        <p:nvSpPr>
-          <p:cNvPr id="58" name="Rectangle 57">
-            <a:extLst>
-              <a:ext uri="{FF2B5EF4-FFF2-40B4-BE49-F238E27FC236}">
-                <a16:creationId xmlns:a16="http://schemas.microsoft.com/office/drawing/2014/main" id="{9673DA20-9A29-42B1-9B1B-2088D84E77CE}"/>
-              </a:ext>
-            </a:extLst>
-          </p:cNvPr>
-          <p:cNvSpPr/>
-          <p:nvPr/>
-        </p:nvSpPr>
-        <p:spPr>
-          <a:xfrm>
-            <a:off x="7840288" y="173573"/>
-            <a:ext cx="1396536" cy="369332"/>
-          </a:xfrm>
-          <a:prstGeom prst="rect">
-            <a:avLst/>
-          </a:prstGeom>
-          <a:noFill/>
-        </p:spPr>
-        <p:txBody>
-          <a:bodyPr wrap="none">
-            <a:spAutoFit/>
-          </a:bodyPr>
-          <a:lstStyle/>
-          <a:p>
-            <a:pPr marL="0" marR="0" lvl="0" indent="0" algn="ctr" defTabSz="914400" rtl="0" eaLnBrk="1" fontAlgn="auto" latinLnBrk="0" hangingPunct="1">
-              <a:lnSpc>
-                <a:spcPct val="100000"/>
-              </a:lnSpc>
-              <a:spcBef>
-                <a:spcPts val="0"/>
-              </a:spcBef>
-              <a:spcAft>
-                <a:spcPts val="0"/>
-              </a:spcAft>
-              <a:buClrTx/>
-              <a:buSzTx/>
-              <a:buFontTx/>
-              <a:buNone/>
-              <a:tabLst/>
-              <a:defRPr/>
-            </a:pPr>
-            <a:r>
-              <a:rPr lang="en-US" b="1" i="1" dirty="0">
-                <a:solidFill>
-                  <a:srgbClr val="C00000"/>
-                </a:solidFill>
-                <a:latin typeface="Palatino Linotype" panose="02040502050505030304" pitchFamily="18" charset="0"/>
-              </a:rPr>
-              <a:t>(</a:t>
-            </a:r>
-            <a:r>
-              <a:rPr lang="en-US" b="1" i="1" dirty="0" err="1">
-                <a:solidFill>
-                  <a:srgbClr val="C00000"/>
-                </a:solidFill>
-                <a:latin typeface="Palatino Linotype" panose="02040502050505030304" pitchFamily="18" charset="0"/>
-              </a:rPr>
-              <a:t>rep.of</a:t>
-            </a:r>
-            <a:r>
-              <a:rPr lang="en-US" b="1" i="1" dirty="0">
-                <a:solidFill>
-                  <a:srgbClr val="C00000"/>
-                </a:solidFill>
-                <a:latin typeface="Palatino Linotype" panose="02040502050505030304" pitchFamily="18" charset="0"/>
-              </a:rPr>
-              <a:t> env.)</a:t>
-            </a:r>
-            <a:endParaRPr kumimoji="0" lang="en-US" sz="1800" b="1" i="1" u="none" strike="noStrike" kern="1200" cap="none" spc="0" normalizeH="0" baseline="0" noProof="0" dirty="0">
-              <a:ln>
-                <a:noFill/>
-              </a:ln>
-              <a:solidFill>
-                <a:srgbClr val="C00000"/>
-              </a:solidFill>
-              <a:effectLst/>
-              <a:uLnTx/>
-              <a:uFillTx/>
-              <a:latin typeface="Calibri" panose="020F0502020204030204"/>
-            </a:endParaRPr>
-          </a:p>
-        </p:txBody>
-      </p:sp>
-    </p:spTree>
-    <p:extLst>
-      <p:ext uri="{BB962C8B-B14F-4D97-AF65-F5344CB8AC3E}">
-        <p14:creationId xmlns:p14="http://schemas.microsoft.com/office/powerpoint/2010/main" val="349518625"/>
-      </p:ext>
-    </p:extLst>
-  </p:cSld>
-  <p:clrMapOvr>
-    <a:masterClrMapping/>
-  </p:clrMapOvr>
-</p:sld>
-</file>
-
-<file path=ppt/slides/slide11.xml><?xml version="1.0" encoding="utf-8"?>
-<p:sld xmlns:a="http://schemas.openxmlformats.org/drawingml/2006/main" xmlns:r="http://schemas.openxmlformats.org/officeDocument/2006/relationships" xmlns:p="http://schemas.openxmlformats.org/presentationml/2006/main">
   <p:cSld>
     <p:bg>
       <p:bgPr>
@@ -7090,9 +5096,9 @@
                   <a:noFill/>
                 </a:ln>
                 <a:solidFill>
-                  <a:srgbClr val="FFC000">
+                  <a:schemeClr val="accent4">
                     <a:lumMod val="75000"/>
-                  </a:srgbClr>
+                  </a:schemeClr>
                 </a:solidFill>
                 <a:effectLst/>
                 <a:uLnTx/>
@@ -7128,9 +5134,9 @@
                   <a:noFill/>
                 </a:ln>
                 <a:solidFill>
-                  <a:srgbClr val="FFC000">
+                  <a:schemeClr val="accent4">
                     <a:lumMod val="75000"/>
-                  </a:srgbClr>
+                  </a:schemeClr>
                 </a:solidFill>
                 <a:effectLst/>
                 <a:uLnTx/>
@@ -7146,15 +5152,14 @@
                 <a:noFill/>
               </a:ln>
               <a:solidFill>
-                <a:srgbClr val="FFC000">
+                <a:schemeClr val="accent4">
                   <a:lumMod val="75000"/>
-                </a:srgbClr>
+                </a:schemeClr>
               </a:solidFill>
               <a:effectLst/>
               <a:uLnTx/>
               <a:uFillTx/>
               <a:latin typeface="Calibri" panose="020F0502020204030204"/>
-              <a:ea typeface="+mn-ea"/>
               <a:cs typeface="+mn-cs"/>
             </a:endParaRPr>
           </a:p>
@@ -7247,10 +5252,10 @@
       </p:cxnSp>
       <p:sp>
         <p:nvSpPr>
-          <p:cNvPr id="54" name="Rectangle 53">
+          <p:cNvPr id="46" name="Rectangle 45">
             <a:extLst>
               <a:ext uri="{FF2B5EF4-FFF2-40B4-BE49-F238E27FC236}">
-                <a16:creationId xmlns:a16="http://schemas.microsoft.com/office/drawing/2014/main" id="{EE81BA4E-F8D0-465C-92A3-15C1B83972A2}"/>
+                <a16:creationId xmlns:a16="http://schemas.microsoft.com/office/drawing/2014/main" id="{4DF3FBD6-3066-4F5A-8808-478EAF8CF4EE}"/>
               </a:ext>
             </a:extLst>
           </p:cNvPr>
@@ -7259,8 +5264,271 @@
         </p:nvSpPr>
         <p:spPr>
           <a:xfrm>
-            <a:off x="10493545" y="1896878"/>
-            <a:ext cx="1524776" cy="369332"/>
+            <a:off x="7933179" y="1256997"/>
+            <a:ext cx="1356461" cy="646331"/>
+          </a:xfrm>
+          <a:prstGeom prst="rect">
+            <a:avLst/>
+          </a:prstGeom>
+          <a:noFill/>
+        </p:spPr>
+        <p:txBody>
+          <a:bodyPr wrap="none">
+            <a:spAutoFit/>
+          </a:bodyPr>
+          <a:lstStyle/>
+          <a:p>
+            <a:pPr marL="0" marR="0" lvl="0" indent="0" algn="ctr" defTabSz="914400" rtl="0" eaLnBrk="1" fontAlgn="auto" latinLnBrk="0" hangingPunct="1">
+              <a:lnSpc>
+                <a:spcPct val="100000"/>
+              </a:lnSpc>
+              <a:spcBef>
+                <a:spcPts val="0"/>
+              </a:spcBef>
+              <a:spcAft>
+                <a:spcPts val="0"/>
+              </a:spcAft>
+              <a:buClrTx/>
+              <a:buSzTx/>
+              <a:buFontTx/>
+              <a:buNone/>
+              <a:tabLst/>
+              <a:defRPr/>
+            </a:pPr>
+            <a:r>
+              <a:rPr lang="en-US" i="1" dirty="0">
+                <a:solidFill>
+                  <a:schemeClr val="accent4">
+                    <a:lumMod val="75000"/>
+                  </a:schemeClr>
+                </a:solidFill>
+                <a:latin typeface="Palatino Linotype" panose="02040502050505030304" pitchFamily="18" charset="0"/>
+              </a:rPr>
+              <a:t>40</a:t>
+            </a:r>
+          </a:p>
+          <a:p>
+            <a:pPr marL="0" marR="0" lvl="0" indent="0" algn="ctr" defTabSz="914400" rtl="0" eaLnBrk="1" fontAlgn="auto" latinLnBrk="0" hangingPunct="1">
+              <a:lnSpc>
+                <a:spcPct val="100000"/>
+              </a:lnSpc>
+              <a:spcBef>
+                <a:spcPts val="0"/>
+              </a:spcBef>
+              <a:spcAft>
+                <a:spcPts val="0"/>
+              </a:spcAft>
+              <a:buClrTx/>
+              <a:buSzTx/>
+              <a:buFontTx/>
+              <a:buNone/>
+              <a:tabLst/>
+              <a:defRPr/>
+            </a:pPr>
+            <a:r>
+              <a:rPr lang="en-US" i="1" dirty="0">
+                <a:solidFill>
+                  <a:schemeClr val="accent4">
+                    <a:lumMod val="75000"/>
+                  </a:schemeClr>
+                </a:solidFill>
+                <a:latin typeface="Palatino Linotype" panose="02040502050505030304" pitchFamily="18" charset="0"/>
+              </a:rPr>
+              <a:t>photoceptors</a:t>
+            </a:r>
+            <a:endParaRPr kumimoji="0" lang="en-US" sz="1800" i="1" u="none" strike="noStrike" kern="1200" cap="none" spc="0" normalizeH="0" baseline="0" noProof="0" dirty="0">
+              <a:ln>
+                <a:noFill/>
+              </a:ln>
+              <a:solidFill>
+                <a:schemeClr val="accent4">
+                  <a:lumMod val="75000"/>
+                </a:schemeClr>
+              </a:solidFill>
+              <a:effectLst/>
+              <a:uLnTx/>
+              <a:uFillTx/>
+              <a:latin typeface="Calibri" panose="020F0502020204030204"/>
+            </a:endParaRPr>
+          </a:p>
+        </p:txBody>
+      </p:sp>
+      <p:sp>
+        <p:nvSpPr>
+          <p:cNvPr id="52" name="Arrow: Right 51">
+            <a:extLst>
+              <a:ext uri="{FF2B5EF4-FFF2-40B4-BE49-F238E27FC236}">
+                <a16:creationId xmlns:a16="http://schemas.microsoft.com/office/drawing/2014/main" id="{C630F117-1DE5-49B7-8FD1-75E563EF5CBF}"/>
+              </a:ext>
+            </a:extLst>
+          </p:cNvPr>
+          <p:cNvSpPr/>
+          <p:nvPr/>
+        </p:nvSpPr>
+        <p:spPr>
+          <a:xfrm rot="16200000">
+            <a:off x="8438264" y="909371"/>
+            <a:ext cx="348488" cy="436418"/>
+          </a:xfrm>
+          <a:prstGeom prst="rightArrow">
+            <a:avLst/>
+          </a:prstGeom>
+          <a:solidFill>
+            <a:schemeClr val="accent6">
+              <a:lumMod val="40000"/>
+              <a:lumOff val="60000"/>
+            </a:schemeClr>
+          </a:solidFill>
+          <a:ln>
+            <a:noFill/>
+          </a:ln>
+        </p:spPr>
+        <p:style>
+          <a:lnRef idx="2">
+            <a:schemeClr val="accent1">
+              <a:shade val="50000"/>
+            </a:schemeClr>
+          </a:lnRef>
+          <a:fillRef idx="1">
+            <a:schemeClr val="accent1"/>
+          </a:fillRef>
+          <a:effectRef idx="0">
+            <a:schemeClr val="accent1"/>
+          </a:effectRef>
+          <a:fontRef idx="minor">
+            <a:schemeClr val="lt1"/>
+          </a:fontRef>
+        </p:style>
+        <p:txBody>
+          <a:bodyPr rtlCol="0" anchor="ctr"/>
+          <a:lstStyle/>
+          <a:p>
+            <a:pPr algn="ctr"/>
+            <a:endParaRPr lang="en-US"/>
+          </a:p>
+        </p:txBody>
+      </p:sp>
+      <p:sp>
+        <p:nvSpPr>
+          <p:cNvPr id="53" name="Rectangle 52">
+            <a:extLst>
+              <a:ext uri="{FF2B5EF4-FFF2-40B4-BE49-F238E27FC236}">
+                <a16:creationId xmlns:a16="http://schemas.microsoft.com/office/drawing/2014/main" id="{887CD7EA-5DDB-4C2D-9CBD-18DA752090D5}"/>
+              </a:ext>
+            </a:extLst>
+          </p:cNvPr>
+          <p:cNvSpPr/>
+          <p:nvPr/>
+        </p:nvSpPr>
+        <p:spPr>
+          <a:xfrm>
+            <a:off x="7832511" y="501504"/>
+            <a:ext cx="1473480" cy="369332"/>
+          </a:xfrm>
+          <a:prstGeom prst="rect">
+            <a:avLst/>
+          </a:prstGeom>
+          <a:noFill/>
+        </p:spPr>
+        <p:txBody>
+          <a:bodyPr wrap="none">
+            <a:spAutoFit/>
+          </a:bodyPr>
+          <a:lstStyle/>
+          <a:p>
+            <a:pPr marL="0" marR="0" lvl="0" indent="0" algn="ctr" defTabSz="914400" rtl="0" eaLnBrk="1" fontAlgn="auto" latinLnBrk="0" hangingPunct="1">
+              <a:lnSpc>
+                <a:spcPct val="100000"/>
+              </a:lnSpc>
+              <a:spcBef>
+                <a:spcPts val="0"/>
+              </a:spcBef>
+              <a:spcAft>
+                <a:spcPts val="0"/>
+              </a:spcAft>
+              <a:buClrTx/>
+              <a:buSzTx/>
+              <a:buFontTx/>
+              <a:buNone/>
+              <a:tabLst/>
+              <a:defRPr/>
+            </a:pPr>
+            <a:r>
+              <a:rPr lang="en-US" i="1" dirty="0">
+                <a:solidFill>
+                  <a:srgbClr val="C00000"/>
+                </a:solidFill>
+                <a:latin typeface="Palatino Linotype" panose="02040502050505030304" pitchFamily="18" charset="0"/>
+              </a:rPr>
+              <a:t>p</a:t>
+            </a:r>
+            <a:r>
+              <a:rPr kumimoji="0" lang="en-US" sz="1800" i="1" u="none" strike="noStrike" kern="1200" cap="none" spc="0" normalizeH="0" baseline="0" noProof="0" dirty="0" err="1">
+                <a:ln>
+                  <a:noFill/>
+                </a:ln>
+                <a:solidFill>
+                  <a:srgbClr val="C00000"/>
+                </a:solidFill>
+                <a:effectLst/>
+                <a:uLnTx/>
+                <a:uFillTx/>
+                <a:latin typeface="Palatino Linotype" panose="02040502050505030304" pitchFamily="18" charset="0"/>
+                <a:ea typeface="+mn-ea"/>
+                <a:cs typeface="+mn-cs"/>
+              </a:rPr>
+              <a:t>os</a:t>
+            </a:r>
+            <a:r>
+              <a:rPr kumimoji="0" lang="en-US" sz="1800" i="1" u="none" strike="noStrike" kern="1200" cap="none" spc="0" normalizeH="0" baseline="0" noProof="0" dirty="0">
+                <a:ln>
+                  <a:noFill/>
+                </a:ln>
+                <a:solidFill>
+                  <a:srgbClr val="C00000"/>
+                </a:solidFill>
+                <a:effectLst/>
+                <a:uLnTx/>
+                <a:uFillTx/>
+                <a:latin typeface="Palatino Linotype" panose="02040502050505030304" pitchFamily="18" charset="0"/>
+                <a:ea typeface="+mn-ea"/>
+                <a:cs typeface="+mn-cs"/>
+              </a:rPr>
+              <a:t> of 3 lights</a:t>
+            </a:r>
+            <a:endParaRPr kumimoji="0" lang="en-US" sz="1800" i="1" u="none" strike="noStrike" kern="1200" cap="none" spc="0" normalizeH="0" baseline="0" noProof="0" dirty="0">
+              <a:ln>
+                <a:noFill/>
+              </a:ln>
+              <a:solidFill>
+                <a:srgbClr val="C00000"/>
+              </a:solidFill>
+              <a:effectLst/>
+              <a:uLnTx/>
+              <a:uFillTx/>
+              <a:latin typeface="Calibri" panose="020F0502020204030204"/>
+              <a:ea typeface="+mn-ea"/>
+              <a:cs typeface="+mn-cs"/>
+            </a:endParaRPr>
+          </a:p>
+        </p:txBody>
+      </p:sp>
+      <p:sp>
+        <p:nvSpPr>
+          <p:cNvPr id="54" name="Rectangle 53">
+            <a:extLst>
+              <a:ext uri="{FF2B5EF4-FFF2-40B4-BE49-F238E27FC236}">
+                <a16:creationId xmlns:a16="http://schemas.microsoft.com/office/drawing/2014/main" id="{EE81BA4E-F8D0-465C-92A3-15C1B83972A2}"/>
+              </a:ext>
+            </a:extLst>
+          </p:cNvPr>
+          <p:cNvSpPr/>
+          <p:nvPr/>
+        </p:nvSpPr>
+        <p:spPr>
+          <a:xfrm>
+            <a:off x="8049256" y="3363497"/>
+            <a:ext cx="2722284" cy="369332"/>
           </a:xfrm>
           <a:prstGeom prst="rect">
             <a:avLst/>
@@ -7295,21 +5563,22 @@
               <a:defRPr/>
             </a:pPr>
             <a:r>
-              <a:rPr kumimoji="0" lang="en-US" sz="1800" b="1" i="0" u="none" strike="noStrike" kern="1200" cap="none" spc="0" normalizeH="0" baseline="0" noProof="0" dirty="0">
-                <a:ln>
-                  <a:noFill/>
-                </a:ln>
+              <a:rPr lang="en-US" b="1" dirty="0">
                 <a:solidFill>
                   <a:prstClr val="black"/>
                 </a:solidFill>
-                <a:effectLst/>
-                <a:uLnTx/>
-                <a:uFillTx/>
                 <a:latin typeface="Palatino Linotype" panose="02040502050505030304" pitchFamily="18" charset="0"/>
-                <a:ea typeface="+mn-ea"/>
-                <a:cs typeface="+mn-cs"/>
               </a:rPr>
-              <a:t>body change</a:t>
+              <a:t>env. change / motor </a:t>
+            </a:r>
+            <a:r>
+              <a:rPr lang="en-US" b="1" dirty="0" err="1">
+                <a:solidFill>
+                  <a:prstClr val="black"/>
+                </a:solidFill>
+                <a:latin typeface="Palatino Linotype" panose="02040502050505030304" pitchFamily="18" charset="0"/>
+              </a:rPr>
+              <a:t>cmd</a:t>
             </a:r>
             <a:endParaRPr kumimoji="0" lang="en-US" sz="1800" b="1" i="0" u="none" strike="noStrike" kern="1200" cap="none" spc="0" normalizeH="0" baseline="0" noProof="0" dirty="0">
               <a:ln>
@@ -7330,10 +5599,10 @@
       </p:sp>
       <p:sp>
         <p:nvSpPr>
-          <p:cNvPr id="27" name="Rectangle 26">
+          <p:cNvPr id="58" name="Rectangle 57">
             <a:extLst>
               <a:ext uri="{FF2B5EF4-FFF2-40B4-BE49-F238E27FC236}">
-                <a16:creationId xmlns:a16="http://schemas.microsoft.com/office/drawing/2014/main" id="{D5FA1834-ED4F-48DB-AB6C-2B49DD5D2001}"/>
+                <a16:creationId xmlns:a16="http://schemas.microsoft.com/office/drawing/2014/main" id="{9673DA20-9A29-42B1-9B1B-2088D84E77CE}"/>
               </a:ext>
             </a:extLst>
           </p:cNvPr>
@@ -7342,17 +5611,13 @@
         </p:nvSpPr>
         <p:spPr>
           <a:xfrm>
-            <a:off x="7962868" y="287802"/>
-            <a:ext cx="1403013" cy="369332"/>
+            <a:off x="7840288" y="173573"/>
+            <a:ext cx="1396536" cy="369332"/>
           </a:xfrm>
           <a:prstGeom prst="rect">
             <a:avLst/>
           </a:prstGeom>
-          <a:solidFill>
-            <a:schemeClr val="bg1">
-              <a:lumMod val="95000"/>
-            </a:schemeClr>
-          </a:solidFill>
+          <a:noFill/>
         </p:spPr>
         <p:txBody>
           <a:bodyPr wrap="none">
@@ -7360,7 +5625,7 @@
           </a:bodyPr>
           <a:lstStyle/>
           <a:p>
-            <a:pPr marL="0" marR="0" lvl="0" indent="0" algn="l" defTabSz="914400" rtl="0" eaLnBrk="1" fontAlgn="auto" latinLnBrk="0" hangingPunct="1">
+            <a:pPr marL="0" marR="0" lvl="0" indent="0" algn="ctr" defTabSz="914400" rtl="0" eaLnBrk="1" fontAlgn="auto" latinLnBrk="0" hangingPunct="1">
               <a:lnSpc>
                 <a:spcPct val="100000"/>
               </a:lnSpc>
@@ -7378,285 +5643,53 @@
               <a:defRPr/>
             </a:pPr>
             <a:r>
-              <a:rPr kumimoji="0" lang="en-US" sz="1800" b="1" i="0" u="none" strike="noStrike" kern="1200" cap="none" spc="0" normalizeH="0" baseline="0" noProof="0" dirty="0">
-                <a:ln>
-                  <a:noFill/>
-                </a:ln>
+              <a:rPr lang="en-US" b="1" i="1" dirty="0">
                 <a:solidFill>
-                  <a:prstClr val="black"/>
+                  <a:srgbClr val="C00000"/>
                 </a:solidFill>
-                <a:effectLst/>
-                <a:uLnTx/>
-                <a:uFillTx/>
                 <a:latin typeface="Palatino Linotype" panose="02040502050505030304" pitchFamily="18" charset="0"/>
-                <a:ea typeface="+mn-ea"/>
-                <a:cs typeface="+mn-cs"/>
               </a:rPr>
-              <a:t>env. change</a:t>
-            </a:r>
-            <a:endParaRPr kumimoji="0" lang="en-US" sz="1800" b="1" i="0" u="none" strike="noStrike" kern="1200" cap="none" spc="0" normalizeH="0" baseline="0" noProof="0" dirty="0">
+              <a:t>(</a:t>
+            </a:r>
+            <a:r>
+              <a:rPr lang="en-US" b="1" i="1" dirty="0" err="1">
+                <a:solidFill>
+                  <a:srgbClr val="C00000"/>
+                </a:solidFill>
+                <a:latin typeface="Palatino Linotype" panose="02040502050505030304" pitchFamily="18" charset="0"/>
+              </a:rPr>
+              <a:t>rep.of</a:t>
+            </a:r>
+            <a:r>
+              <a:rPr lang="en-US" b="1" i="1" dirty="0">
+                <a:solidFill>
+                  <a:srgbClr val="C00000"/>
+                </a:solidFill>
+                <a:latin typeface="Palatino Linotype" panose="02040502050505030304" pitchFamily="18" charset="0"/>
+              </a:rPr>
+              <a:t> env.)</a:t>
+            </a:r>
+            <a:endParaRPr kumimoji="0" lang="en-US" sz="1800" b="1" i="1" u="none" strike="noStrike" kern="1200" cap="none" spc="0" normalizeH="0" baseline="0" noProof="0" dirty="0">
               <a:ln>
                 <a:noFill/>
               </a:ln>
               <a:solidFill>
-                <a:prstClr val="black"/>
+                <a:srgbClr val="C00000"/>
               </a:solidFill>
               <a:effectLst/>
               <a:uLnTx/>
               <a:uFillTx/>
               <a:latin typeface="Calibri" panose="020F0502020204030204"/>
-              <a:ea typeface="+mn-ea"/>
-              <a:cs typeface="+mn-cs"/>
             </a:endParaRPr>
           </a:p>
         </p:txBody>
       </p:sp>
       <p:sp>
         <p:nvSpPr>
-          <p:cNvPr id="31" name="Rectangle 30">
+          <p:cNvPr id="59" name="Rectangle 58">
             <a:extLst>
               <a:ext uri="{FF2B5EF4-FFF2-40B4-BE49-F238E27FC236}">
-                <a16:creationId xmlns:a16="http://schemas.microsoft.com/office/drawing/2014/main" id="{A101A321-AB3E-4841-9A6F-CA53836C3B28}"/>
-              </a:ext>
-            </a:extLst>
-          </p:cNvPr>
-          <p:cNvSpPr/>
-          <p:nvPr/>
-        </p:nvSpPr>
-        <p:spPr>
-          <a:xfrm>
-            <a:off x="6965041" y="3261167"/>
-            <a:ext cx="1345240" cy="369332"/>
-          </a:xfrm>
-          <a:prstGeom prst="rect">
-            <a:avLst/>
-          </a:prstGeom>
-          <a:solidFill>
-            <a:schemeClr val="bg1">
-              <a:lumMod val="95000"/>
-            </a:schemeClr>
-          </a:solidFill>
-        </p:spPr>
-        <p:txBody>
-          <a:bodyPr wrap="none">
-            <a:spAutoFit/>
-          </a:bodyPr>
-          <a:lstStyle/>
-          <a:p>
-            <a:pPr marL="0" marR="0" lvl="0" indent="0" algn="l" defTabSz="914400" rtl="0" eaLnBrk="1" fontAlgn="auto" latinLnBrk="0" hangingPunct="1">
-              <a:lnSpc>
-                <a:spcPct val="100000"/>
-              </a:lnSpc>
-              <a:spcBef>
-                <a:spcPts val="0"/>
-              </a:spcBef>
-              <a:spcAft>
-                <a:spcPts val="0"/>
-              </a:spcAft>
-              <a:buClrTx/>
-              <a:buSzTx/>
-              <a:buFontTx/>
-              <a:buNone/>
-              <a:tabLst/>
-              <a:defRPr/>
-            </a:pPr>
-            <a:r>
-              <a:rPr kumimoji="0" lang="en-US" sz="1800" b="1" i="0" u="none" strike="noStrike" kern="1200" cap="none" spc="0" normalizeH="0" baseline="0" noProof="0" dirty="0">
-                <a:ln>
-                  <a:noFill/>
-                </a:ln>
-                <a:solidFill>
-                  <a:prstClr val="black"/>
-                </a:solidFill>
-                <a:effectLst/>
-                <a:uLnTx/>
-                <a:uFillTx/>
-                <a:latin typeface="Palatino Linotype" panose="02040502050505030304" pitchFamily="18" charset="0"/>
-                <a:ea typeface="+mn-ea"/>
-                <a:cs typeface="+mn-cs"/>
-              </a:rPr>
-              <a:t>motor </a:t>
-            </a:r>
-            <a:r>
-              <a:rPr kumimoji="0" lang="en-US" sz="1800" b="1" i="0" u="none" strike="noStrike" kern="1200" cap="none" spc="0" normalizeH="0" baseline="0" noProof="0" dirty="0" err="1">
-                <a:ln>
-                  <a:noFill/>
-                </a:ln>
-                <a:solidFill>
-                  <a:prstClr val="black"/>
-                </a:solidFill>
-                <a:effectLst/>
-                <a:uLnTx/>
-                <a:uFillTx/>
-                <a:latin typeface="Palatino Linotype" panose="02040502050505030304" pitchFamily="18" charset="0"/>
-                <a:ea typeface="+mn-ea"/>
-                <a:cs typeface="+mn-cs"/>
-              </a:rPr>
-              <a:t>cmd</a:t>
-            </a:r>
-            <a:endParaRPr kumimoji="0" lang="en-US" sz="1800" b="1" i="0" u="none" strike="noStrike" kern="1200" cap="none" spc="0" normalizeH="0" baseline="0" noProof="0" dirty="0">
-              <a:ln>
-                <a:noFill/>
-              </a:ln>
-              <a:solidFill>
-                <a:prstClr val="black"/>
-              </a:solidFill>
-              <a:effectLst/>
-              <a:uLnTx/>
-              <a:uFillTx/>
-              <a:latin typeface="Calibri" panose="020F0502020204030204"/>
-              <a:ea typeface="+mn-ea"/>
-              <a:cs typeface="+mn-cs"/>
-            </a:endParaRPr>
-          </a:p>
-        </p:txBody>
-      </p:sp>
-      <p:cxnSp>
-        <p:nvCxnSpPr>
-          <p:cNvPr id="8" name="Connector: Elbow 7">
-            <a:extLst>
-              <a:ext uri="{FF2B5EF4-FFF2-40B4-BE49-F238E27FC236}">
-                <a16:creationId xmlns:a16="http://schemas.microsoft.com/office/drawing/2014/main" id="{E63B03E7-D4CD-4BBE-B3DE-6A02685C2054}"/>
-              </a:ext>
-            </a:extLst>
-          </p:cNvPr>
-          <p:cNvCxnSpPr>
-            <a:stCxn id="31" idx="3"/>
-            <a:endCxn id="54" idx="2"/>
-          </p:cNvCxnSpPr>
-          <p:nvPr/>
-        </p:nvCxnSpPr>
-        <p:spPr>
-          <a:xfrm flipV="1">
-            <a:off x="8310281" y="2266210"/>
-            <a:ext cx="2945652" cy="1179623"/>
-          </a:xfrm>
-          <a:prstGeom prst="bentConnector2">
-            <a:avLst/>
-          </a:prstGeom>
-          <a:ln w="12700">
-            <a:solidFill>
-              <a:schemeClr val="bg2">
-                <a:lumMod val="90000"/>
-              </a:schemeClr>
-            </a:solidFill>
-            <a:tailEnd type="triangle"/>
-          </a:ln>
-        </p:spPr>
-        <p:style>
-          <a:lnRef idx="1">
-            <a:schemeClr val="dk1"/>
-          </a:lnRef>
-          <a:fillRef idx="0">
-            <a:schemeClr val="dk1"/>
-          </a:fillRef>
-          <a:effectRef idx="0">
-            <a:schemeClr val="dk1"/>
-          </a:effectRef>
-          <a:fontRef idx="minor">
-            <a:schemeClr val="tx1"/>
-          </a:fontRef>
-        </p:style>
-      </p:cxnSp>
-      <p:cxnSp>
-        <p:nvCxnSpPr>
-          <p:cNvPr id="19" name="Straight Arrow Connector 18">
-            <a:extLst>
-              <a:ext uri="{FF2B5EF4-FFF2-40B4-BE49-F238E27FC236}">
-                <a16:creationId xmlns:a16="http://schemas.microsoft.com/office/drawing/2014/main" id="{D58631C4-9E0E-49A8-A575-344C37570147}"/>
-              </a:ext>
-            </a:extLst>
-          </p:cNvPr>
-          <p:cNvCxnSpPr>
-            <a:stCxn id="27" idx="3"/>
-            <a:endCxn id="30" idx="1"/>
-          </p:cNvCxnSpPr>
-          <p:nvPr/>
-        </p:nvCxnSpPr>
-        <p:spPr>
-          <a:xfrm>
-            <a:off x="9365881" y="472468"/>
-            <a:ext cx="824726" cy="3182"/>
-          </a:xfrm>
-          <a:prstGeom prst="straightConnector1">
-            <a:avLst/>
-          </a:prstGeom>
-          <a:ln w="12700">
-            <a:solidFill>
-              <a:schemeClr val="bg2">
-                <a:lumMod val="90000"/>
-              </a:schemeClr>
-            </a:solidFill>
-            <a:tailEnd type="triangle"/>
-          </a:ln>
-        </p:spPr>
-        <p:style>
-          <a:lnRef idx="1">
-            <a:schemeClr val="accent1"/>
-          </a:lnRef>
-          <a:fillRef idx="0">
-            <a:schemeClr val="accent1"/>
-          </a:fillRef>
-          <a:effectRef idx="0">
-            <a:schemeClr val="accent1"/>
-          </a:effectRef>
-          <a:fontRef idx="minor">
-            <a:schemeClr val="tx1"/>
-          </a:fontRef>
-        </p:style>
-      </p:cxnSp>
-      <p:cxnSp>
-        <p:nvCxnSpPr>
-          <p:cNvPr id="45" name="Straight Arrow Connector 44">
-            <a:extLst>
-              <a:ext uri="{FF2B5EF4-FFF2-40B4-BE49-F238E27FC236}">
-                <a16:creationId xmlns:a16="http://schemas.microsoft.com/office/drawing/2014/main" id="{050B62CC-B252-467F-B4D0-1B88A37386B0}"/>
-              </a:ext>
-            </a:extLst>
-          </p:cNvPr>
-          <p:cNvCxnSpPr>
-            <a:cxnSpLocks/>
-          </p:cNvCxnSpPr>
-          <p:nvPr/>
-        </p:nvCxnSpPr>
-        <p:spPr>
-          <a:xfrm flipV="1">
-            <a:off x="11235726" y="764340"/>
-            <a:ext cx="8110" cy="1062977"/>
-          </a:xfrm>
-          <a:prstGeom prst="straightConnector1">
-            <a:avLst/>
-          </a:prstGeom>
-          <a:ln w="12700">
-            <a:solidFill>
-              <a:schemeClr val="bg2">
-                <a:lumMod val="90000"/>
-              </a:schemeClr>
-            </a:solidFill>
-            <a:tailEnd type="triangle"/>
-          </a:ln>
-        </p:spPr>
-        <p:style>
-          <a:lnRef idx="1">
-            <a:schemeClr val="accent1"/>
-          </a:lnRef>
-          <a:fillRef idx="0">
-            <a:schemeClr val="accent1"/>
-          </a:fillRef>
-          <a:effectRef idx="0">
-            <a:schemeClr val="accent1"/>
-          </a:effectRef>
-          <a:fontRef idx="minor">
-            <a:schemeClr val="tx1"/>
-          </a:fontRef>
-        </p:style>
-      </p:cxnSp>
-      <p:sp>
-        <p:nvSpPr>
-          <p:cNvPr id="49" name="Rectangle 48">
-            <a:extLst>
-              <a:ext uri="{FF2B5EF4-FFF2-40B4-BE49-F238E27FC236}">
-                <a16:creationId xmlns:a16="http://schemas.microsoft.com/office/drawing/2014/main" id="{65BABE91-8193-4DB7-B118-65AC776B6498}"/>
+                <a16:creationId xmlns:a16="http://schemas.microsoft.com/office/drawing/2014/main" id="{5159C70E-65BE-4CF6-84B3-41ED8F3CE2F2}"/>
               </a:ext>
             </a:extLst>
           </p:cNvPr>
@@ -7890,7 +5923,7 @@
     </p:spTree>
     <p:extLst>
       <p:ext uri="{BB962C8B-B14F-4D97-AF65-F5344CB8AC3E}">
-        <p14:creationId xmlns:p14="http://schemas.microsoft.com/office/powerpoint/2010/main" val="2142917621"/>
+        <p14:creationId xmlns:p14="http://schemas.microsoft.com/office/powerpoint/2010/main" val="349518625"/>
       </p:ext>
     </p:extLst>
   </p:cSld>
@@ -7900,7 +5933,7 @@
 </p:sld>
 </file>
 
-<file path=ppt/slides/slide12.xml><?xml version="1.0" encoding="utf-8"?>
+<file path=ppt/slides/slide11.xml><?xml version="1.0" encoding="utf-8"?>
 <p:sld xmlns:a="http://schemas.openxmlformats.org/drawingml/2006/main" xmlns:r="http://schemas.openxmlformats.org/officeDocument/2006/relationships" xmlns:p="http://schemas.openxmlformats.org/presentationml/2006/main">
   <p:cSld>
     <p:bg>
@@ -9367,15 +7400,15 @@
             </a:extLst>
           </p:cNvPr>
           <p:cNvCxnSpPr>
-            <a:cxnSpLocks/>
             <a:stCxn id="27" idx="3"/>
+            <a:endCxn id="30" idx="1"/>
           </p:cNvCxnSpPr>
           <p:nvPr/>
         </p:nvCxnSpPr>
         <p:spPr>
           <a:xfrm>
             <a:off x="9365881" y="472468"/>
-            <a:ext cx="741381" cy="0"/>
+            <a:ext cx="824726" cy="3182"/>
           </a:xfrm>
           <a:prstGeom prst="straightConnector1">
             <a:avLst/>
@@ -9420,8 +7453,8 @@
         </p:nvCxnSpPr>
         <p:spPr>
           <a:xfrm flipV="1">
-            <a:off x="11235726" y="960734"/>
-            <a:ext cx="0" cy="866584"/>
+            <a:off x="11235726" y="764340"/>
+            <a:ext cx="8110" cy="1062977"/>
           </a:xfrm>
           <a:prstGeom prst="straightConnector1">
             <a:avLst/>
@@ -9452,184 +7485,10 @@
       </p:cxnSp>
       <p:sp>
         <p:nvSpPr>
-          <p:cNvPr id="4" name="Arrow: Right 3">
+          <p:cNvPr id="49" name="Rectangle 48">
             <a:extLst>
               <a:ext uri="{FF2B5EF4-FFF2-40B4-BE49-F238E27FC236}">
-                <a16:creationId xmlns:a16="http://schemas.microsoft.com/office/drawing/2014/main" id="{9D6711E0-A16F-4BC3-8976-7EA5A0E6CD11}"/>
-              </a:ext>
-            </a:extLst>
-          </p:cNvPr>
-          <p:cNvSpPr/>
-          <p:nvPr/>
-        </p:nvSpPr>
-        <p:spPr>
-          <a:xfrm>
-            <a:off x="10868569" y="2338293"/>
-            <a:ext cx="807566" cy="212382"/>
-          </a:xfrm>
-          <a:prstGeom prst="rightArrow">
-            <a:avLst/>
-          </a:prstGeom>
-          <a:solidFill>
-            <a:schemeClr val="accent4"/>
-          </a:solidFill>
-          <a:ln>
-            <a:noFill/>
-          </a:ln>
-        </p:spPr>
-        <p:style>
-          <a:lnRef idx="2">
-            <a:schemeClr val="accent1">
-              <a:shade val="50000"/>
-            </a:schemeClr>
-          </a:lnRef>
-          <a:fillRef idx="1">
-            <a:schemeClr val="accent1"/>
-          </a:fillRef>
-          <a:effectRef idx="0">
-            <a:schemeClr val="accent1"/>
-          </a:effectRef>
-          <a:fontRef idx="minor">
-            <a:schemeClr val="lt1"/>
-          </a:fontRef>
-        </p:style>
-        <p:txBody>
-          <a:bodyPr rtlCol="0" anchor="ctr"/>
-          <a:lstStyle/>
-          <a:p>
-            <a:pPr algn="ctr"/>
-            <a:endParaRPr lang="en-US"/>
-          </a:p>
-        </p:txBody>
-      </p:sp>
-      <p:sp>
-        <p:nvSpPr>
-          <p:cNvPr id="29" name="Arrow: Right 28">
-            <a:extLst>
-              <a:ext uri="{FF2B5EF4-FFF2-40B4-BE49-F238E27FC236}">
-                <a16:creationId xmlns:a16="http://schemas.microsoft.com/office/drawing/2014/main" id="{FC65BA7E-2E9A-4F1C-A8D5-0DEA6944CE0A}"/>
-              </a:ext>
-            </a:extLst>
-          </p:cNvPr>
-          <p:cNvSpPr/>
-          <p:nvPr/>
-        </p:nvSpPr>
-        <p:spPr>
-          <a:xfrm flipH="1">
-            <a:off x="8199386" y="704266"/>
-            <a:ext cx="807566" cy="212382"/>
-          </a:xfrm>
-          <a:prstGeom prst="rightArrow">
-            <a:avLst/>
-          </a:prstGeom>
-          <a:solidFill>
-            <a:schemeClr val="accent6"/>
-          </a:solidFill>
-          <a:ln>
-            <a:noFill/>
-          </a:ln>
-        </p:spPr>
-        <p:style>
-          <a:lnRef idx="2">
-            <a:schemeClr val="accent1">
-              <a:shade val="50000"/>
-            </a:schemeClr>
-          </a:lnRef>
-          <a:fillRef idx="1">
-            <a:schemeClr val="accent1"/>
-          </a:fillRef>
-          <a:effectRef idx="0">
-            <a:schemeClr val="accent1"/>
-          </a:effectRef>
-          <a:fontRef idx="minor">
-            <a:schemeClr val="lt1"/>
-          </a:fontRef>
-        </p:style>
-        <p:txBody>
-          <a:bodyPr rtlCol="0" anchor="ctr"/>
-          <a:lstStyle/>
-          <a:p>
-            <a:pPr algn="ctr"/>
-            <a:endParaRPr lang="en-US"/>
-          </a:p>
-        </p:txBody>
-      </p:sp>
-      <p:sp>
-        <p:nvSpPr>
-          <p:cNvPr id="5" name="Rectangle 4">
-            <a:extLst>
-              <a:ext uri="{FF2B5EF4-FFF2-40B4-BE49-F238E27FC236}">
-                <a16:creationId xmlns:a16="http://schemas.microsoft.com/office/drawing/2014/main" id="{9848A887-74AA-4279-816E-24A371C81C74}"/>
-              </a:ext>
-            </a:extLst>
-          </p:cNvPr>
-          <p:cNvSpPr/>
-          <p:nvPr/>
-        </p:nvSpPr>
-        <p:spPr>
-          <a:xfrm>
-            <a:off x="10170585" y="66319"/>
-            <a:ext cx="1944037" cy="830997"/>
-          </a:xfrm>
-          <a:prstGeom prst="rect">
-            <a:avLst/>
-          </a:prstGeom>
-          <a:solidFill>
-            <a:schemeClr val="bg1">
-              <a:lumMod val="85000"/>
-              <a:alpha val="63922"/>
-            </a:schemeClr>
-          </a:solidFill>
-        </p:spPr>
-        <p:txBody>
-          <a:bodyPr wrap="square">
-            <a:spAutoFit/>
-          </a:bodyPr>
-          <a:lstStyle/>
-          <a:p>
-            <a:pPr lvl="0" algn="ctr">
-              <a:defRPr/>
-            </a:pPr>
-            <a:endParaRPr lang="en-US" altLang="zh-CN" sz="1600" b="1" dirty="0">
-              <a:solidFill>
-                <a:srgbClr val="C00000"/>
-              </a:solidFill>
-              <a:latin typeface="Palatino Linotype" panose="02040502050505030304" pitchFamily="18" charset="0"/>
-            </a:endParaRPr>
-          </a:p>
-          <a:p>
-            <a:pPr lvl="0" algn="ctr">
-              <a:defRPr/>
-            </a:pPr>
-            <a:r>
-              <a:rPr lang="en-US" altLang="zh-CN" sz="1600" b="1" dirty="0">
-                <a:solidFill>
-                  <a:srgbClr val="C00000"/>
-                </a:solidFill>
-                <a:latin typeface="Palatino Linotype" panose="02040502050505030304" pitchFamily="18" charset="0"/>
-              </a:rPr>
-              <a:t>COMPENSATION</a:t>
-            </a:r>
-          </a:p>
-          <a:p>
-            <a:pPr lvl="0" algn="ctr">
-              <a:defRPr/>
-            </a:pPr>
-            <a:endParaRPr lang="en-US" altLang="zh-CN" sz="1600" b="1" dirty="0">
-              <a:solidFill>
-                <a:srgbClr val="C00000"/>
-              </a:solidFill>
-              <a:latin typeface="Palatino Linotype" panose="02040502050505030304" pitchFamily="18" charset="0"/>
-            </a:endParaRPr>
-          </a:p>
-        </p:txBody>
-      </p:sp>
-      <p:sp>
-        <p:nvSpPr>
-          <p:cNvPr id="34" name="Rectangle 33">
-            <a:extLst>
-              <a:ext uri="{FF2B5EF4-FFF2-40B4-BE49-F238E27FC236}">
-                <a16:creationId xmlns:a16="http://schemas.microsoft.com/office/drawing/2014/main" id="{AA6CB63E-1C50-4EF5-8B24-74BA04868DFA}"/>
+                <a16:creationId xmlns:a16="http://schemas.microsoft.com/office/drawing/2014/main" id="{65BABE91-8193-4DB7-B118-65AC776B6498}"/>
               </a:ext>
             </a:extLst>
           </p:cNvPr>
@@ -9863,7 +7722,7 @@
     </p:spTree>
     <p:extLst>
       <p:ext uri="{BB962C8B-B14F-4D97-AF65-F5344CB8AC3E}">
-        <p14:creationId xmlns:p14="http://schemas.microsoft.com/office/powerpoint/2010/main" val="2694911429"/>
+        <p14:creationId xmlns:p14="http://schemas.microsoft.com/office/powerpoint/2010/main" val="2142917621"/>
       </p:ext>
     </p:extLst>
   </p:cSld>
@@ -9873,7 +7732,7 @@
 </p:sld>
 </file>
 
-<file path=ppt/slides/slide13.xml><?xml version="1.0" encoding="utf-8"?>
+<file path=ppt/slides/slide12.xml><?xml version="1.0" encoding="utf-8"?>
 <p:sld xmlns:a="http://schemas.openxmlformats.org/drawingml/2006/main" xmlns:r="http://schemas.openxmlformats.org/officeDocument/2006/relationships" xmlns:p="http://schemas.openxmlformats.org/presentationml/2006/main">
   <p:cSld>
     <p:bg>
@@ -10813,10 +8672,726 @@
       </p:sp>
       <p:sp>
         <p:nvSpPr>
-          <p:cNvPr id="33" name="Rectangle 32">
+          <p:cNvPr id="30" name="Rectangle 29">
             <a:extLst>
               <a:ext uri="{FF2B5EF4-FFF2-40B4-BE49-F238E27FC236}">
-                <a16:creationId xmlns:a16="http://schemas.microsoft.com/office/drawing/2014/main" id="{0DABF699-6680-494F-AEED-685CA591AA51}"/>
+                <a16:creationId xmlns:a16="http://schemas.microsoft.com/office/drawing/2014/main" id="{4595590B-CA72-421A-AA9F-947F229DD6CE}"/>
+              </a:ext>
+            </a:extLst>
+          </p:cNvPr>
+          <p:cNvSpPr/>
+          <p:nvPr/>
+        </p:nvSpPr>
+        <p:spPr>
+          <a:xfrm>
+            <a:off x="10190607" y="152484"/>
+            <a:ext cx="1582484" cy="646331"/>
+          </a:xfrm>
+          <a:prstGeom prst="rect">
+            <a:avLst/>
+          </a:prstGeom>
+          <a:noFill/>
+        </p:spPr>
+        <p:txBody>
+          <a:bodyPr wrap="none">
+            <a:spAutoFit/>
+          </a:bodyPr>
+          <a:lstStyle/>
+          <a:p>
+            <a:pPr marL="0" marR="0" lvl="0" indent="0" algn="ctr" defTabSz="914400" rtl="0" eaLnBrk="1" fontAlgn="auto" latinLnBrk="0" hangingPunct="1">
+              <a:lnSpc>
+                <a:spcPct val="100000"/>
+              </a:lnSpc>
+              <a:spcBef>
+                <a:spcPts val="0"/>
+              </a:spcBef>
+              <a:spcAft>
+                <a:spcPts val="0"/>
+              </a:spcAft>
+              <a:buClrTx/>
+              <a:buSzTx/>
+              <a:buFontTx/>
+              <a:buNone/>
+              <a:tabLst/>
+              <a:defRPr/>
+            </a:pPr>
+            <a:r>
+              <a:rPr kumimoji="0" lang="en-US" sz="1800" b="1" i="1" u="none" strike="noStrike" kern="1200" cap="none" spc="0" normalizeH="0" baseline="0" noProof="0" dirty="0">
+                <a:ln>
+                  <a:noFill/>
+                </a:ln>
+                <a:solidFill>
+                  <a:srgbClr val="FFC000">
+                    <a:lumMod val="75000"/>
+                  </a:srgbClr>
+                </a:solidFill>
+                <a:effectLst/>
+                <a:uLnTx/>
+                <a:uFillTx/>
+                <a:latin typeface="Palatino Linotype" panose="02040502050505030304" pitchFamily="18" charset="0"/>
+                <a:ea typeface="+mn-ea"/>
+                <a:cs typeface="+mn-cs"/>
+              </a:rPr>
+              <a:t>Exteroceptive</a:t>
+            </a:r>
+          </a:p>
+          <a:p>
+            <a:pPr marL="0" marR="0" lvl="0" indent="0" algn="ctr" defTabSz="914400" rtl="0" eaLnBrk="1" fontAlgn="auto" latinLnBrk="0" hangingPunct="1">
+              <a:lnSpc>
+                <a:spcPct val="100000"/>
+              </a:lnSpc>
+              <a:spcBef>
+                <a:spcPts val="0"/>
+              </a:spcBef>
+              <a:spcAft>
+                <a:spcPts val="0"/>
+              </a:spcAft>
+              <a:buClrTx/>
+              <a:buSzTx/>
+              <a:buFontTx/>
+              <a:buNone/>
+              <a:tabLst/>
+              <a:defRPr/>
+            </a:pPr>
+            <a:r>
+              <a:rPr kumimoji="0" lang="en-US" altLang="zh-CN" sz="1800" b="1" i="1" u="none" strike="noStrike" kern="1200" cap="none" spc="0" normalizeH="0" baseline="0" noProof="0" dirty="0">
+                <a:ln>
+                  <a:noFill/>
+                </a:ln>
+                <a:solidFill>
+                  <a:srgbClr val="FFC000">
+                    <a:lumMod val="75000"/>
+                  </a:srgbClr>
+                </a:solidFill>
+                <a:effectLst/>
+                <a:uLnTx/>
+                <a:uFillTx/>
+                <a:latin typeface="Palatino Linotype" panose="02040502050505030304" pitchFamily="18" charset="0"/>
+                <a:ea typeface="等线" panose="03000509000000000000" pitchFamily="65" charset="-122"/>
+                <a:cs typeface="+mn-cs"/>
+              </a:rPr>
+              <a:t>input</a:t>
+            </a:r>
+            <a:endParaRPr kumimoji="0" lang="en-US" sz="1800" b="1" i="1" u="none" strike="noStrike" kern="1200" cap="none" spc="0" normalizeH="0" baseline="0" noProof="0" dirty="0">
+              <a:ln>
+                <a:noFill/>
+              </a:ln>
+              <a:solidFill>
+                <a:srgbClr val="FFC000">
+                  <a:lumMod val="75000"/>
+                </a:srgbClr>
+              </a:solidFill>
+              <a:effectLst/>
+              <a:uLnTx/>
+              <a:uFillTx/>
+              <a:latin typeface="Calibri" panose="020F0502020204030204"/>
+              <a:ea typeface="+mn-ea"/>
+              <a:cs typeface="+mn-cs"/>
+            </a:endParaRPr>
+          </a:p>
+        </p:txBody>
+      </p:sp>
+      <p:cxnSp>
+        <p:nvCxnSpPr>
+          <p:cNvPr id="6" name="Straight Connector 5">
+            <a:extLst>
+              <a:ext uri="{FF2B5EF4-FFF2-40B4-BE49-F238E27FC236}">
+                <a16:creationId xmlns:a16="http://schemas.microsoft.com/office/drawing/2014/main" id="{259D3DE0-89F2-4BC0-A7A9-46DBDD924C30}"/>
+              </a:ext>
+            </a:extLst>
+          </p:cNvPr>
+          <p:cNvCxnSpPr/>
+          <p:nvPr/>
+        </p:nvCxnSpPr>
+        <p:spPr>
+          <a:xfrm flipH="1">
+            <a:off x="9679577" y="749900"/>
+            <a:ext cx="1292771" cy="817643"/>
+          </a:xfrm>
+          <a:prstGeom prst="line">
+            <a:avLst/>
+          </a:prstGeom>
+          <a:ln>
+            <a:solidFill>
+              <a:schemeClr val="accent4"/>
+            </a:solidFill>
+          </a:ln>
+        </p:spPr>
+        <p:style>
+          <a:lnRef idx="1">
+            <a:schemeClr val="accent1"/>
+          </a:lnRef>
+          <a:fillRef idx="0">
+            <a:schemeClr val="accent1"/>
+          </a:fillRef>
+          <a:effectRef idx="0">
+            <a:schemeClr val="accent1"/>
+          </a:effectRef>
+          <a:fontRef idx="minor">
+            <a:schemeClr val="tx1"/>
+          </a:fontRef>
+        </p:style>
+      </p:cxnSp>
+      <p:cxnSp>
+        <p:nvCxnSpPr>
+          <p:cNvPr id="43" name="Straight Connector 42">
+            <a:extLst>
+              <a:ext uri="{FF2B5EF4-FFF2-40B4-BE49-F238E27FC236}">
+                <a16:creationId xmlns:a16="http://schemas.microsoft.com/office/drawing/2014/main" id="{E7A9F20F-A6EB-4B66-ABD2-8590CA8B2B7D}"/>
+              </a:ext>
+            </a:extLst>
+          </p:cNvPr>
+          <p:cNvCxnSpPr>
+            <a:cxnSpLocks/>
+            <a:stCxn id="30" idx="2"/>
+          </p:cNvCxnSpPr>
+          <p:nvPr/>
+        </p:nvCxnSpPr>
+        <p:spPr>
+          <a:xfrm flipH="1">
+            <a:off x="10384241" y="798815"/>
+            <a:ext cx="597608" cy="994027"/>
+          </a:xfrm>
+          <a:prstGeom prst="line">
+            <a:avLst/>
+          </a:prstGeom>
+          <a:ln>
+            <a:solidFill>
+              <a:schemeClr val="accent4"/>
+            </a:solidFill>
+          </a:ln>
+        </p:spPr>
+        <p:style>
+          <a:lnRef idx="1">
+            <a:schemeClr val="accent1"/>
+          </a:lnRef>
+          <a:fillRef idx="0">
+            <a:schemeClr val="accent1"/>
+          </a:fillRef>
+          <a:effectRef idx="0">
+            <a:schemeClr val="accent1"/>
+          </a:effectRef>
+          <a:fontRef idx="minor">
+            <a:schemeClr val="tx1"/>
+          </a:fontRef>
+        </p:style>
+      </p:cxnSp>
+      <p:sp>
+        <p:nvSpPr>
+          <p:cNvPr id="54" name="Rectangle 53">
+            <a:extLst>
+              <a:ext uri="{FF2B5EF4-FFF2-40B4-BE49-F238E27FC236}">
+                <a16:creationId xmlns:a16="http://schemas.microsoft.com/office/drawing/2014/main" id="{EE81BA4E-F8D0-465C-92A3-15C1B83972A2}"/>
+              </a:ext>
+            </a:extLst>
+          </p:cNvPr>
+          <p:cNvSpPr/>
+          <p:nvPr/>
+        </p:nvSpPr>
+        <p:spPr>
+          <a:xfrm>
+            <a:off x="10493545" y="1896878"/>
+            <a:ext cx="1524776" cy="369332"/>
+          </a:xfrm>
+          <a:prstGeom prst="rect">
+            <a:avLst/>
+          </a:prstGeom>
+          <a:solidFill>
+            <a:schemeClr val="bg1">
+              <a:lumMod val="95000"/>
+            </a:schemeClr>
+          </a:solidFill>
+        </p:spPr>
+        <p:txBody>
+          <a:bodyPr wrap="none">
+            <a:spAutoFit/>
+          </a:bodyPr>
+          <a:lstStyle/>
+          <a:p>
+            <a:pPr marL="0" marR="0" lvl="0" indent="0" algn="l" defTabSz="914400" rtl="0" eaLnBrk="1" fontAlgn="auto" latinLnBrk="0" hangingPunct="1">
+              <a:lnSpc>
+                <a:spcPct val="100000"/>
+              </a:lnSpc>
+              <a:spcBef>
+                <a:spcPts val="0"/>
+              </a:spcBef>
+              <a:spcAft>
+                <a:spcPts val="0"/>
+              </a:spcAft>
+              <a:buClrTx/>
+              <a:buSzTx/>
+              <a:buFontTx/>
+              <a:buNone/>
+              <a:tabLst/>
+              <a:defRPr/>
+            </a:pPr>
+            <a:r>
+              <a:rPr kumimoji="0" lang="en-US" sz="1800" b="1" i="0" u="none" strike="noStrike" kern="1200" cap="none" spc="0" normalizeH="0" baseline="0" noProof="0" dirty="0">
+                <a:ln>
+                  <a:noFill/>
+                </a:ln>
+                <a:solidFill>
+                  <a:prstClr val="black"/>
+                </a:solidFill>
+                <a:effectLst/>
+                <a:uLnTx/>
+                <a:uFillTx/>
+                <a:latin typeface="Palatino Linotype" panose="02040502050505030304" pitchFamily="18" charset="0"/>
+                <a:ea typeface="+mn-ea"/>
+                <a:cs typeface="+mn-cs"/>
+              </a:rPr>
+              <a:t>body change</a:t>
+            </a:r>
+            <a:endParaRPr kumimoji="0" lang="en-US" sz="1800" b="1" i="0" u="none" strike="noStrike" kern="1200" cap="none" spc="0" normalizeH="0" baseline="0" noProof="0" dirty="0">
+              <a:ln>
+                <a:noFill/>
+              </a:ln>
+              <a:solidFill>
+                <a:prstClr val="black"/>
+              </a:solidFill>
+              <a:effectLst/>
+              <a:uLnTx/>
+              <a:uFillTx/>
+              <a:latin typeface="Calibri" panose="020F0502020204030204"/>
+              <a:ea typeface="+mn-ea"/>
+              <a:cs typeface="+mn-cs"/>
+            </a:endParaRPr>
+          </a:p>
+        </p:txBody>
+      </p:sp>
+      <p:sp>
+        <p:nvSpPr>
+          <p:cNvPr id="27" name="Rectangle 26">
+            <a:extLst>
+              <a:ext uri="{FF2B5EF4-FFF2-40B4-BE49-F238E27FC236}">
+                <a16:creationId xmlns:a16="http://schemas.microsoft.com/office/drawing/2014/main" id="{D5FA1834-ED4F-48DB-AB6C-2B49DD5D2001}"/>
+              </a:ext>
+            </a:extLst>
+          </p:cNvPr>
+          <p:cNvSpPr/>
+          <p:nvPr/>
+        </p:nvSpPr>
+        <p:spPr>
+          <a:xfrm>
+            <a:off x="7962868" y="287802"/>
+            <a:ext cx="1403013" cy="369332"/>
+          </a:xfrm>
+          <a:prstGeom prst="rect">
+            <a:avLst/>
+          </a:prstGeom>
+          <a:solidFill>
+            <a:schemeClr val="bg1">
+              <a:lumMod val="95000"/>
+            </a:schemeClr>
+          </a:solidFill>
+        </p:spPr>
+        <p:txBody>
+          <a:bodyPr wrap="none">
+            <a:spAutoFit/>
+          </a:bodyPr>
+          <a:lstStyle/>
+          <a:p>
+            <a:pPr marL="0" marR="0" lvl="0" indent="0" algn="l" defTabSz="914400" rtl="0" eaLnBrk="1" fontAlgn="auto" latinLnBrk="0" hangingPunct="1">
+              <a:lnSpc>
+                <a:spcPct val="100000"/>
+              </a:lnSpc>
+              <a:spcBef>
+                <a:spcPts val="0"/>
+              </a:spcBef>
+              <a:spcAft>
+                <a:spcPts val="0"/>
+              </a:spcAft>
+              <a:buClrTx/>
+              <a:buSzTx/>
+              <a:buFontTx/>
+              <a:buNone/>
+              <a:tabLst/>
+              <a:defRPr/>
+            </a:pPr>
+            <a:r>
+              <a:rPr kumimoji="0" lang="en-US" sz="1800" b="1" i="0" u="none" strike="noStrike" kern="1200" cap="none" spc="0" normalizeH="0" baseline="0" noProof="0" dirty="0">
+                <a:ln>
+                  <a:noFill/>
+                </a:ln>
+                <a:solidFill>
+                  <a:prstClr val="black"/>
+                </a:solidFill>
+                <a:effectLst/>
+                <a:uLnTx/>
+                <a:uFillTx/>
+                <a:latin typeface="Palatino Linotype" panose="02040502050505030304" pitchFamily="18" charset="0"/>
+                <a:ea typeface="+mn-ea"/>
+                <a:cs typeface="+mn-cs"/>
+              </a:rPr>
+              <a:t>env. change</a:t>
+            </a:r>
+            <a:endParaRPr kumimoji="0" lang="en-US" sz="1800" b="1" i="0" u="none" strike="noStrike" kern="1200" cap="none" spc="0" normalizeH="0" baseline="0" noProof="0" dirty="0">
+              <a:ln>
+                <a:noFill/>
+              </a:ln>
+              <a:solidFill>
+                <a:prstClr val="black"/>
+              </a:solidFill>
+              <a:effectLst/>
+              <a:uLnTx/>
+              <a:uFillTx/>
+              <a:latin typeface="Calibri" panose="020F0502020204030204"/>
+              <a:ea typeface="+mn-ea"/>
+              <a:cs typeface="+mn-cs"/>
+            </a:endParaRPr>
+          </a:p>
+        </p:txBody>
+      </p:sp>
+      <p:sp>
+        <p:nvSpPr>
+          <p:cNvPr id="31" name="Rectangle 30">
+            <a:extLst>
+              <a:ext uri="{FF2B5EF4-FFF2-40B4-BE49-F238E27FC236}">
+                <a16:creationId xmlns:a16="http://schemas.microsoft.com/office/drawing/2014/main" id="{A101A321-AB3E-4841-9A6F-CA53836C3B28}"/>
+              </a:ext>
+            </a:extLst>
+          </p:cNvPr>
+          <p:cNvSpPr/>
+          <p:nvPr/>
+        </p:nvSpPr>
+        <p:spPr>
+          <a:xfrm>
+            <a:off x="6965041" y="3261167"/>
+            <a:ext cx="1345240" cy="369332"/>
+          </a:xfrm>
+          <a:prstGeom prst="rect">
+            <a:avLst/>
+          </a:prstGeom>
+          <a:solidFill>
+            <a:schemeClr val="bg1">
+              <a:lumMod val="95000"/>
+            </a:schemeClr>
+          </a:solidFill>
+        </p:spPr>
+        <p:txBody>
+          <a:bodyPr wrap="none">
+            <a:spAutoFit/>
+          </a:bodyPr>
+          <a:lstStyle/>
+          <a:p>
+            <a:pPr marL="0" marR="0" lvl="0" indent="0" algn="l" defTabSz="914400" rtl="0" eaLnBrk="1" fontAlgn="auto" latinLnBrk="0" hangingPunct="1">
+              <a:lnSpc>
+                <a:spcPct val="100000"/>
+              </a:lnSpc>
+              <a:spcBef>
+                <a:spcPts val="0"/>
+              </a:spcBef>
+              <a:spcAft>
+                <a:spcPts val="0"/>
+              </a:spcAft>
+              <a:buClrTx/>
+              <a:buSzTx/>
+              <a:buFontTx/>
+              <a:buNone/>
+              <a:tabLst/>
+              <a:defRPr/>
+            </a:pPr>
+            <a:r>
+              <a:rPr kumimoji="0" lang="en-US" sz="1800" b="1" i="0" u="none" strike="noStrike" kern="1200" cap="none" spc="0" normalizeH="0" baseline="0" noProof="0" dirty="0">
+                <a:ln>
+                  <a:noFill/>
+                </a:ln>
+                <a:solidFill>
+                  <a:prstClr val="black"/>
+                </a:solidFill>
+                <a:effectLst/>
+                <a:uLnTx/>
+                <a:uFillTx/>
+                <a:latin typeface="Palatino Linotype" panose="02040502050505030304" pitchFamily="18" charset="0"/>
+                <a:ea typeface="+mn-ea"/>
+                <a:cs typeface="+mn-cs"/>
+              </a:rPr>
+              <a:t>motor </a:t>
+            </a:r>
+            <a:r>
+              <a:rPr kumimoji="0" lang="en-US" sz="1800" b="1" i="0" u="none" strike="noStrike" kern="1200" cap="none" spc="0" normalizeH="0" baseline="0" noProof="0" dirty="0" err="1">
+                <a:ln>
+                  <a:noFill/>
+                </a:ln>
+                <a:solidFill>
+                  <a:prstClr val="black"/>
+                </a:solidFill>
+                <a:effectLst/>
+                <a:uLnTx/>
+                <a:uFillTx/>
+                <a:latin typeface="Palatino Linotype" panose="02040502050505030304" pitchFamily="18" charset="0"/>
+                <a:ea typeface="+mn-ea"/>
+                <a:cs typeface="+mn-cs"/>
+              </a:rPr>
+              <a:t>cmd</a:t>
+            </a:r>
+            <a:endParaRPr kumimoji="0" lang="en-US" sz="1800" b="1" i="0" u="none" strike="noStrike" kern="1200" cap="none" spc="0" normalizeH="0" baseline="0" noProof="0" dirty="0">
+              <a:ln>
+                <a:noFill/>
+              </a:ln>
+              <a:solidFill>
+                <a:prstClr val="black"/>
+              </a:solidFill>
+              <a:effectLst/>
+              <a:uLnTx/>
+              <a:uFillTx/>
+              <a:latin typeface="Calibri" panose="020F0502020204030204"/>
+              <a:ea typeface="+mn-ea"/>
+              <a:cs typeface="+mn-cs"/>
+            </a:endParaRPr>
+          </a:p>
+        </p:txBody>
+      </p:sp>
+      <p:cxnSp>
+        <p:nvCxnSpPr>
+          <p:cNvPr id="8" name="Connector: Elbow 7">
+            <a:extLst>
+              <a:ext uri="{FF2B5EF4-FFF2-40B4-BE49-F238E27FC236}">
+                <a16:creationId xmlns:a16="http://schemas.microsoft.com/office/drawing/2014/main" id="{E63B03E7-D4CD-4BBE-B3DE-6A02685C2054}"/>
+              </a:ext>
+            </a:extLst>
+          </p:cNvPr>
+          <p:cNvCxnSpPr>
+            <a:stCxn id="31" idx="3"/>
+            <a:endCxn id="54" idx="2"/>
+          </p:cNvCxnSpPr>
+          <p:nvPr/>
+        </p:nvCxnSpPr>
+        <p:spPr>
+          <a:xfrm flipV="1">
+            <a:off x="8310281" y="2266210"/>
+            <a:ext cx="2945652" cy="1179623"/>
+          </a:xfrm>
+          <a:prstGeom prst="bentConnector2">
+            <a:avLst/>
+          </a:prstGeom>
+          <a:ln w="12700">
+            <a:solidFill>
+              <a:schemeClr val="bg2">
+                <a:lumMod val="90000"/>
+              </a:schemeClr>
+            </a:solidFill>
+            <a:tailEnd type="triangle"/>
+          </a:ln>
+        </p:spPr>
+        <p:style>
+          <a:lnRef idx="1">
+            <a:schemeClr val="dk1"/>
+          </a:lnRef>
+          <a:fillRef idx="0">
+            <a:schemeClr val="dk1"/>
+          </a:fillRef>
+          <a:effectRef idx="0">
+            <a:schemeClr val="dk1"/>
+          </a:effectRef>
+          <a:fontRef idx="minor">
+            <a:schemeClr val="tx1"/>
+          </a:fontRef>
+        </p:style>
+      </p:cxnSp>
+      <p:cxnSp>
+        <p:nvCxnSpPr>
+          <p:cNvPr id="19" name="Straight Arrow Connector 18">
+            <a:extLst>
+              <a:ext uri="{FF2B5EF4-FFF2-40B4-BE49-F238E27FC236}">
+                <a16:creationId xmlns:a16="http://schemas.microsoft.com/office/drawing/2014/main" id="{D58631C4-9E0E-49A8-A575-344C37570147}"/>
+              </a:ext>
+            </a:extLst>
+          </p:cNvPr>
+          <p:cNvCxnSpPr>
+            <a:cxnSpLocks/>
+            <a:stCxn id="27" idx="3"/>
+          </p:cNvCxnSpPr>
+          <p:nvPr/>
+        </p:nvCxnSpPr>
+        <p:spPr>
+          <a:xfrm>
+            <a:off x="9365881" y="472468"/>
+            <a:ext cx="741381" cy="0"/>
+          </a:xfrm>
+          <a:prstGeom prst="straightConnector1">
+            <a:avLst/>
+          </a:prstGeom>
+          <a:ln w="12700">
+            <a:solidFill>
+              <a:schemeClr val="bg2">
+                <a:lumMod val="90000"/>
+              </a:schemeClr>
+            </a:solidFill>
+            <a:tailEnd type="triangle"/>
+          </a:ln>
+        </p:spPr>
+        <p:style>
+          <a:lnRef idx="1">
+            <a:schemeClr val="accent1"/>
+          </a:lnRef>
+          <a:fillRef idx="0">
+            <a:schemeClr val="accent1"/>
+          </a:fillRef>
+          <a:effectRef idx="0">
+            <a:schemeClr val="accent1"/>
+          </a:effectRef>
+          <a:fontRef idx="minor">
+            <a:schemeClr val="tx1"/>
+          </a:fontRef>
+        </p:style>
+      </p:cxnSp>
+      <p:cxnSp>
+        <p:nvCxnSpPr>
+          <p:cNvPr id="45" name="Straight Arrow Connector 44">
+            <a:extLst>
+              <a:ext uri="{FF2B5EF4-FFF2-40B4-BE49-F238E27FC236}">
+                <a16:creationId xmlns:a16="http://schemas.microsoft.com/office/drawing/2014/main" id="{050B62CC-B252-467F-B4D0-1B88A37386B0}"/>
+              </a:ext>
+            </a:extLst>
+          </p:cNvPr>
+          <p:cNvCxnSpPr>
+            <a:cxnSpLocks/>
+          </p:cNvCxnSpPr>
+          <p:nvPr/>
+        </p:nvCxnSpPr>
+        <p:spPr>
+          <a:xfrm flipV="1">
+            <a:off x="11235726" y="960734"/>
+            <a:ext cx="0" cy="866584"/>
+          </a:xfrm>
+          <a:prstGeom prst="straightConnector1">
+            <a:avLst/>
+          </a:prstGeom>
+          <a:ln w="12700">
+            <a:solidFill>
+              <a:schemeClr val="bg2">
+                <a:lumMod val="90000"/>
+              </a:schemeClr>
+            </a:solidFill>
+            <a:tailEnd type="triangle"/>
+          </a:ln>
+        </p:spPr>
+        <p:style>
+          <a:lnRef idx="1">
+            <a:schemeClr val="accent1"/>
+          </a:lnRef>
+          <a:fillRef idx="0">
+            <a:schemeClr val="accent1"/>
+          </a:fillRef>
+          <a:effectRef idx="0">
+            <a:schemeClr val="accent1"/>
+          </a:effectRef>
+          <a:fontRef idx="minor">
+            <a:schemeClr val="tx1"/>
+          </a:fontRef>
+        </p:style>
+      </p:cxnSp>
+      <p:sp>
+        <p:nvSpPr>
+          <p:cNvPr id="4" name="Arrow: Right 3">
+            <a:extLst>
+              <a:ext uri="{FF2B5EF4-FFF2-40B4-BE49-F238E27FC236}">
+                <a16:creationId xmlns:a16="http://schemas.microsoft.com/office/drawing/2014/main" id="{9D6711E0-A16F-4BC3-8976-7EA5A0E6CD11}"/>
+              </a:ext>
+            </a:extLst>
+          </p:cNvPr>
+          <p:cNvSpPr/>
+          <p:nvPr/>
+        </p:nvSpPr>
+        <p:spPr>
+          <a:xfrm>
+            <a:off x="10868569" y="2338293"/>
+            <a:ext cx="807566" cy="212382"/>
+          </a:xfrm>
+          <a:prstGeom prst="rightArrow">
+            <a:avLst/>
+          </a:prstGeom>
+          <a:solidFill>
+            <a:schemeClr val="accent4"/>
+          </a:solidFill>
+          <a:ln>
+            <a:noFill/>
+          </a:ln>
+        </p:spPr>
+        <p:style>
+          <a:lnRef idx="2">
+            <a:schemeClr val="accent1">
+              <a:shade val="50000"/>
+            </a:schemeClr>
+          </a:lnRef>
+          <a:fillRef idx="1">
+            <a:schemeClr val="accent1"/>
+          </a:fillRef>
+          <a:effectRef idx="0">
+            <a:schemeClr val="accent1"/>
+          </a:effectRef>
+          <a:fontRef idx="minor">
+            <a:schemeClr val="lt1"/>
+          </a:fontRef>
+        </p:style>
+        <p:txBody>
+          <a:bodyPr rtlCol="0" anchor="ctr"/>
+          <a:lstStyle/>
+          <a:p>
+            <a:pPr algn="ctr"/>
+            <a:endParaRPr lang="en-US"/>
+          </a:p>
+        </p:txBody>
+      </p:sp>
+      <p:sp>
+        <p:nvSpPr>
+          <p:cNvPr id="29" name="Arrow: Right 28">
+            <a:extLst>
+              <a:ext uri="{FF2B5EF4-FFF2-40B4-BE49-F238E27FC236}">
+                <a16:creationId xmlns:a16="http://schemas.microsoft.com/office/drawing/2014/main" id="{FC65BA7E-2E9A-4F1C-A8D5-0DEA6944CE0A}"/>
+              </a:ext>
+            </a:extLst>
+          </p:cNvPr>
+          <p:cNvSpPr/>
+          <p:nvPr/>
+        </p:nvSpPr>
+        <p:spPr>
+          <a:xfrm flipH="1">
+            <a:off x="8199386" y="704266"/>
+            <a:ext cx="807566" cy="212382"/>
+          </a:xfrm>
+          <a:prstGeom prst="rightArrow">
+            <a:avLst/>
+          </a:prstGeom>
+          <a:solidFill>
+            <a:schemeClr val="accent6"/>
+          </a:solidFill>
+          <a:ln>
+            <a:noFill/>
+          </a:ln>
+        </p:spPr>
+        <p:style>
+          <a:lnRef idx="2">
+            <a:schemeClr val="accent1">
+              <a:shade val="50000"/>
+            </a:schemeClr>
+          </a:lnRef>
+          <a:fillRef idx="1">
+            <a:schemeClr val="accent1"/>
+          </a:fillRef>
+          <a:effectRef idx="0">
+            <a:schemeClr val="accent1"/>
+          </a:effectRef>
+          <a:fontRef idx="minor">
+            <a:schemeClr val="lt1"/>
+          </a:fontRef>
+        </p:style>
+        <p:txBody>
+          <a:bodyPr rtlCol="0" anchor="ctr"/>
+          <a:lstStyle/>
+          <a:p>
+            <a:pPr algn="ctr"/>
+            <a:endParaRPr lang="en-US"/>
+          </a:p>
+        </p:txBody>
+      </p:sp>
+      <p:sp>
+        <p:nvSpPr>
+          <p:cNvPr id="5" name="Rectangle 4">
+            <a:extLst>
+              <a:ext uri="{FF2B5EF4-FFF2-40B4-BE49-F238E27FC236}">
+                <a16:creationId xmlns:a16="http://schemas.microsoft.com/office/drawing/2014/main" id="{9848A887-74AA-4279-816E-24A371C81C74}"/>
               </a:ext>
             </a:extLst>
           </p:cNvPr>
@@ -10844,286 +9419,39 @@
           </a:bodyPr>
           <a:lstStyle/>
           <a:p>
-            <a:pPr marL="0" marR="0" lvl="0" indent="0" algn="ctr" defTabSz="914400" rtl="0" eaLnBrk="1" fontAlgn="auto" latinLnBrk="0" hangingPunct="1">
-              <a:lnSpc>
-                <a:spcPct val="100000"/>
-              </a:lnSpc>
-              <a:spcBef>
-                <a:spcPts val="0"/>
-              </a:spcBef>
-              <a:spcAft>
-                <a:spcPts val="0"/>
-              </a:spcAft>
-              <a:buClrTx/>
-              <a:buSzTx/>
-              <a:buFontTx/>
-              <a:buNone/>
-              <a:tabLst/>
+            <a:pPr lvl="0" algn="ctr">
               <a:defRPr/>
             </a:pPr>
-            <a:endParaRPr kumimoji="0" lang="en-US" altLang="zh-CN" sz="1600" b="1" i="0" u="none" strike="noStrike" kern="1200" cap="none" spc="0" normalizeH="0" baseline="0" noProof="0" dirty="0">
-              <a:ln>
-                <a:noFill/>
-              </a:ln>
+            <a:endParaRPr lang="en-US" altLang="zh-CN" sz="1600" b="1" dirty="0">
               <a:solidFill>
                 <a:srgbClr val="C00000"/>
               </a:solidFill>
-              <a:effectLst/>
-              <a:uLnTx/>
-              <a:uFillTx/>
               <a:latin typeface="Palatino Linotype" panose="02040502050505030304" pitchFamily="18" charset="0"/>
-              <a:ea typeface="等线" panose="03000509000000000000" pitchFamily="65" charset="-122"/>
-              <a:cs typeface="+mn-cs"/>
             </a:endParaRPr>
           </a:p>
           <a:p>
-            <a:pPr marL="0" marR="0" lvl="0" indent="0" algn="ctr" defTabSz="914400" rtl="0" eaLnBrk="1" fontAlgn="auto" latinLnBrk="0" hangingPunct="1">
-              <a:lnSpc>
-                <a:spcPct val="100000"/>
-              </a:lnSpc>
-              <a:spcBef>
-                <a:spcPts val="0"/>
-              </a:spcBef>
-              <a:spcAft>
-                <a:spcPts val="0"/>
-              </a:spcAft>
-              <a:buClrTx/>
-              <a:buSzTx/>
-              <a:buFontTx/>
-              <a:buNone/>
-              <a:tabLst/>
+            <a:pPr lvl="0" algn="ctr">
               <a:defRPr/>
             </a:pPr>
             <a:r>
-              <a:rPr kumimoji="0" lang="en-US" altLang="zh-CN" sz="1600" b="1" i="0" u="none" strike="noStrike" kern="1200" cap="none" spc="0" normalizeH="0" baseline="0" noProof="0" dirty="0">
-                <a:ln>
-                  <a:noFill/>
-                </a:ln>
-                <a:solidFill>
-                  <a:srgbClr val="C00000"/>
-                </a:solidFill>
-                <a:effectLst/>
-                <a:uLnTx/>
-                <a:uFillTx/>
-                <a:latin typeface="Palatino Linotype" panose="02040502050505030304" pitchFamily="18" charset="0"/>
-                <a:ea typeface="等线" panose="03000509000000000000" pitchFamily="65" charset="-122"/>
-                <a:cs typeface="+mn-cs"/>
-              </a:rPr>
-              <a:t>COMPENSATION</a:t>
-            </a:r>
-          </a:p>
-          <a:p>
-            <a:pPr marL="0" marR="0" lvl="0" indent="0" algn="ctr" defTabSz="914400" rtl="0" eaLnBrk="1" fontAlgn="auto" latinLnBrk="0" hangingPunct="1">
-              <a:lnSpc>
-                <a:spcPct val="100000"/>
-              </a:lnSpc>
-              <a:spcBef>
-                <a:spcPts val="0"/>
-              </a:spcBef>
-              <a:spcAft>
-                <a:spcPts val="0"/>
-              </a:spcAft>
-              <a:buClrTx/>
-              <a:buSzTx/>
-              <a:buFontTx/>
-              <a:buNone/>
-              <a:tabLst/>
-              <a:defRPr/>
-            </a:pPr>
-            <a:endParaRPr kumimoji="0" lang="en-US" altLang="zh-CN" sz="1600" b="1" i="0" u="none" strike="noStrike" kern="1200" cap="none" spc="0" normalizeH="0" baseline="0" noProof="0" dirty="0">
-              <a:ln>
-                <a:noFill/>
-              </a:ln>
-              <a:solidFill>
-                <a:srgbClr val="C00000"/>
-              </a:solidFill>
-              <a:effectLst/>
-              <a:uLnTx/>
-              <a:uFillTx/>
-              <a:latin typeface="Palatino Linotype" panose="02040502050505030304" pitchFamily="18" charset="0"/>
-              <a:ea typeface="等线" panose="03000509000000000000" pitchFamily="65" charset="-122"/>
-              <a:cs typeface="+mn-cs"/>
-            </a:endParaRPr>
-          </a:p>
-        </p:txBody>
-      </p:sp>
-      <p:sp>
-        <p:nvSpPr>
-          <p:cNvPr id="7" name="Oval 6">
-            <a:extLst>
-              <a:ext uri="{FF2B5EF4-FFF2-40B4-BE49-F238E27FC236}">
-                <a16:creationId xmlns:a16="http://schemas.microsoft.com/office/drawing/2014/main" id="{FB2295E5-9630-4765-8171-35AEA12907C8}"/>
-              </a:ext>
-            </a:extLst>
-          </p:cNvPr>
-          <p:cNvSpPr/>
-          <p:nvPr/>
-        </p:nvSpPr>
-        <p:spPr>
-          <a:xfrm>
-            <a:off x="6580724" y="731982"/>
-            <a:ext cx="4960309" cy="2773203"/>
-          </a:xfrm>
-          <a:prstGeom prst="ellipse">
-            <a:avLst/>
-          </a:prstGeom>
-          <a:solidFill>
-            <a:srgbClr val="FF0000">
-              <a:alpha val="10196"/>
-            </a:srgbClr>
-          </a:solidFill>
-          <a:ln>
-            <a:noFill/>
-          </a:ln>
-        </p:spPr>
-        <p:style>
-          <a:lnRef idx="2">
-            <a:schemeClr val="accent1">
-              <a:shade val="50000"/>
-            </a:schemeClr>
-          </a:lnRef>
-          <a:fillRef idx="1">
-            <a:schemeClr val="accent1"/>
-          </a:fillRef>
-          <a:effectRef idx="0">
-            <a:schemeClr val="accent1"/>
-          </a:effectRef>
-          <a:fontRef idx="minor">
-            <a:schemeClr val="lt1"/>
-          </a:fontRef>
-        </p:style>
-        <p:txBody>
-          <a:bodyPr rtlCol="0" anchor="ctr"/>
-          <a:lstStyle/>
-          <a:p>
-            <a:pPr algn="ctr"/>
-            <a:endParaRPr lang="en-US"/>
-          </a:p>
-        </p:txBody>
-      </p:sp>
-      <p:sp>
-        <p:nvSpPr>
-          <p:cNvPr id="27" name="Rectangle 26">
-            <a:extLst>
-              <a:ext uri="{FF2B5EF4-FFF2-40B4-BE49-F238E27FC236}">
-                <a16:creationId xmlns:a16="http://schemas.microsoft.com/office/drawing/2014/main" id="{D5FA1834-ED4F-48DB-AB6C-2B49DD5D2001}"/>
-              </a:ext>
-            </a:extLst>
-          </p:cNvPr>
-          <p:cNvSpPr/>
-          <p:nvPr/>
-        </p:nvSpPr>
-        <p:spPr>
-          <a:xfrm>
-            <a:off x="7182598" y="3562807"/>
-            <a:ext cx="3916521" cy="369332"/>
-          </a:xfrm>
-          <a:prstGeom prst="rect">
-            <a:avLst/>
-          </a:prstGeom>
-          <a:solidFill>
-            <a:schemeClr val="bg1">
-              <a:lumMod val="95000"/>
-            </a:schemeClr>
-          </a:solidFill>
-        </p:spPr>
-        <p:txBody>
-          <a:bodyPr wrap="none">
-            <a:spAutoFit/>
-          </a:bodyPr>
-          <a:lstStyle/>
-          <a:p>
-            <a:pPr marL="0" marR="0" lvl="0" indent="0" algn="l" defTabSz="914400" rtl="0" eaLnBrk="1" fontAlgn="auto" latinLnBrk="0" hangingPunct="1">
-              <a:lnSpc>
-                <a:spcPct val="100000"/>
-              </a:lnSpc>
-              <a:spcBef>
-                <a:spcPts val="0"/>
-              </a:spcBef>
-              <a:spcAft>
-                <a:spcPts val="0"/>
-              </a:spcAft>
-              <a:buClrTx/>
-              <a:buSzTx/>
-              <a:buFontTx/>
-              <a:buNone/>
-              <a:tabLst/>
-              <a:defRPr/>
-            </a:pPr>
-            <a:r>
-              <a:rPr lang="en-US" dirty="0">
+              <a:rPr lang="en-US" altLang="zh-CN" sz="1600" b="1" dirty="0">
                 <a:solidFill>
                   <a:srgbClr val="C00000"/>
                 </a:solidFill>
                 <a:latin typeface="Palatino Linotype" panose="02040502050505030304" pitchFamily="18" charset="0"/>
               </a:rPr>
-              <a:t>b</a:t>
-            </a:r>
-            <a:r>
-              <a:rPr kumimoji="0" lang="en-US" sz="1800" i="0" u="none" strike="noStrike" kern="1200" cap="none" spc="0" normalizeH="0" baseline="0" noProof="0" dirty="0">
-                <a:ln>
-                  <a:noFill/>
-                </a:ln>
-                <a:solidFill>
-                  <a:srgbClr val="C00000"/>
-                </a:solidFill>
-                <a:effectLst/>
-                <a:uLnTx/>
-                <a:uFillTx/>
-                <a:latin typeface="Palatino Linotype" panose="02040502050505030304" pitchFamily="18" charset="0"/>
-                <a:ea typeface="+mn-ea"/>
-                <a:cs typeface="+mn-cs"/>
-              </a:rPr>
-              <a:t>o</a:t>
-            </a:r>
-            <a:r>
-              <a:rPr lang="en-US" dirty="0" err="1">
-                <a:solidFill>
-                  <a:srgbClr val="C00000"/>
-                </a:solidFill>
-                <a:latin typeface="Palatino Linotype" panose="02040502050505030304" pitchFamily="18" charset="0"/>
-              </a:rPr>
-              <a:t>dy</a:t>
-            </a:r>
-            <a:r>
-              <a:rPr lang="en-US" dirty="0">
-                <a:solidFill>
-                  <a:srgbClr val="C00000"/>
-                </a:solidFill>
-                <a:latin typeface="Palatino Linotype" panose="02040502050505030304" pitchFamily="18" charset="0"/>
-              </a:rPr>
-              <a:t> &amp; env. in single entity = </a:t>
-            </a:r>
-            <a:r>
-              <a:rPr kumimoji="0" lang="en-US" sz="1800" b="1" i="0" u="none" strike="noStrike" kern="1200" cap="none" spc="0" normalizeH="0" baseline="0" noProof="0" dirty="0">
-                <a:ln>
-                  <a:noFill/>
-                </a:ln>
-                <a:solidFill>
-                  <a:srgbClr val="C00000"/>
-                </a:solidFill>
-                <a:effectLst/>
-                <a:uLnTx/>
-                <a:uFillTx/>
-                <a:latin typeface="Palatino Linotype" panose="02040502050505030304" pitchFamily="18" charset="0"/>
-                <a:ea typeface="+mn-ea"/>
-                <a:cs typeface="+mn-cs"/>
-              </a:rPr>
-              <a:t>space</a:t>
-            </a:r>
-            <a:endParaRPr kumimoji="0" lang="en-US" sz="1800" b="1" i="0" u="none" strike="noStrike" kern="1200" cap="none" spc="0" normalizeH="0" baseline="0" noProof="0" dirty="0">
-              <a:ln>
-                <a:noFill/>
-              </a:ln>
+              <a:t>COMPENSATION</a:t>
+            </a:r>
+          </a:p>
+          <a:p>
+            <a:pPr lvl="0" algn="ctr">
+              <a:defRPr/>
+            </a:pPr>
+            <a:endParaRPr lang="en-US" altLang="zh-CN" sz="1600" b="1" dirty="0">
               <a:solidFill>
                 <a:srgbClr val="C00000"/>
               </a:solidFill>
-              <a:effectLst/>
-              <a:uLnTx/>
-              <a:uFillTx/>
-              <a:latin typeface="Calibri" panose="020F0502020204030204"/>
-              <a:ea typeface="+mn-ea"/>
-              <a:cs typeface="+mn-cs"/>
+              <a:latin typeface="Palatino Linotype" panose="02040502050505030304" pitchFamily="18" charset="0"/>
             </a:endParaRPr>
           </a:p>
         </p:txBody>
@@ -11133,7 +9461,7 @@
           <p:cNvPr id="34" name="Rectangle 33">
             <a:extLst>
               <a:ext uri="{FF2B5EF4-FFF2-40B4-BE49-F238E27FC236}">
-                <a16:creationId xmlns:a16="http://schemas.microsoft.com/office/drawing/2014/main" id="{6407A440-2C4A-4BCC-9E8F-108C880D0251}"/>
+                <a16:creationId xmlns:a16="http://schemas.microsoft.com/office/drawing/2014/main" id="{AA6CB63E-1C50-4EF5-8B24-74BA04868DFA}"/>
               </a:ext>
             </a:extLst>
           </p:cNvPr>
@@ -11367,7 +9695,7 @@
     </p:spTree>
     <p:extLst>
       <p:ext uri="{BB962C8B-B14F-4D97-AF65-F5344CB8AC3E}">
-        <p14:creationId xmlns:p14="http://schemas.microsoft.com/office/powerpoint/2010/main" val="822082767"/>
+        <p14:creationId xmlns:p14="http://schemas.microsoft.com/office/powerpoint/2010/main" val="2694911429"/>
       </p:ext>
     </p:extLst>
   </p:cSld>
@@ -11377,7 +9705,7 @@
 </p:sld>
 </file>
 
-<file path=ppt/slides/slide14.xml><?xml version="1.0" encoding="utf-8"?>
+<file path=ppt/slides/slide13.xml><?xml version="1.0" encoding="utf-8"?>
 <p:sld xmlns:a="http://schemas.openxmlformats.org/drawingml/2006/main" xmlns:r="http://schemas.openxmlformats.org/officeDocument/2006/relationships" xmlns:p="http://schemas.openxmlformats.org/presentationml/2006/main">
   <p:cSld>
     <p:bg>
@@ -12500,7 +10828,44 @@
           <a:bodyPr rtlCol="0" anchor="ctr"/>
           <a:lstStyle/>
           <a:p>
-            <a:pPr marL="0" marR="0" lvl="0" indent="0" algn="ctr" defTabSz="914400" rtl="0" eaLnBrk="1" fontAlgn="auto" latinLnBrk="0" hangingPunct="1">
+            <a:pPr algn="ctr"/>
+            <a:endParaRPr lang="en-US"/>
+          </a:p>
+        </p:txBody>
+      </p:sp>
+      <p:sp>
+        <p:nvSpPr>
+          <p:cNvPr id="27" name="Rectangle 26">
+            <a:extLst>
+              <a:ext uri="{FF2B5EF4-FFF2-40B4-BE49-F238E27FC236}">
+                <a16:creationId xmlns:a16="http://schemas.microsoft.com/office/drawing/2014/main" id="{D5FA1834-ED4F-48DB-AB6C-2B49DD5D2001}"/>
+              </a:ext>
+            </a:extLst>
+          </p:cNvPr>
+          <p:cNvSpPr/>
+          <p:nvPr/>
+        </p:nvSpPr>
+        <p:spPr>
+          <a:xfrm>
+            <a:off x="7182598" y="3562807"/>
+            <a:ext cx="3916521" cy="369332"/>
+          </a:xfrm>
+          <a:prstGeom prst="rect">
+            <a:avLst/>
+          </a:prstGeom>
+          <a:solidFill>
+            <a:schemeClr val="bg1">
+              <a:lumMod val="95000"/>
+            </a:schemeClr>
+          </a:solidFill>
+        </p:spPr>
+        <p:txBody>
+          <a:bodyPr wrap="none">
+            <a:spAutoFit/>
+          </a:bodyPr>
+          <a:lstStyle/>
+          <a:p>
+            <a:pPr marL="0" marR="0" lvl="0" indent="0" algn="l" defTabSz="914400" rtl="0" eaLnBrk="1" fontAlgn="auto" latinLnBrk="0" hangingPunct="1">
               <a:lnSpc>
                 <a:spcPct val="100000"/>
               </a:lnSpc>
@@ -12517,12 +10882,73 @@
               <a:tabLst/>
               <a:defRPr/>
             </a:pPr>
-            <a:endParaRPr kumimoji="0" lang="en-US" sz="1800" b="0" i="0" u="none" strike="noStrike" kern="1200" cap="none" spc="0" normalizeH="0" baseline="0" noProof="0">
+            <a:r>
+              <a:rPr lang="en-US" dirty="0">
+                <a:solidFill>
+                  <a:srgbClr val="C00000"/>
+                </a:solidFill>
+                <a:latin typeface="Palatino Linotype" panose="02040502050505030304" pitchFamily="18" charset="0"/>
+              </a:rPr>
+              <a:t>b</a:t>
+            </a:r>
+            <a:r>
+              <a:rPr kumimoji="0" lang="en-US" sz="1800" i="0" u="none" strike="noStrike" kern="1200" cap="none" spc="0" normalizeH="0" baseline="0" noProof="0" dirty="0">
+                <a:ln>
+                  <a:noFill/>
+                </a:ln>
+                <a:solidFill>
+                  <a:srgbClr val="C00000"/>
+                </a:solidFill>
+                <a:effectLst/>
+                <a:uLnTx/>
+                <a:uFillTx/>
+                <a:latin typeface="Palatino Linotype" panose="02040502050505030304" pitchFamily="18" charset="0"/>
+                <a:ea typeface="+mn-ea"/>
+                <a:cs typeface="+mn-cs"/>
+              </a:rPr>
+              <a:t>o</a:t>
+            </a:r>
+            <a:r>
+              <a:rPr lang="en-US" dirty="0" err="1">
+                <a:solidFill>
+                  <a:srgbClr val="C00000"/>
+                </a:solidFill>
+                <a:latin typeface="Palatino Linotype" panose="02040502050505030304" pitchFamily="18" charset="0"/>
+              </a:rPr>
+              <a:t>dy</a:t>
+            </a:r>
+            <a:r>
+              <a:rPr lang="en-US" dirty="0">
+                <a:solidFill>
+                  <a:srgbClr val="C00000"/>
+                </a:solidFill>
+                <a:latin typeface="Palatino Linotype" panose="02040502050505030304" pitchFamily="18" charset="0"/>
+              </a:rPr>
+              <a:t> &amp; env. in single entity = </a:t>
+            </a:r>
+            <a:r>
+              <a:rPr kumimoji="0" lang="en-US" sz="1800" b="1" i="0" u="none" strike="noStrike" kern="1200" cap="none" spc="0" normalizeH="0" baseline="0" noProof="0" dirty="0">
+                <a:ln>
+                  <a:noFill/>
+                </a:ln>
+                <a:solidFill>
+                  <a:srgbClr val="C00000"/>
+                </a:solidFill>
+                <a:effectLst/>
+                <a:uLnTx/>
+                <a:uFillTx/>
+                <a:latin typeface="Palatino Linotype" panose="02040502050505030304" pitchFamily="18" charset="0"/>
+                <a:ea typeface="+mn-ea"/>
+                <a:cs typeface="+mn-cs"/>
+              </a:rPr>
+              <a:t>space</a:t>
+            </a:r>
+            <a:endParaRPr kumimoji="0" lang="en-US" sz="1800" b="1" i="0" u="none" strike="noStrike" kern="1200" cap="none" spc="0" normalizeH="0" baseline="0" noProof="0" dirty="0">
               <a:ln>
                 <a:noFill/>
               </a:ln>
               <a:solidFill>
-                <a:prstClr val="white"/>
+                <a:srgbClr val="C00000"/>
               </a:solidFill>
               <a:effectLst/>
               <a:uLnTx/>
@@ -12536,122 +10962,10 @@
       </p:sp>
       <p:sp>
         <p:nvSpPr>
-          <p:cNvPr id="11" name="Rectangle 10">
+          <p:cNvPr id="34" name="Rectangle 33">
             <a:extLst>
               <a:ext uri="{FF2B5EF4-FFF2-40B4-BE49-F238E27FC236}">
-                <a16:creationId xmlns:a16="http://schemas.microsoft.com/office/drawing/2014/main" id="{80B46562-9303-44FE-A4A4-FF09E5132D5E}"/>
-              </a:ext>
-            </a:extLst>
-          </p:cNvPr>
-          <p:cNvSpPr/>
-          <p:nvPr/>
-        </p:nvSpPr>
-        <p:spPr>
-          <a:xfrm>
-            <a:off x="6272263" y="3548777"/>
-            <a:ext cx="5737190" cy="646331"/>
-          </a:xfrm>
-          <a:prstGeom prst="rect">
-            <a:avLst/>
-          </a:prstGeom>
-        </p:spPr>
-        <p:txBody>
-          <a:bodyPr wrap="square">
-            <a:spAutoFit/>
-          </a:bodyPr>
-          <a:lstStyle/>
-          <a:p>
-            <a:pPr marL="0" marR="0" lvl="0" indent="0" algn="ctr" defTabSz="914400" rtl="0" eaLnBrk="1" fontAlgn="auto" latinLnBrk="0" hangingPunct="1">
-              <a:lnSpc>
-                <a:spcPct val="100000"/>
-              </a:lnSpc>
-              <a:spcBef>
-                <a:spcPts val="0"/>
-              </a:spcBef>
-              <a:spcAft>
-                <a:spcPts val="0"/>
-              </a:spcAft>
-              <a:buClrTx/>
-              <a:buSzTx/>
-              <a:buFontTx/>
-              <a:buNone/>
-              <a:tabLst/>
-              <a:defRPr/>
-            </a:pPr>
-            <a:r>
-              <a:rPr kumimoji="0" lang="en-US" sz="1800" b="1" i="0" u="none" strike="noStrike" kern="1200" cap="none" spc="0" normalizeH="0" baseline="0" noProof="0" dirty="0">
-                <a:ln>
-                  <a:noFill/>
-                </a:ln>
-                <a:solidFill>
-                  <a:prstClr val="black"/>
-                </a:solidFill>
-                <a:effectLst/>
-                <a:uLnTx/>
-                <a:uFillTx/>
-                <a:latin typeface="Palatino Linotype" panose="02040502050505030304" pitchFamily="18" charset="0"/>
-              </a:rPr>
-              <a:t>Compensated transformations of body-env system  </a:t>
-            </a:r>
-          </a:p>
-          <a:p>
-            <a:pPr marL="0" marR="0" lvl="0" indent="0" algn="ctr" defTabSz="914400" rtl="0" eaLnBrk="1" fontAlgn="auto" latinLnBrk="0" hangingPunct="1">
-              <a:lnSpc>
-                <a:spcPct val="100000"/>
-              </a:lnSpc>
-              <a:spcBef>
-                <a:spcPts val="0"/>
-              </a:spcBef>
-              <a:spcAft>
-                <a:spcPts val="0"/>
-              </a:spcAft>
-              <a:buClrTx/>
-              <a:buSzTx/>
-              <a:buFontTx/>
-              <a:buNone/>
-              <a:tabLst/>
-              <a:defRPr/>
-            </a:pPr>
-            <a:r>
-              <a:rPr kumimoji="0" lang="en-US" sz="1800" b="1" i="0" u="none" strike="noStrike" kern="1200" cap="none" spc="0" normalizeH="0" baseline="0" noProof="0" dirty="0">
-                <a:ln>
-                  <a:noFill/>
-                </a:ln>
-                <a:solidFill>
-                  <a:prstClr val="black"/>
-                </a:solidFill>
-                <a:effectLst/>
-                <a:uLnTx/>
-                <a:uFillTx/>
-                <a:latin typeface="Palatino Linotype" panose="02040502050505030304" pitchFamily="18" charset="0"/>
-                <a:sym typeface="Wingdings" panose="05000000000000000000" pitchFamily="2" charset="2"/>
-              </a:rPr>
-              <a:t> </a:t>
-            </a:r>
-            <a:r>
-              <a:rPr kumimoji="0" lang="en-US" sz="1800" b="1" i="0" u="none" strike="noStrike" kern="1200" cap="none" spc="0" normalizeH="0" baseline="0" noProof="0" dirty="0">
-                <a:ln>
-                  <a:noFill/>
-                </a:ln>
-                <a:solidFill>
-                  <a:prstClr val="black"/>
-                </a:solidFill>
-                <a:effectLst/>
-                <a:uLnTx/>
-                <a:uFillTx/>
-                <a:latin typeface="Palatino Linotype" panose="02040502050505030304" pitchFamily="18" charset="0"/>
-              </a:rPr>
-              <a:t>Geometry info </a:t>
-            </a:r>
-          </a:p>
-        </p:txBody>
-      </p:sp>
-      <p:sp>
-        <p:nvSpPr>
-          <p:cNvPr id="22" name="Rectangle 21">
-            <a:extLst>
-              <a:ext uri="{FF2B5EF4-FFF2-40B4-BE49-F238E27FC236}">
-                <a16:creationId xmlns:a16="http://schemas.microsoft.com/office/drawing/2014/main" id="{A56D43A2-9B59-4D53-80AA-D7647466A444}"/>
+                <a16:creationId xmlns:a16="http://schemas.microsoft.com/office/drawing/2014/main" id="{6407A440-2C4A-4BCC-9E8F-108C880D0251}"/>
               </a:ext>
             </a:extLst>
           </p:cNvPr>
@@ -12885,7 +11199,7 @@
     </p:spTree>
     <p:extLst>
       <p:ext uri="{BB962C8B-B14F-4D97-AF65-F5344CB8AC3E}">
-        <p14:creationId xmlns:p14="http://schemas.microsoft.com/office/powerpoint/2010/main" val="3785003250"/>
+        <p14:creationId xmlns:p14="http://schemas.microsoft.com/office/powerpoint/2010/main" val="822082767"/>
       </p:ext>
     </p:extLst>
   </p:cSld>
@@ -12895,7 +11209,7 @@
 </p:sld>
 </file>
 
-<file path=ppt/slides/slide15.xml><?xml version="1.0" encoding="utf-8"?>
+<file path=ppt/slides/slide14.xml><?xml version="1.0" encoding="utf-8"?>
 <p:sld xmlns:a="http://schemas.openxmlformats.org/drawingml/2006/main" xmlns:r="http://schemas.openxmlformats.org/officeDocument/2006/relationships" xmlns:p="http://schemas.openxmlformats.org/presentationml/2006/main">
   <p:cSld>
     <p:bg>
@@ -13194,15 +11508,565 @@
               </a:rPr>
               <a:t>Work in Paper</a:t>
             </a:r>
+            <a:endParaRPr lang="en-US" sz="2400" kern="1200" dirty="0">
+              <a:solidFill>
+                <a:srgbClr val="E7E6E6"/>
+              </a:solidFill>
+              <a:latin typeface="Palatino Linotype" panose="02040502050505030304" pitchFamily="18" charset="0"/>
+            </a:endParaRPr>
           </a:p>
         </p:txBody>
       </p:sp>
+      <p:grpSp>
+        <p:nvGrpSpPr>
+          <p:cNvPr id="10" name="Group 9">
+            <a:extLst>
+              <a:ext uri="{FF2B5EF4-FFF2-40B4-BE49-F238E27FC236}">
+                <a16:creationId xmlns:a16="http://schemas.microsoft.com/office/drawing/2014/main" id="{A4823CEE-D5E7-4140-B189-96AAF29EA3BA}"/>
+              </a:ext>
+            </a:extLst>
+          </p:cNvPr>
+          <p:cNvGrpSpPr/>
+          <p:nvPr/>
+        </p:nvGrpSpPr>
+        <p:grpSpPr>
+          <a:xfrm>
+            <a:off x="6009160" y="367268"/>
+            <a:ext cx="80556" cy="3448594"/>
+            <a:chOff x="9437914" y="457200"/>
+            <a:chExt cx="80556" cy="3448594"/>
+          </a:xfrm>
+        </p:grpSpPr>
+        <p:cxnSp>
+          <p:nvCxnSpPr>
+            <p:cNvPr id="9" name="Straight Connector 8">
+              <a:extLst>
+                <a:ext uri="{FF2B5EF4-FFF2-40B4-BE49-F238E27FC236}">
+                  <a16:creationId xmlns:a16="http://schemas.microsoft.com/office/drawing/2014/main" id="{A7A23FD2-88DC-454B-A8BE-CEAD4856099B}"/>
+                </a:ext>
+              </a:extLst>
+            </p:cNvPr>
+            <p:cNvCxnSpPr/>
+            <p:nvPr/>
+          </p:nvCxnSpPr>
+          <p:spPr>
+            <a:xfrm>
+              <a:off x="9437914" y="457200"/>
+              <a:ext cx="0" cy="3448594"/>
+            </a:xfrm>
+            <a:prstGeom prst="line">
+              <a:avLst/>
+            </a:prstGeom>
+            <a:ln w="38100">
+              <a:solidFill>
+                <a:schemeClr val="bg2">
+                  <a:lumMod val="25000"/>
+                </a:schemeClr>
+              </a:solidFill>
+            </a:ln>
+          </p:spPr>
+          <p:style>
+            <a:lnRef idx="1">
+              <a:schemeClr val="accent1"/>
+            </a:lnRef>
+            <a:fillRef idx="0">
+              <a:schemeClr val="accent1"/>
+            </a:fillRef>
+            <a:effectRef idx="0">
+              <a:schemeClr val="accent1"/>
+            </a:effectRef>
+            <a:fontRef idx="minor">
+              <a:schemeClr val="tx1"/>
+            </a:fontRef>
+          </p:style>
+        </p:cxnSp>
+        <p:cxnSp>
+          <p:nvCxnSpPr>
+            <p:cNvPr id="14" name="Straight Connector 13">
+              <a:extLst>
+                <a:ext uri="{FF2B5EF4-FFF2-40B4-BE49-F238E27FC236}">
+                  <a16:creationId xmlns:a16="http://schemas.microsoft.com/office/drawing/2014/main" id="{80ECDA67-B837-4995-B4F7-3B0A8CDFD37E}"/>
+                </a:ext>
+              </a:extLst>
+            </p:cNvPr>
+            <p:cNvCxnSpPr/>
+            <p:nvPr/>
+          </p:nvCxnSpPr>
+          <p:spPr>
+            <a:xfrm>
+              <a:off x="9518470" y="457200"/>
+              <a:ext cx="0" cy="3448594"/>
+            </a:xfrm>
+            <a:prstGeom prst="line">
+              <a:avLst/>
+            </a:prstGeom>
+            <a:ln w="38100">
+              <a:solidFill>
+                <a:schemeClr val="bg2">
+                  <a:lumMod val="25000"/>
+                </a:schemeClr>
+              </a:solidFill>
+            </a:ln>
+          </p:spPr>
+          <p:style>
+            <a:lnRef idx="1">
+              <a:schemeClr val="accent1"/>
+            </a:lnRef>
+            <a:fillRef idx="0">
+              <a:schemeClr val="accent1"/>
+            </a:fillRef>
+            <a:effectRef idx="0">
+              <a:schemeClr val="accent1"/>
+            </a:effectRef>
+            <a:fontRef idx="minor">
+              <a:schemeClr val="tx1"/>
+            </a:fontRef>
+          </p:style>
+        </p:cxnSp>
+      </p:grpSp>
+      <p:grpSp>
+        <p:nvGrpSpPr>
+          <p:cNvPr id="38" name="Group 37">
+            <a:extLst>
+              <a:ext uri="{FF2B5EF4-FFF2-40B4-BE49-F238E27FC236}">
+                <a16:creationId xmlns:a16="http://schemas.microsoft.com/office/drawing/2014/main" id="{0DB616DC-8F28-4F57-BB48-F72FA3876E1D}"/>
+              </a:ext>
+            </a:extLst>
+          </p:cNvPr>
+          <p:cNvGrpSpPr/>
+          <p:nvPr/>
+        </p:nvGrpSpPr>
+        <p:grpSpPr>
+          <a:xfrm>
+            <a:off x="6444469" y="230687"/>
+            <a:ext cx="5231666" cy="2955632"/>
+            <a:chOff x="6374674" y="473368"/>
+            <a:chExt cx="5231666" cy="2955632"/>
+          </a:xfrm>
+        </p:grpSpPr>
+        <p:pic>
+          <p:nvPicPr>
+            <p:cNvPr id="3" name="Picture 2">
+              <a:extLst>
+                <a:ext uri="{FF2B5EF4-FFF2-40B4-BE49-F238E27FC236}">
+                  <a16:creationId xmlns:a16="http://schemas.microsoft.com/office/drawing/2014/main" id="{9D184C1C-BB34-4757-99C0-16801E3399B0}"/>
+                </a:ext>
+              </a:extLst>
+            </p:cNvPr>
+            <p:cNvPicPr>
+              <a:picLocks noChangeAspect="1"/>
+            </p:cNvPicPr>
+            <p:nvPr/>
+          </p:nvPicPr>
+          <p:blipFill>
+            <a:blip r:embed="rId2">
+              <a:duotone>
+                <a:schemeClr val="accent5">
+                  <a:shade val="45000"/>
+                  <a:satMod val="135000"/>
+                </a:schemeClr>
+                <a:prstClr val="white"/>
+              </a:duotone>
+            </a:blip>
+            <a:stretch>
+              <a:fillRect/>
+            </a:stretch>
+          </p:blipFill>
+          <p:spPr>
+            <a:xfrm>
+              <a:off x="6426318" y="849350"/>
+              <a:ext cx="4476235" cy="2412607"/>
+            </a:xfrm>
+            <a:prstGeom prst="rect">
+              <a:avLst/>
+            </a:prstGeom>
+            <a:ln>
+              <a:noFill/>
+            </a:ln>
+          </p:spPr>
+        </p:pic>
+        <p:cxnSp>
+          <p:nvCxnSpPr>
+            <p:cNvPr id="28" name="Straight Connector 27">
+              <a:extLst>
+                <a:ext uri="{FF2B5EF4-FFF2-40B4-BE49-F238E27FC236}">
+                  <a16:creationId xmlns:a16="http://schemas.microsoft.com/office/drawing/2014/main" id="{A39B4F72-6AB0-409D-9341-BCF78302EFED}"/>
+                </a:ext>
+              </a:extLst>
+            </p:cNvPr>
+            <p:cNvCxnSpPr>
+              <a:cxnSpLocks/>
+            </p:cNvCxnSpPr>
+            <p:nvPr/>
+          </p:nvCxnSpPr>
+          <p:spPr>
+            <a:xfrm>
+              <a:off x="9432499" y="1543448"/>
+              <a:ext cx="919635" cy="447003"/>
+            </a:xfrm>
+            <a:prstGeom prst="line">
+              <a:avLst/>
+            </a:prstGeom>
+            <a:ln w="6350">
+              <a:noFill/>
+            </a:ln>
+          </p:spPr>
+          <p:style>
+            <a:lnRef idx="1">
+              <a:schemeClr val="accent1"/>
+            </a:lnRef>
+            <a:fillRef idx="0">
+              <a:schemeClr val="accent1"/>
+            </a:fillRef>
+            <a:effectRef idx="0">
+              <a:schemeClr val="accent1"/>
+            </a:effectRef>
+            <a:fontRef idx="minor">
+              <a:schemeClr val="tx1"/>
+            </a:fontRef>
+          </p:style>
+        </p:cxnSp>
+        <p:sp>
+          <p:nvSpPr>
+            <p:cNvPr id="32" name="Rectangle 31">
+              <a:extLst>
+                <a:ext uri="{FF2B5EF4-FFF2-40B4-BE49-F238E27FC236}">
+                  <a16:creationId xmlns:a16="http://schemas.microsoft.com/office/drawing/2014/main" id="{DE6F5B2D-3ACD-443E-939B-7CBE246F860C}"/>
+                </a:ext>
+              </a:extLst>
+            </p:cNvPr>
+            <p:cNvSpPr/>
+            <p:nvPr/>
+          </p:nvSpPr>
+          <p:spPr>
+            <a:xfrm>
+              <a:off x="6374674" y="473368"/>
+              <a:ext cx="5231666" cy="2955632"/>
+            </a:xfrm>
+            <a:prstGeom prst="rect">
+              <a:avLst/>
+            </a:prstGeom>
+            <a:noFill/>
+            <a:ln w="3175">
+              <a:noFill/>
+            </a:ln>
+          </p:spPr>
+          <p:style>
+            <a:lnRef idx="2">
+              <a:schemeClr val="accent1">
+                <a:shade val="50000"/>
+              </a:schemeClr>
+            </a:lnRef>
+            <a:fillRef idx="1">
+              <a:schemeClr val="accent1"/>
+            </a:fillRef>
+            <a:effectRef idx="0">
+              <a:schemeClr val="accent1"/>
+            </a:effectRef>
+            <a:fontRef idx="minor">
+              <a:schemeClr val="lt1"/>
+            </a:fontRef>
+          </p:style>
+          <p:txBody>
+            <a:bodyPr rtlCol="0" anchor="ctr"/>
+            <a:lstStyle/>
+            <a:p>
+              <a:pPr marL="0" marR="0" lvl="0" indent="0" algn="ctr" defTabSz="914400" rtl="0" eaLnBrk="1" fontAlgn="auto" latinLnBrk="0" hangingPunct="1">
+                <a:lnSpc>
+                  <a:spcPct val="100000"/>
+                </a:lnSpc>
+                <a:spcBef>
+                  <a:spcPts val="0"/>
+                </a:spcBef>
+                <a:spcAft>
+                  <a:spcPts val="0"/>
+                </a:spcAft>
+                <a:buClrTx/>
+                <a:buSzTx/>
+                <a:buFontTx/>
+                <a:buNone/>
+                <a:tabLst/>
+                <a:defRPr/>
+              </a:pPr>
+              <a:endParaRPr kumimoji="0" lang="en-US" sz="1800" b="0" i="0" u="none" strike="noStrike" kern="1200" cap="none" spc="0" normalizeH="0" baseline="0" noProof="0">
+                <a:ln>
+                  <a:noFill/>
+                </a:ln>
+                <a:solidFill>
+                  <a:prstClr val="white"/>
+                </a:solidFill>
+                <a:effectLst/>
+                <a:uLnTx/>
+                <a:uFillTx/>
+                <a:latin typeface="Calibri" panose="020F0502020204030204"/>
+                <a:ea typeface="+mn-ea"/>
+                <a:cs typeface="+mn-cs"/>
+              </a:endParaRPr>
+            </a:p>
+          </p:txBody>
+        </p:sp>
+        <p:sp>
+          <p:nvSpPr>
+            <p:cNvPr id="36" name="Oval 35">
+              <a:extLst>
+                <a:ext uri="{FF2B5EF4-FFF2-40B4-BE49-F238E27FC236}">
+                  <a16:creationId xmlns:a16="http://schemas.microsoft.com/office/drawing/2014/main" id="{7BC5B2BA-8132-4832-975A-FC54A0BCFB5B}"/>
+                </a:ext>
+              </a:extLst>
+            </p:cNvPr>
+            <p:cNvSpPr/>
+            <p:nvPr/>
+          </p:nvSpPr>
+          <p:spPr>
+            <a:xfrm rot="3660095">
+              <a:off x="9072738" y="1274453"/>
+              <a:ext cx="964785" cy="1868420"/>
+            </a:xfrm>
+            <a:prstGeom prst="ellipse">
+              <a:avLst/>
+            </a:prstGeom>
+            <a:solidFill>
+              <a:schemeClr val="accent4">
+                <a:lumMod val="20000"/>
+                <a:lumOff val="80000"/>
+                <a:alpha val="34118"/>
+              </a:schemeClr>
+            </a:solidFill>
+            <a:ln>
+              <a:noFill/>
+            </a:ln>
+          </p:spPr>
+          <p:style>
+            <a:lnRef idx="2">
+              <a:schemeClr val="accent1">
+                <a:shade val="50000"/>
+              </a:schemeClr>
+            </a:lnRef>
+            <a:fillRef idx="1">
+              <a:schemeClr val="accent1"/>
+            </a:fillRef>
+            <a:effectRef idx="0">
+              <a:schemeClr val="accent1"/>
+            </a:effectRef>
+            <a:fontRef idx="minor">
+              <a:schemeClr val="lt1"/>
+            </a:fontRef>
+          </p:style>
+          <p:txBody>
+            <a:bodyPr rtlCol="0" anchor="ctr"/>
+            <a:lstStyle/>
+            <a:p>
+              <a:pPr marL="0" marR="0" lvl="0" indent="0" algn="ctr" defTabSz="914400" rtl="0" eaLnBrk="1" fontAlgn="auto" latinLnBrk="0" hangingPunct="1">
+                <a:lnSpc>
+                  <a:spcPct val="100000"/>
+                </a:lnSpc>
+                <a:spcBef>
+                  <a:spcPts val="0"/>
+                </a:spcBef>
+                <a:spcAft>
+                  <a:spcPts val="0"/>
+                </a:spcAft>
+                <a:buClrTx/>
+                <a:buSzTx/>
+                <a:buFontTx/>
+                <a:buNone/>
+                <a:tabLst/>
+                <a:defRPr/>
+              </a:pPr>
+              <a:endParaRPr kumimoji="0" lang="en-US" sz="1800" b="0" i="0" u="none" strike="noStrike" kern="1200" cap="none" spc="0" normalizeH="0" baseline="0" noProof="0" dirty="0">
+                <a:ln>
+                  <a:noFill/>
+                </a:ln>
+                <a:solidFill>
+                  <a:prstClr val="white"/>
+                </a:solidFill>
+                <a:effectLst/>
+                <a:uLnTx/>
+                <a:uFillTx/>
+                <a:latin typeface="Calibri" panose="020F0502020204030204"/>
+                <a:ea typeface="+mn-ea"/>
+                <a:cs typeface="+mn-cs"/>
+              </a:endParaRPr>
+            </a:p>
+          </p:txBody>
+        </p:sp>
+        <p:sp>
+          <p:nvSpPr>
+            <p:cNvPr id="39" name="Oval 38">
+              <a:extLst>
+                <a:ext uri="{FF2B5EF4-FFF2-40B4-BE49-F238E27FC236}">
+                  <a16:creationId xmlns:a16="http://schemas.microsoft.com/office/drawing/2014/main" id="{00643C6F-414A-4910-BF99-8CF932C127A8}"/>
+                </a:ext>
+              </a:extLst>
+            </p:cNvPr>
+            <p:cNvSpPr/>
+            <p:nvPr/>
+          </p:nvSpPr>
+          <p:spPr>
+            <a:xfrm rot="5400000">
+              <a:off x="7256054" y="2250035"/>
+              <a:ext cx="770449" cy="1492065"/>
+            </a:xfrm>
+            <a:prstGeom prst="ellipse">
+              <a:avLst/>
+            </a:prstGeom>
+            <a:solidFill>
+              <a:schemeClr val="accent1">
+                <a:lumMod val="20000"/>
+                <a:lumOff val="80000"/>
+                <a:alpha val="34118"/>
+              </a:schemeClr>
+            </a:solidFill>
+            <a:ln>
+              <a:noFill/>
+            </a:ln>
+          </p:spPr>
+          <p:style>
+            <a:lnRef idx="2">
+              <a:schemeClr val="accent1">
+                <a:shade val="50000"/>
+              </a:schemeClr>
+            </a:lnRef>
+            <a:fillRef idx="1">
+              <a:schemeClr val="accent1"/>
+            </a:fillRef>
+            <a:effectRef idx="0">
+              <a:schemeClr val="accent1"/>
+            </a:effectRef>
+            <a:fontRef idx="minor">
+              <a:schemeClr val="lt1"/>
+            </a:fontRef>
+          </p:style>
+          <p:txBody>
+            <a:bodyPr rtlCol="0" anchor="ctr"/>
+            <a:lstStyle/>
+            <a:p>
+              <a:pPr marL="0" marR="0" lvl="0" indent="0" algn="ctr" defTabSz="914400" rtl="0" eaLnBrk="1" fontAlgn="auto" latinLnBrk="0" hangingPunct="1">
+                <a:lnSpc>
+                  <a:spcPct val="100000"/>
+                </a:lnSpc>
+                <a:spcBef>
+                  <a:spcPts val="0"/>
+                </a:spcBef>
+                <a:spcAft>
+                  <a:spcPts val="0"/>
+                </a:spcAft>
+                <a:buClrTx/>
+                <a:buSzTx/>
+                <a:buFontTx/>
+                <a:buNone/>
+                <a:tabLst/>
+                <a:defRPr/>
+              </a:pPr>
+              <a:endParaRPr kumimoji="0" lang="en-US" sz="1800" b="0" i="0" u="none" strike="noStrike" kern="1200" cap="none" spc="0" normalizeH="0" baseline="0" noProof="0">
+                <a:ln>
+                  <a:noFill/>
+                </a:ln>
+                <a:solidFill>
+                  <a:prstClr val="white"/>
+                </a:solidFill>
+                <a:effectLst/>
+                <a:uLnTx/>
+                <a:uFillTx/>
+                <a:latin typeface="Calibri" panose="020F0502020204030204"/>
+                <a:ea typeface="+mn-ea"/>
+                <a:cs typeface="+mn-cs"/>
+              </a:endParaRPr>
+            </a:p>
+          </p:txBody>
+        </p:sp>
+        <p:sp>
+          <p:nvSpPr>
+            <p:cNvPr id="40" name="Oval 39">
+              <a:extLst>
+                <a:ext uri="{FF2B5EF4-FFF2-40B4-BE49-F238E27FC236}">
+                  <a16:creationId xmlns:a16="http://schemas.microsoft.com/office/drawing/2014/main" id="{24F86EDB-B60F-4742-9D6A-E8E64520AF51}"/>
+                </a:ext>
+              </a:extLst>
+            </p:cNvPr>
+            <p:cNvSpPr/>
+            <p:nvPr/>
+          </p:nvSpPr>
+          <p:spPr>
+            <a:xfrm rot="5654135">
+              <a:off x="9640435" y="290526"/>
+              <a:ext cx="335802" cy="1963314"/>
+            </a:xfrm>
+            <a:prstGeom prst="ellipse">
+              <a:avLst/>
+            </a:prstGeom>
+            <a:solidFill>
+              <a:schemeClr val="accent6">
+                <a:lumMod val="20000"/>
+                <a:lumOff val="80000"/>
+                <a:alpha val="34118"/>
+              </a:schemeClr>
+            </a:solidFill>
+            <a:ln>
+              <a:noFill/>
+            </a:ln>
+          </p:spPr>
+          <p:style>
+            <a:lnRef idx="2">
+              <a:schemeClr val="accent1">
+                <a:shade val="50000"/>
+              </a:schemeClr>
+            </a:lnRef>
+            <a:fillRef idx="1">
+              <a:schemeClr val="accent1"/>
+            </a:fillRef>
+            <a:effectRef idx="0">
+              <a:schemeClr val="accent1"/>
+            </a:effectRef>
+            <a:fontRef idx="minor">
+              <a:schemeClr val="lt1"/>
+            </a:fontRef>
+          </p:style>
+          <p:txBody>
+            <a:bodyPr rtlCol="0" anchor="ctr"/>
+            <a:lstStyle/>
+            <a:p>
+              <a:pPr marL="0" marR="0" lvl="0" indent="0" algn="ctr" defTabSz="914400" rtl="0" eaLnBrk="1" fontAlgn="auto" latinLnBrk="0" hangingPunct="1">
+                <a:lnSpc>
+                  <a:spcPct val="100000"/>
+                </a:lnSpc>
+                <a:spcBef>
+                  <a:spcPts val="0"/>
+                </a:spcBef>
+                <a:spcAft>
+                  <a:spcPts val="0"/>
+                </a:spcAft>
+                <a:buClrTx/>
+                <a:buSzTx/>
+                <a:buFontTx/>
+                <a:buNone/>
+                <a:tabLst/>
+                <a:defRPr/>
+              </a:pPr>
+              <a:endParaRPr kumimoji="0" lang="en-US" sz="1800" b="0" i="0" u="none" strike="noStrike" kern="1200" cap="none" spc="0" normalizeH="0" baseline="0" noProof="0">
+                <a:ln>
+                  <a:noFill/>
+                </a:ln>
+                <a:solidFill>
+                  <a:prstClr val="white"/>
+                </a:solidFill>
+                <a:effectLst/>
+                <a:uLnTx/>
+                <a:uFillTx/>
+                <a:latin typeface="Calibri" panose="020F0502020204030204"/>
+                <a:ea typeface="+mn-ea"/>
+                <a:cs typeface="+mn-cs"/>
+              </a:endParaRPr>
+            </a:p>
+          </p:txBody>
+        </p:sp>
+      </p:grpSp>
       <p:sp>
         <p:nvSpPr>
-          <p:cNvPr id="6" name="Rectangle 5">
+          <p:cNvPr id="42" name="Oval 41">
             <a:extLst>
               <a:ext uri="{FF2B5EF4-FFF2-40B4-BE49-F238E27FC236}">
-                <a16:creationId xmlns:a16="http://schemas.microsoft.com/office/drawing/2014/main" id="{DE903317-E2CD-4ABF-A30D-38D97F895420}"/>
+                <a16:creationId xmlns:a16="http://schemas.microsoft.com/office/drawing/2014/main" id="{E9034EAF-6738-48A9-BFA0-BD5CEB6A3918}"/>
               </a:ext>
             </a:extLst>
           </p:cNvPr>
@@ -13211,119 +12075,7 @@
         </p:nvSpPr>
         <p:spPr>
           <a:xfrm>
-            <a:off x="763211" y="686618"/>
-            <a:ext cx="10967235" cy="2031325"/>
-          </a:xfrm>
-          <a:prstGeom prst="rect">
-            <a:avLst/>
-          </a:prstGeom>
-        </p:spPr>
-        <p:txBody>
-          <a:bodyPr wrap="square">
-            <a:spAutoFit/>
-          </a:bodyPr>
-          <a:lstStyle/>
-          <a:p>
-            <a:pPr lvl="0" algn="ctr"/>
-            <a:r>
-              <a:rPr lang="en-US" b="1" u="sng" dirty="0">
-                <a:solidFill>
-                  <a:prstClr val="black"/>
-                </a:solidFill>
-                <a:latin typeface="Palatino Linotype" panose="02040502050505030304" pitchFamily="18" charset="0"/>
-              </a:rPr>
-              <a:t>Conclusion</a:t>
-            </a:r>
-          </a:p>
-          <a:p>
-            <a:pPr lvl="0" algn="ctr"/>
-            <a:endParaRPr lang="en-US" b="1" u="sng" dirty="0">
-              <a:solidFill>
-                <a:prstClr val="black"/>
-              </a:solidFill>
-              <a:latin typeface="Palatino Linotype" panose="02040502050505030304" pitchFamily="18" charset="0"/>
-            </a:endParaRPr>
-          </a:p>
-          <a:p>
-            <a:pPr lvl="0" algn="ctr"/>
-            <a:endParaRPr lang="en-US" b="1" u="sng" dirty="0">
-              <a:solidFill>
-                <a:prstClr val="black"/>
-              </a:solidFill>
-              <a:latin typeface="Palatino Linotype" panose="02040502050505030304" pitchFamily="18" charset="0"/>
-            </a:endParaRPr>
-          </a:p>
-          <a:p>
-            <a:pPr lvl="0"/>
-            <a:r>
-              <a:rPr lang="en-US" dirty="0">
-                <a:solidFill>
-                  <a:prstClr val="black"/>
-                </a:solidFill>
-                <a:latin typeface="Palatino Linotype" panose="02040502050505030304" pitchFamily="18" charset="0"/>
-              </a:rPr>
-              <a:t>Organisms can deduce:</a:t>
-            </a:r>
-          </a:p>
-          <a:p>
-            <a:pPr marL="285750" lvl="0" indent="-285750">
-              <a:buFont typeface="Arial" panose="020B0604020202020204" pitchFamily="34" charset="0"/>
-              <a:buChar char="•"/>
-            </a:pPr>
-            <a:r>
-              <a:rPr lang="en-US" dirty="0">
-                <a:solidFill>
-                  <a:prstClr val="black"/>
-                </a:solidFill>
-                <a:latin typeface="Palatino Linotype" panose="02040502050505030304" pitchFamily="18" charset="0"/>
-              </a:rPr>
-              <a:t>limits of organism body</a:t>
-            </a:r>
-          </a:p>
-          <a:p>
-            <a:pPr marL="285750" lvl="0" indent="-285750">
-              <a:buFont typeface="Arial" panose="020B0604020202020204" pitchFamily="34" charset="0"/>
-              <a:buChar char="•"/>
-            </a:pPr>
-            <a:r>
-              <a:rPr lang="en-US" dirty="0">
-                <a:solidFill>
-                  <a:prstClr val="black"/>
-                </a:solidFill>
-                <a:latin typeface="Palatino Linotype" panose="02040502050505030304" pitchFamily="18" charset="0"/>
-              </a:rPr>
-              <a:t>geometry &amp; dimensionality of space outside organism</a:t>
-            </a:r>
-          </a:p>
-          <a:p>
-            <a:pPr lvl="0"/>
-            <a:r>
-              <a:rPr lang="en-US" dirty="0">
-                <a:solidFill>
-                  <a:prstClr val="black"/>
-                </a:solidFill>
-                <a:latin typeface="Palatino Linotype" panose="02040502050505030304" pitchFamily="18" charset="0"/>
-              </a:rPr>
-              <a:t>w/t priori knowledge, from the laws linking the brain’s inputs and outputs.</a:t>
-            </a:r>
-          </a:p>
-        </p:txBody>
-      </p:sp>
-      <p:sp>
-        <p:nvSpPr>
-          <p:cNvPr id="18" name="Oval 17">
-            <a:extLst>
-              <a:ext uri="{FF2B5EF4-FFF2-40B4-BE49-F238E27FC236}">
-                <a16:creationId xmlns:a16="http://schemas.microsoft.com/office/drawing/2014/main" id="{0AEFFAFB-A470-4B03-BCE0-879B9992BDC4}"/>
-              </a:ext>
-            </a:extLst>
-          </p:cNvPr>
-          <p:cNvSpPr/>
-          <p:nvPr/>
-        </p:nvSpPr>
-        <p:spPr>
-          <a:xfrm>
-            <a:off x="5299306" y="755145"/>
+            <a:off x="2473926" y="690182"/>
             <a:ext cx="260804" cy="260804"/>
           </a:xfrm>
           <a:prstGeom prst="ellipse">
@@ -13390,7 +12142,574 @@
                 <a:ea typeface="+mn-ea"/>
                 <a:cs typeface="+mn-cs"/>
               </a:rPr>
-              <a:t>5</a:t>
+              <a:t>4</a:t>
+            </a:r>
+          </a:p>
+        </p:txBody>
+      </p:sp>
+      <p:sp>
+        <p:nvSpPr>
+          <p:cNvPr id="33" name="Rectangle 32">
+            <a:extLst>
+              <a:ext uri="{FF2B5EF4-FFF2-40B4-BE49-F238E27FC236}">
+                <a16:creationId xmlns:a16="http://schemas.microsoft.com/office/drawing/2014/main" id="{0DABF699-6680-494F-AEED-685CA591AA51}"/>
+              </a:ext>
+            </a:extLst>
+          </p:cNvPr>
+          <p:cNvSpPr/>
+          <p:nvPr/>
+        </p:nvSpPr>
+        <p:spPr>
+          <a:xfrm>
+            <a:off x="10170585" y="66319"/>
+            <a:ext cx="1944037" cy="830997"/>
+          </a:xfrm>
+          <a:prstGeom prst="rect">
+            <a:avLst/>
+          </a:prstGeom>
+          <a:solidFill>
+            <a:schemeClr val="bg1">
+              <a:lumMod val="85000"/>
+              <a:alpha val="63922"/>
+            </a:schemeClr>
+          </a:solidFill>
+        </p:spPr>
+        <p:txBody>
+          <a:bodyPr wrap="square">
+            <a:spAutoFit/>
+          </a:bodyPr>
+          <a:lstStyle/>
+          <a:p>
+            <a:pPr marL="0" marR="0" lvl="0" indent="0" algn="ctr" defTabSz="914400" rtl="0" eaLnBrk="1" fontAlgn="auto" latinLnBrk="0" hangingPunct="1">
+              <a:lnSpc>
+                <a:spcPct val="100000"/>
+              </a:lnSpc>
+              <a:spcBef>
+                <a:spcPts val="0"/>
+              </a:spcBef>
+              <a:spcAft>
+                <a:spcPts val="0"/>
+              </a:spcAft>
+              <a:buClrTx/>
+              <a:buSzTx/>
+              <a:buFontTx/>
+              <a:buNone/>
+              <a:tabLst/>
+              <a:defRPr/>
+            </a:pPr>
+            <a:endParaRPr kumimoji="0" lang="en-US" altLang="zh-CN" sz="1600" b="1" i="0" u="none" strike="noStrike" kern="1200" cap="none" spc="0" normalizeH="0" baseline="0" noProof="0" dirty="0">
+              <a:ln>
+                <a:noFill/>
+              </a:ln>
+              <a:solidFill>
+                <a:srgbClr val="C00000"/>
+              </a:solidFill>
+              <a:effectLst/>
+              <a:uLnTx/>
+              <a:uFillTx/>
+              <a:latin typeface="Palatino Linotype" panose="02040502050505030304" pitchFamily="18" charset="0"/>
+              <a:ea typeface="等线" panose="03000509000000000000" pitchFamily="65" charset="-122"/>
+              <a:cs typeface="+mn-cs"/>
+            </a:endParaRPr>
+          </a:p>
+          <a:p>
+            <a:pPr marL="0" marR="0" lvl="0" indent="0" algn="ctr" defTabSz="914400" rtl="0" eaLnBrk="1" fontAlgn="auto" latinLnBrk="0" hangingPunct="1">
+              <a:lnSpc>
+                <a:spcPct val="100000"/>
+              </a:lnSpc>
+              <a:spcBef>
+                <a:spcPts val="0"/>
+              </a:spcBef>
+              <a:spcAft>
+                <a:spcPts val="0"/>
+              </a:spcAft>
+              <a:buClrTx/>
+              <a:buSzTx/>
+              <a:buFontTx/>
+              <a:buNone/>
+              <a:tabLst/>
+              <a:defRPr/>
+            </a:pPr>
+            <a:r>
+              <a:rPr kumimoji="0" lang="en-US" altLang="zh-CN" sz="1600" b="1" i="0" u="none" strike="noStrike" kern="1200" cap="none" spc="0" normalizeH="0" baseline="0" noProof="0" dirty="0">
+                <a:ln>
+                  <a:noFill/>
+                </a:ln>
+                <a:solidFill>
+                  <a:srgbClr val="C00000"/>
+                </a:solidFill>
+                <a:effectLst/>
+                <a:uLnTx/>
+                <a:uFillTx/>
+                <a:latin typeface="Palatino Linotype" panose="02040502050505030304" pitchFamily="18" charset="0"/>
+                <a:ea typeface="等线" panose="03000509000000000000" pitchFamily="65" charset="-122"/>
+                <a:cs typeface="+mn-cs"/>
+              </a:rPr>
+              <a:t>COMPENSATION</a:t>
+            </a:r>
+          </a:p>
+          <a:p>
+            <a:pPr marL="0" marR="0" lvl="0" indent="0" algn="ctr" defTabSz="914400" rtl="0" eaLnBrk="1" fontAlgn="auto" latinLnBrk="0" hangingPunct="1">
+              <a:lnSpc>
+                <a:spcPct val="100000"/>
+              </a:lnSpc>
+              <a:spcBef>
+                <a:spcPts val="0"/>
+              </a:spcBef>
+              <a:spcAft>
+                <a:spcPts val="0"/>
+              </a:spcAft>
+              <a:buClrTx/>
+              <a:buSzTx/>
+              <a:buFontTx/>
+              <a:buNone/>
+              <a:tabLst/>
+              <a:defRPr/>
+            </a:pPr>
+            <a:endParaRPr kumimoji="0" lang="en-US" altLang="zh-CN" sz="1600" b="1" i="0" u="none" strike="noStrike" kern="1200" cap="none" spc="0" normalizeH="0" baseline="0" noProof="0" dirty="0">
+              <a:ln>
+                <a:noFill/>
+              </a:ln>
+              <a:solidFill>
+                <a:srgbClr val="C00000"/>
+              </a:solidFill>
+              <a:effectLst/>
+              <a:uLnTx/>
+              <a:uFillTx/>
+              <a:latin typeface="Palatino Linotype" panose="02040502050505030304" pitchFamily="18" charset="0"/>
+              <a:ea typeface="等线" panose="03000509000000000000" pitchFamily="65" charset="-122"/>
+              <a:cs typeface="+mn-cs"/>
+            </a:endParaRPr>
+          </a:p>
+        </p:txBody>
+      </p:sp>
+      <p:sp>
+        <p:nvSpPr>
+          <p:cNvPr id="7" name="Oval 6">
+            <a:extLst>
+              <a:ext uri="{FF2B5EF4-FFF2-40B4-BE49-F238E27FC236}">
+                <a16:creationId xmlns:a16="http://schemas.microsoft.com/office/drawing/2014/main" id="{FB2295E5-9630-4765-8171-35AEA12907C8}"/>
+              </a:ext>
+            </a:extLst>
+          </p:cNvPr>
+          <p:cNvSpPr/>
+          <p:nvPr/>
+        </p:nvSpPr>
+        <p:spPr>
+          <a:xfrm>
+            <a:off x="6580724" y="731982"/>
+            <a:ext cx="4960309" cy="2773203"/>
+          </a:xfrm>
+          <a:prstGeom prst="ellipse">
+            <a:avLst/>
+          </a:prstGeom>
+          <a:solidFill>
+            <a:srgbClr val="FF0000">
+              <a:alpha val="10196"/>
+            </a:srgbClr>
+          </a:solidFill>
+          <a:ln>
+            <a:noFill/>
+          </a:ln>
+        </p:spPr>
+        <p:style>
+          <a:lnRef idx="2">
+            <a:schemeClr val="accent1">
+              <a:shade val="50000"/>
+            </a:schemeClr>
+          </a:lnRef>
+          <a:fillRef idx="1">
+            <a:schemeClr val="accent1"/>
+          </a:fillRef>
+          <a:effectRef idx="0">
+            <a:schemeClr val="accent1"/>
+          </a:effectRef>
+          <a:fontRef idx="minor">
+            <a:schemeClr val="lt1"/>
+          </a:fontRef>
+        </p:style>
+        <p:txBody>
+          <a:bodyPr rtlCol="0" anchor="ctr"/>
+          <a:lstStyle/>
+          <a:p>
+            <a:pPr marL="0" marR="0" lvl="0" indent="0" algn="ctr" defTabSz="914400" rtl="0" eaLnBrk="1" fontAlgn="auto" latinLnBrk="0" hangingPunct="1">
+              <a:lnSpc>
+                <a:spcPct val="100000"/>
+              </a:lnSpc>
+              <a:spcBef>
+                <a:spcPts val="0"/>
+              </a:spcBef>
+              <a:spcAft>
+                <a:spcPts val="0"/>
+              </a:spcAft>
+              <a:buClrTx/>
+              <a:buSzTx/>
+              <a:buFontTx/>
+              <a:buNone/>
+              <a:tabLst/>
+              <a:defRPr/>
+            </a:pPr>
+            <a:endParaRPr kumimoji="0" lang="en-US" sz="1800" b="0" i="0" u="none" strike="noStrike" kern="1200" cap="none" spc="0" normalizeH="0" baseline="0" noProof="0">
+              <a:ln>
+                <a:noFill/>
+              </a:ln>
+              <a:solidFill>
+                <a:prstClr val="white"/>
+              </a:solidFill>
+              <a:effectLst/>
+              <a:uLnTx/>
+              <a:uFillTx/>
+              <a:latin typeface="Calibri" panose="020F0502020204030204"/>
+              <a:ea typeface="+mn-ea"/>
+              <a:cs typeface="+mn-cs"/>
+            </a:endParaRPr>
+          </a:p>
+        </p:txBody>
+      </p:sp>
+      <p:sp>
+        <p:nvSpPr>
+          <p:cNvPr id="11" name="Rectangle 10">
+            <a:extLst>
+              <a:ext uri="{FF2B5EF4-FFF2-40B4-BE49-F238E27FC236}">
+                <a16:creationId xmlns:a16="http://schemas.microsoft.com/office/drawing/2014/main" id="{80B46562-9303-44FE-A4A4-FF09E5132D5E}"/>
+              </a:ext>
+            </a:extLst>
+          </p:cNvPr>
+          <p:cNvSpPr/>
+          <p:nvPr/>
+        </p:nvSpPr>
+        <p:spPr>
+          <a:xfrm>
+            <a:off x="6272263" y="3548777"/>
+            <a:ext cx="5737190" cy="646331"/>
+          </a:xfrm>
+          <a:prstGeom prst="rect">
+            <a:avLst/>
+          </a:prstGeom>
+        </p:spPr>
+        <p:txBody>
+          <a:bodyPr wrap="square">
+            <a:spAutoFit/>
+          </a:bodyPr>
+          <a:lstStyle/>
+          <a:p>
+            <a:pPr marL="0" marR="0" lvl="0" indent="0" algn="ctr" defTabSz="914400" rtl="0" eaLnBrk="1" fontAlgn="auto" latinLnBrk="0" hangingPunct="1">
+              <a:lnSpc>
+                <a:spcPct val="100000"/>
+              </a:lnSpc>
+              <a:spcBef>
+                <a:spcPts val="0"/>
+              </a:spcBef>
+              <a:spcAft>
+                <a:spcPts val="0"/>
+              </a:spcAft>
+              <a:buClrTx/>
+              <a:buSzTx/>
+              <a:buFontTx/>
+              <a:buNone/>
+              <a:tabLst/>
+              <a:defRPr/>
+            </a:pPr>
+            <a:r>
+              <a:rPr kumimoji="0" lang="en-US" sz="1800" b="1" i="0" u="none" strike="noStrike" kern="1200" cap="none" spc="0" normalizeH="0" baseline="0" noProof="0" dirty="0">
+                <a:ln>
+                  <a:noFill/>
+                </a:ln>
+                <a:solidFill>
+                  <a:prstClr val="black"/>
+                </a:solidFill>
+                <a:effectLst/>
+                <a:uLnTx/>
+                <a:uFillTx/>
+                <a:latin typeface="Palatino Linotype" panose="02040502050505030304" pitchFamily="18" charset="0"/>
+              </a:rPr>
+              <a:t>Compensated transformations of body-env system  </a:t>
+            </a:r>
+          </a:p>
+          <a:p>
+            <a:pPr marL="0" marR="0" lvl="0" indent="0" algn="ctr" defTabSz="914400" rtl="0" eaLnBrk="1" fontAlgn="auto" latinLnBrk="0" hangingPunct="1">
+              <a:lnSpc>
+                <a:spcPct val="100000"/>
+              </a:lnSpc>
+              <a:spcBef>
+                <a:spcPts val="0"/>
+              </a:spcBef>
+              <a:spcAft>
+                <a:spcPts val="0"/>
+              </a:spcAft>
+              <a:buClrTx/>
+              <a:buSzTx/>
+              <a:buFontTx/>
+              <a:buNone/>
+              <a:tabLst/>
+              <a:defRPr/>
+            </a:pPr>
+            <a:r>
+              <a:rPr kumimoji="0" lang="en-US" sz="1800" b="1" i="0" u="none" strike="noStrike" kern="1200" cap="none" spc="0" normalizeH="0" baseline="0" noProof="0" dirty="0">
+                <a:ln>
+                  <a:noFill/>
+                </a:ln>
+                <a:solidFill>
+                  <a:prstClr val="black"/>
+                </a:solidFill>
+                <a:effectLst/>
+                <a:uLnTx/>
+                <a:uFillTx/>
+                <a:latin typeface="Palatino Linotype" panose="02040502050505030304" pitchFamily="18" charset="0"/>
+                <a:sym typeface="Wingdings" panose="05000000000000000000" pitchFamily="2" charset="2"/>
+              </a:rPr>
+              <a:t> </a:t>
+            </a:r>
+            <a:r>
+              <a:rPr kumimoji="0" lang="en-US" sz="1800" b="1" i="0" u="none" strike="noStrike" kern="1200" cap="none" spc="0" normalizeH="0" baseline="0" noProof="0" dirty="0">
+                <a:ln>
+                  <a:noFill/>
+                </a:ln>
+                <a:solidFill>
+                  <a:prstClr val="black"/>
+                </a:solidFill>
+                <a:effectLst/>
+                <a:uLnTx/>
+                <a:uFillTx/>
+                <a:latin typeface="Palatino Linotype" panose="02040502050505030304" pitchFamily="18" charset="0"/>
+              </a:rPr>
+              <a:t>Geometry info </a:t>
+            </a:r>
+          </a:p>
+        </p:txBody>
+      </p:sp>
+      <p:sp>
+        <p:nvSpPr>
+          <p:cNvPr id="22" name="Rectangle 21">
+            <a:extLst>
+              <a:ext uri="{FF2B5EF4-FFF2-40B4-BE49-F238E27FC236}">
+                <a16:creationId xmlns:a16="http://schemas.microsoft.com/office/drawing/2014/main" id="{A56D43A2-9B59-4D53-80AA-D7647466A444}"/>
+              </a:ext>
+            </a:extLst>
+          </p:cNvPr>
+          <p:cNvSpPr/>
+          <p:nvPr/>
+        </p:nvSpPr>
+        <p:spPr>
+          <a:xfrm>
+            <a:off x="523620" y="374939"/>
+            <a:ext cx="5404985" cy="3139321"/>
+          </a:xfrm>
+          <a:prstGeom prst="rect">
+            <a:avLst/>
+          </a:prstGeom>
+        </p:spPr>
+        <p:txBody>
+          <a:bodyPr wrap="square">
+            <a:spAutoFit/>
+          </a:bodyPr>
+          <a:lstStyle/>
+          <a:p>
+            <a:pPr marL="0" marR="0" lvl="0" indent="0" algn="l" defTabSz="914400" rtl="0" eaLnBrk="1" fontAlgn="auto" latinLnBrk="0" hangingPunct="1">
+              <a:lnSpc>
+                <a:spcPct val="100000"/>
+              </a:lnSpc>
+              <a:spcBef>
+                <a:spcPts val="0"/>
+              </a:spcBef>
+              <a:spcAft>
+                <a:spcPts val="0"/>
+              </a:spcAft>
+              <a:buClrTx/>
+              <a:buSzTx/>
+              <a:buFontTx/>
+              <a:buNone/>
+              <a:tabLst/>
+              <a:defRPr/>
+            </a:pPr>
+            <a:endParaRPr kumimoji="0" lang="en-US" sz="1800" b="0" i="0" u="none" strike="noStrike" kern="1200" cap="none" spc="0" normalizeH="0" baseline="0" noProof="0" dirty="0">
+              <a:ln>
+                <a:noFill/>
+              </a:ln>
+              <a:solidFill>
+                <a:prstClr val="black"/>
+              </a:solidFill>
+              <a:effectLst/>
+              <a:uLnTx/>
+              <a:uFillTx/>
+              <a:latin typeface="Palatino Linotype" panose="02040502050505030304" pitchFamily="18" charset="0"/>
+              <a:ea typeface="+mn-ea"/>
+              <a:cs typeface="+mn-cs"/>
+            </a:endParaRPr>
+          </a:p>
+          <a:p>
+            <a:pPr marL="0" marR="0" lvl="0" indent="0" algn="ctr" defTabSz="914400" rtl="0" eaLnBrk="1" fontAlgn="auto" latinLnBrk="0" hangingPunct="1">
+              <a:lnSpc>
+                <a:spcPct val="100000"/>
+              </a:lnSpc>
+              <a:spcBef>
+                <a:spcPts val="0"/>
+              </a:spcBef>
+              <a:spcAft>
+                <a:spcPts val="0"/>
+              </a:spcAft>
+              <a:buClrTx/>
+              <a:buSzTx/>
+              <a:buFontTx/>
+              <a:buNone/>
+              <a:tabLst/>
+              <a:defRPr/>
+            </a:pPr>
+            <a:r>
+              <a:rPr kumimoji="0" lang="en-US" sz="1800" b="1" i="0" u="sng" strike="noStrike" kern="1200" cap="none" spc="0" normalizeH="0" baseline="0" noProof="0" dirty="0">
+                <a:ln>
+                  <a:noFill/>
+                </a:ln>
+                <a:solidFill>
+                  <a:prstClr val="black"/>
+                </a:solidFill>
+                <a:effectLst/>
+                <a:uLnTx/>
+                <a:uFillTx/>
+                <a:latin typeface="Palatino Linotype" panose="02040502050505030304" pitchFamily="18" charset="0"/>
+                <a:ea typeface="+mn-ea"/>
+                <a:cs typeface="+mn-cs"/>
+              </a:rPr>
+              <a:t>Results</a:t>
+            </a:r>
+            <a:endParaRPr kumimoji="0" lang="en-US" altLang="zh-CN" sz="1800" b="1" i="0" u="sng" strike="noStrike" kern="1200" cap="none" spc="0" normalizeH="0" baseline="0" noProof="0" dirty="0">
+              <a:ln>
+                <a:noFill/>
+              </a:ln>
+              <a:solidFill>
+                <a:prstClr val="black"/>
+              </a:solidFill>
+              <a:effectLst/>
+              <a:uLnTx/>
+              <a:uFillTx/>
+              <a:latin typeface="Palatino Linotype" panose="02040502050505030304" pitchFamily="18" charset="0"/>
+              <a:ea typeface="等线" panose="03000509000000000000" pitchFamily="65" charset="-122"/>
+              <a:cs typeface="+mn-cs"/>
+            </a:endParaRPr>
+          </a:p>
+          <a:p>
+            <a:pPr marL="0" marR="0" lvl="0" indent="0" algn="ctr" defTabSz="914400" rtl="0" eaLnBrk="1" fontAlgn="auto" latinLnBrk="0" hangingPunct="1">
+              <a:lnSpc>
+                <a:spcPct val="100000"/>
+              </a:lnSpc>
+              <a:spcBef>
+                <a:spcPts val="0"/>
+              </a:spcBef>
+              <a:spcAft>
+                <a:spcPts val="0"/>
+              </a:spcAft>
+              <a:buClrTx/>
+              <a:buSzTx/>
+              <a:buFontTx/>
+              <a:buNone/>
+              <a:tabLst/>
+              <a:defRPr/>
+            </a:pPr>
+            <a:endParaRPr kumimoji="0" lang="en-US" sz="1800" b="0" i="0" u="none" strike="noStrike" kern="1200" cap="none" spc="0" normalizeH="0" baseline="0" noProof="0" dirty="0">
+              <a:ln>
+                <a:noFill/>
+              </a:ln>
+              <a:solidFill>
+                <a:prstClr val="black"/>
+              </a:solidFill>
+              <a:effectLst/>
+              <a:uLnTx/>
+              <a:uFillTx/>
+              <a:latin typeface="Palatino Linotype" panose="02040502050505030304" pitchFamily="18" charset="0"/>
+              <a:ea typeface="+mn-ea"/>
+              <a:cs typeface="+mn-cs"/>
+            </a:endParaRPr>
+          </a:p>
+          <a:p>
+            <a:pPr marL="285750" marR="0" lvl="0" indent="-285750" algn="ctr" defTabSz="914400" rtl="0" eaLnBrk="1" fontAlgn="auto" latinLnBrk="0" hangingPunct="1">
+              <a:lnSpc>
+                <a:spcPct val="100000"/>
+              </a:lnSpc>
+              <a:spcBef>
+                <a:spcPts val="0"/>
+              </a:spcBef>
+              <a:spcAft>
+                <a:spcPts val="0"/>
+              </a:spcAft>
+              <a:buClrTx/>
+              <a:buSzTx/>
+              <a:buFont typeface="Arial" panose="020B0604020202020204" pitchFamily="34" charset="0"/>
+              <a:buChar char="•"/>
+              <a:tabLst/>
+              <a:defRPr/>
+            </a:pPr>
+            <a:endParaRPr kumimoji="0" lang="en-US" sz="1800" b="0" i="0" u="none" strike="noStrike" kern="1200" cap="none" spc="0" normalizeH="0" baseline="0" noProof="0" dirty="0">
+              <a:ln>
+                <a:noFill/>
+              </a:ln>
+              <a:solidFill>
+                <a:prstClr val="black"/>
+              </a:solidFill>
+              <a:effectLst/>
+              <a:uLnTx/>
+              <a:uFillTx/>
+              <a:latin typeface="Palatino Linotype" panose="02040502050505030304" pitchFamily="18" charset="0"/>
+              <a:ea typeface="+mn-ea"/>
+              <a:cs typeface="+mn-cs"/>
+            </a:endParaRPr>
+          </a:p>
+          <a:p>
+            <a:pPr lvl="0"/>
+            <a:r>
+              <a:rPr lang="en-US" altLang="zh-CN" dirty="0">
+                <a:latin typeface="Palatino Linotype" panose="02040502050505030304" pitchFamily="18" charset="0"/>
+              </a:rPr>
+              <a:t>Organisms can deduce:</a:t>
+            </a:r>
+          </a:p>
+          <a:p>
+            <a:pPr marL="285750" lvl="0" indent="-285750">
+              <a:buFont typeface="Arial" panose="020B0604020202020204" pitchFamily="34" charset="0"/>
+              <a:buChar char="•"/>
+            </a:pPr>
+            <a:r>
+              <a:rPr lang="en-US" altLang="zh-CN" dirty="0">
+                <a:latin typeface="Palatino Linotype" panose="02040502050505030304" pitchFamily="18" charset="0"/>
+              </a:rPr>
+              <a:t>limits of organism body</a:t>
+            </a:r>
+          </a:p>
+          <a:p>
+            <a:pPr marL="285750" lvl="0" indent="-285750">
+              <a:buFont typeface="Arial" panose="020B0604020202020204" pitchFamily="34" charset="0"/>
+              <a:buChar char="•"/>
+            </a:pPr>
+            <a:r>
+              <a:rPr lang="en-US" altLang="zh-CN" b="1" dirty="0">
+                <a:solidFill>
+                  <a:srgbClr val="C00000"/>
+                </a:solidFill>
+                <a:latin typeface="Palatino Linotype" panose="02040502050505030304" pitchFamily="18" charset="0"/>
+              </a:rPr>
+              <a:t>geometry &amp; dimensionality of space outside organism</a:t>
+            </a:r>
+          </a:p>
+          <a:p>
+            <a:pPr marL="285750" lvl="0" indent="-285750">
+              <a:buFont typeface="Arial" panose="020B0604020202020204" pitchFamily="34" charset="0"/>
+              <a:buChar char="•"/>
+            </a:pPr>
+            <a:endParaRPr lang="en-US" altLang="zh-CN" dirty="0">
+              <a:solidFill>
+                <a:schemeClr val="bg1">
+                  <a:lumMod val="75000"/>
+                </a:schemeClr>
+              </a:solidFill>
+              <a:latin typeface="Palatino Linotype" panose="02040502050505030304" pitchFamily="18" charset="0"/>
+            </a:endParaRPr>
+          </a:p>
+          <a:p>
+            <a:pPr lvl="0"/>
+            <a:r>
+              <a:rPr lang="en-US" altLang="zh-CN" dirty="0">
+                <a:latin typeface="Palatino Linotype" panose="02040502050505030304" pitchFamily="18" charset="0"/>
+              </a:rPr>
+              <a:t>w/t priori knowledge, from the laws linking the brain’s inputs and outputs.</a:t>
             </a:r>
           </a:p>
         </p:txBody>
@@ -13398,7 +12717,682 @@
     </p:spTree>
     <p:extLst>
       <p:ext uri="{BB962C8B-B14F-4D97-AF65-F5344CB8AC3E}">
-        <p14:creationId xmlns:p14="http://schemas.microsoft.com/office/powerpoint/2010/main" val="2352817195"/>
+        <p14:creationId xmlns:p14="http://schemas.microsoft.com/office/powerpoint/2010/main" val="3785003250"/>
+      </p:ext>
+    </p:extLst>
+  </p:cSld>
+  <p:clrMapOvr>
+    <a:masterClrMapping/>
+  </p:clrMapOvr>
+</p:sld>
+</file>
+
+<file path=ppt/slides/slide15.xml><?xml version="1.0" encoding="utf-8"?>
+<p:sld xmlns:a="http://schemas.openxmlformats.org/drawingml/2006/main" xmlns:r="http://schemas.openxmlformats.org/officeDocument/2006/relationships" xmlns:p="http://schemas.openxmlformats.org/presentationml/2006/main">
+  <p:cSld>
+    <p:bg>
+      <p:bgPr>
+        <a:solidFill>
+          <a:schemeClr val="bg1"/>
+        </a:solidFill>
+        <a:effectLst/>
+      </p:bgPr>
+    </p:bg>
+    <p:spTree>
+      <p:nvGrpSpPr>
+        <p:cNvPr id="1" name=""/>
+        <p:cNvGrpSpPr/>
+        <p:nvPr/>
+      </p:nvGrpSpPr>
+      <p:grpSpPr>
+        <a:xfrm>
+          <a:off x="0" y="0"/>
+          <a:ext cx="0" cy="0"/>
+          <a:chOff x="0" y="0"/>
+          <a:chExt cx="0" cy="0"/>
+        </a:xfrm>
+      </p:grpSpPr>
+      <p:sp>
+        <p:nvSpPr>
+          <p:cNvPr id="7" name="Rectangle 6">
+            <a:extLst>
+              <a:ext uri="{FF2B5EF4-FFF2-40B4-BE49-F238E27FC236}">
+                <a16:creationId xmlns:a16="http://schemas.microsoft.com/office/drawing/2014/main" id="{6F9EB9F2-07E2-4D64-BBD8-BB5B217F1218}"/>
+              </a:ext>
+              <a:ext uri="{C183D7F6-B498-43B3-948B-1728B52AA6E4}">
+                <adec:decorative xmlns:adec="http://schemas.microsoft.com/office/drawing/2017/decorative" val="1"/>
+              </a:ext>
+            </a:extLst>
+          </p:cNvPr>
+          <p:cNvSpPr>
+            <a:spLocks noGrp="1" noRot="1" noChangeAspect="1" noMove="1" noResize="1" noEditPoints="1" noAdjustHandles="1" noChangeArrowheads="1" noChangeShapeType="1" noTextEdit="1"/>
+          </p:cNvSpPr>
+          <p:nvPr>
+            <p:extLst>
+              <p:ext uri="{386F3935-93C4-4BCD-93E2-E3B085C9AB24}">
+                <p16:designElem xmlns:p16="http://schemas.microsoft.com/office/powerpoint/2015/main" val="1"/>
+              </p:ext>
+            </p:extLst>
+          </p:nvPr>
+        </p:nvSpPr>
+        <p:spPr bwMode="ltGray">
+          <a:xfrm>
+            <a:off x="321564" y="320040"/>
+            <a:ext cx="11548872" cy="6217920"/>
+          </a:xfrm>
+          <a:prstGeom prst="rect">
+            <a:avLst/>
+          </a:prstGeom>
+          <a:solidFill>
+            <a:schemeClr val="tx1">
+              <a:alpha val="12000"/>
+            </a:schemeClr>
+          </a:solidFill>
+          <a:ln w="127000" cap="sq" cmpd="thinThick">
+            <a:noFill/>
+          </a:ln>
+        </p:spPr>
+        <p:style>
+          <a:lnRef idx="2">
+            <a:schemeClr val="accent1">
+              <a:shade val="50000"/>
+            </a:schemeClr>
+          </a:lnRef>
+          <a:fillRef idx="1">
+            <a:schemeClr val="accent1"/>
+          </a:fillRef>
+          <a:effectRef idx="0">
+            <a:schemeClr val="accent1"/>
+          </a:effectRef>
+          <a:fontRef idx="minor">
+            <a:schemeClr val="lt1"/>
+          </a:fontRef>
+        </p:style>
+        <p:txBody>
+          <a:bodyPr rtlCol="0" anchor="ctr"/>
+          <a:lstStyle/>
+          <a:p>
+            <a:pPr marL="0" marR="0" lvl="0" indent="0" algn="ctr" defTabSz="914400" rtl="0" eaLnBrk="1" fontAlgn="auto" latinLnBrk="0" hangingPunct="1">
+              <a:lnSpc>
+                <a:spcPct val="100000"/>
+              </a:lnSpc>
+              <a:spcBef>
+                <a:spcPts val="0"/>
+              </a:spcBef>
+              <a:spcAft>
+                <a:spcPts val="0"/>
+              </a:spcAft>
+              <a:buClrTx/>
+              <a:buSzTx/>
+              <a:buFontTx/>
+              <a:buNone/>
+              <a:tabLst/>
+              <a:defRPr/>
+            </a:pPr>
+            <a:endParaRPr kumimoji="0" lang="en-US" sz="1800" b="0" i="0" u="none" strike="noStrike" kern="1200" cap="none" spc="0" normalizeH="0" baseline="0" noProof="0">
+              <a:ln>
+                <a:noFill/>
+              </a:ln>
+              <a:solidFill>
+                <a:prstClr val="white"/>
+              </a:solidFill>
+              <a:effectLst/>
+              <a:uLnTx/>
+              <a:uFillTx/>
+              <a:latin typeface="Calibri" panose="020F0502020204030204"/>
+              <a:ea typeface="+mn-ea"/>
+              <a:cs typeface="+mn-cs"/>
+            </a:endParaRPr>
+          </a:p>
+        </p:txBody>
+      </p:sp>
+      <p:sp>
+        <p:nvSpPr>
+          <p:cNvPr id="2" name="Title 1">
+            <a:extLst>
+              <a:ext uri="{FF2B5EF4-FFF2-40B4-BE49-F238E27FC236}">
+                <a16:creationId xmlns:a16="http://schemas.microsoft.com/office/drawing/2014/main" id="{DE482D69-9862-45F0-A389-5FF2F64C5885}"/>
+              </a:ext>
+            </a:extLst>
+          </p:cNvPr>
+          <p:cNvSpPr>
+            <a:spLocks noGrp="1"/>
+          </p:cNvSpPr>
+          <p:nvPr>
+            <p:ph type="title"/>
+          </p:nvPr>
+        </p:nvSpPr>
+        <p:spPr>
+          <a:xfrm>
+            <a:off x="1278662" y="965198"/>
+            <a:ext cx="2777228" cy="4927601"/>
+          </a:xfrm>
+        </p:spPr>
+        <p:txBody>
+          <a:bodyPr vert="horz" lIns="91440" tIns="45720" rIns="91440" bIns="45720" rtlCol="0" anchor="ctr">
+            <a:normAutofit/>
+          </a:bodyPr>
+          <a:lstStyle/>
+          <a:p>
+            <a:r>
+              <a:rPr lang="en-US" sz="5400" kern="1200" dirty="0">
+                <a:solidFill>
+                  <a:schemeClr val="tx1">
+                    <a:lumMod val="85000"/>
+                    <a:lumOff val="15000"/>
+                  </a:schemeClr>
+                </a:solidFill>
+                <a:latin typeface="Palatino Linotype" panose="02040502050505030304" pitchFamily="18" charset="0"/>
+              </a:rPr>
+              <a:t>Content</a:t>
+            </a:r>
+          </a:p>
+        </p:txBody>
+      </p:sp>
+      <p:cxnSp>
+        <p:nvCxnSpPr>
+          <p:cNvPr id="9" name="Straight Connector 8">
+            <a:extLst>
+              <a:ext uri="{FF2B5EF4-FFF2-40B4-BE49-F238E27FC236}">
+                <a16:creationId xmlns:a16="http://schemas.microsoft.com/office/drawing/2014/main" id="{F0C57C7C-DFE9-4A1E-B7A9-DF40E63366BB}"/>
+              </a:ext>
+              <a:ext uri="{C183D7F6-B498-43B3-948B-1728B52AA6E4}">
+                <adec:decorative xmlns:adec="http://schemas.microsoft.com/office/drawing/2017/decorative" val="1"/>
+              </a:ext>
+            </a:extLst>
+          </p:cNvPr>
+          <p:cNvCxnSpPr>
+            <a:cxnSpLocks noGrp="1" noRot="1" noChangeAspect="1" noMove="1" noResize="1" noEditPoints="1" noAdjustHandles="1" noChangeArrowheads="1" noChangeShapeType="1"/>
+          </p:cNvCxnSpPr>
+          <p:nvPr>
+            <p:extLst>
+              <p:ext uri="{386F3935-93C4-4BCD-93E2-E3B085C9AB24}">
+                <p16:designElem xmlns:p16="http://schemas.microsoft.com/office/powerpoint/2015/main" val="1"/>
+              </p:ext>
+            </p:extLst>
+          </p:nvPr>
+        </p:nvCxnSpPr>
+        <p:spPr>
+          <a:xfrm>
+            <a:off x="4055891" y="2057399"/>
+            <a:ext cx="0" cy="2743200"/>
+          </a:xfrm>
+          <a:prstGeom prst="line">
+            <a:avLst/>
+          </a:prstGeom>
+          <a:ln w="19050">
+            <a:solidFill>
+              <a:schemeClr val="tx1">
+                <a:lumMod val="85000"/>
+                <a:lumOff val="15000"/>
+              </a:schemeClr>
+            </a:solidFill>
+          </a:ln>
+        </p:spPr>
+        <p:style>
+          <a:lnRef idx="1">
+            <a:schemeClr val="accent1"/>
+          </a:lnRef>
+          <a:fillRef idx="0">
+            <a:schemeClr val="accent1"/>
+          </a:fillRef>
+          <a:effectRef idx="0">
+            <a:schemeClr val="accent1"/>
+          </a:effectRef>
+          <a:fontRef idx="minor">
+            <a:schemeClr val="tx1"/>
+          </a:fontRef>
+        </p:style>
+      </p:cxnSp>
+      <p:sp>
+        <p:nvSpPr>
+          <p:cNvPr id="4" name="Rectangle 3">
+            <a:extLst>
+              <a:ext uri="{FF2B5EF4-FFF2-40B4-BE49-F238E27FC236}">
+                <a16:creationId xmlns:a16="http://schemas.microsoft.com/office/drawing/2014/main" id="{C001D6B6-2E0B-4BA8-8DA3-1B1E80AA5A37}"/>
+              </a:ext>
+            </a:extLst>
+          </p:cNvPr>
+          <p:cNvSpPr/>
+          <p:nvPr/>
+        </p:nvSpPr>
+        <p:spPr>
+          <a:xfrm>
+            <a:off x="4701911" y="1307977"/>
+            <a:ext cx="5223479" cy="935502"/>
+          </a:xfrm>
+          <a:prstGeom prst="rect">
+            <a:avLst/>
+          </a:prstGeom>
+          <a:solidFill>
+            <a:schemeClr val="tx1">
+              <a:lumMod val="75000"/>
+              <a:lumOff val="25000"/>
+            </a:schemeClr>
+          </a:solidFill>
+          <a:ln>
+            <a:noFill/>
+          </a:ln>
+        </p:spPr>
+        <p:style>
+          <a:lnRef idx="2">
+            <a:schemeClr val="accent1">
+              <a:shade val="50000"/>
+            </a:schemeClr>
+          </a:lnRef>
+          <a:fillRef idx="1">
+            <a:schemeClr val="accent1"/>
+          </a:fillRef>
+          <a:effectRef idx="0">
+            <a:schemeClr val="accent1"/>
+          </a:effectRef>
+          <a:fontRef idx="minor">
+            <a:schemeClr val="lt1"/>
+          </a:fontRef>
+        </p:style>
+        <p:txBody>
+          <a:bodyPr rtlCol="0" anchor="ctr"/>
+          <a:lstStyle/>
+          <a:p>
+            <a:pPr marL="0" marR="0" lvl="0" indent="0" algn="ctr" defTabSz="914400" rtl="0" eaLnBrk="1" fontAlgn="auto" latinLnBrk="0" hangingPunct="1">
+              <a:lnSpc>
+                <a:spcPct val="100000"/>
+              </a:lnSpc>
+              <a:spcBef>
+                <a:spcPts val="0"/>
+              </a:spcBef>
+              <a:spcAft>
+                <a:spcPts val="0"/>
+              </a:spcAft>
+              <a:buClrTx/>
+              <a:buSzTx/>
+              <a:buFontTx/>
+              <a:buNone/>
+              <a:tabLst/>
+              <a:defRPr/>
+            </a:pPr>
+            <a:r>
+              <a:rPr kumimoji="0" lang="en-US" sz="2800" b="1" i="0" u="none" strike="noStrike" kern="1200" cap="none" spc="0" normalizeH="0" baseline="0" noProof="0" dirty="0">
+                <a:ln>
+                  <a:noFill/>
+                </a:ln>
+                <a:solidFill>
+                  <a:srgbClr val="E0E0E0"/>
+                </a:solidFill>
+                <a:effectLst/>
+                <a:uLnTx/>
+                <a:uFillTx/>
+                <a:latin typeface="Palatino Linotype" panose="02040502050505030304" pitchFamily="18" charset="0"/>
+                <a:ea typeface="+mn-ea"/>
+                <a:cs typeface="+mn-cs"/>
+              </a:rPr>
+              <a:t>Introduction</a:t>
+            </a:r>
+          </a:p>
+        </p:txBody>
+      </p:sp>
+      <p:sp>
+        <p:nvSpPr>
+          <p:cNvPr id="8" name="Rectangle 7">
+            <a:extLst>
+              <a:ext uri="{FF2B5EF4-FFF2-40B4-BE49-F238E27FC236}">
+                <a16:creationId xmlns:a16="http://schemas.microsoft.com/office/drawing/2014/main" id="{FC729883-AC38-4DA6-8070-47ECE33EF9C9}"/>
+              </a:ext>
+            </a:extLst>
+          </p:cNvPr>
+          <p:cNvSpPr/>
+          <p:nvPr/>
+        </p:nvSpPr>
+        <p:spPr>
+          <a:xfrm>
+            <a:off x="4701911" y="2432218"/>
+            <a:ext cx="5223479" cy="935502"/>
+          </a:xfrm>
+          <a:prstGeom prst="rect">
+            <a:avLst/>
+          </a:prstGeom>
+          <a:solidFill>
+            <a:schemeClr val="tx1">
+              <a:lumMod val="75000"/>
+              <a:lumOff val="25000"/>
+            </a:schemeClr>
+          </a:solidFill>
+          <a:ln>
+            <a:noFill/>
+          </a:ln>
+        </p:spPr>
+        <p:style>
+          <a:lnRef idx="2">
+            <a:schemeClr val="accent1">
+              <a:shade val="50000"/>
+            </a:schemeClr>
+          </a:lnRef>
+          <a:fillRef idx="1">
+            <a:schemeClr val="accent1"/>
+          </a:fillRef>
+          <a:effectRef idx="0">
+            <a:schemeClr val="accent1"/>
+          </a:effectRef>
+          <a:fontRef idx="minor">
+            <a:schemeClr val="lt1"/>
+          </a:fontRef>
+        </p:style>
+        <p:txBody>
+          <a:bodyPr rtlCol="0" anchor="ctr"/>
+          <a:lstStyle/>
+          <a:p>
+            <a:pPr marL="0" marR="0" lvl="0" indent="0" algn="ctr" defTabSz="914400" rtl="0" eaLnBrk="1" fontAlgn="auto" latinLnBrk="0" hangingPunct="1">
+              <a:lnSpc>
+                <a:spcPct val="100000"/>
+              </a:lnSpc>
+              <a:spcBef>
+                <a:spcPts val="0"/>
+              </a:spcBef>
+              <a:spcAft>
+                <a:spcPts val="0"/>
+              </a:spcAft>
+              <a:buClrTx/>
+              <a:buSzTx/>
+              <a:buFontTx/>
+              <a:buNone/>
+              <a:tabLst/>
+              <a:defRPr/>
+            </a:pPr>
+            <a:r>
+              <a:rPr kumimoji="0" lang="en-US" sz="2800" b="1" i="0" u="none" strike="noStrike" kern="1200" cap="none" spc="0" normalizeH="0" baseline="0" noProof="0" dirty="0">
+                <a:ln>
+                  <a:noFill/>
+                </a:ln>
+                <a:solidFill>
+                  <a:srgbClr val="E0E0E0"/>
+                </a:solidFill>
+                <a:effectLst/>
+                <a:uLnTx/>
+                <a:uFillTx/>
+                <a:latin typeface="Palatino Linotype" panose="02040502050505030304" pitchFamily="18" charset="0"/>
+                <a:ea typeface="+mn-ea"/>
+                <a:cs typeface="+mn-cs"/>
+              </a:rPr>
+              <a:t>Reproduction Of Paper</a:t>
+            </a:r>
+          </a:p>
+        </p:txBody>
+      </p:sp>
+      <p:sp>
+        <p:nvSpPr>
+          <p:cNvPr id="10" name="Rectangle 9">
+            <a:extLst>
+              <a:ext uri="{FF2B5EF4-FFF2-40B4-BE49-F238E27FC236}">
+                <a16:creationId xmlns:a16="http://schemas.microsoft.com/office/drawing/2014/main" id="{BA4CD047-4495-40D1-BE48-DB358586CF08}"/>
+              </a:ext>
+            </a:extLst>
+          </p:cNvPr>
+          <p:cNvSpPr/>
+          <p:nvPr/>
+        </p:nvSpPr>
+        <p:spPr>
+          <a:xfrm>
+            <a:off x="4701911" y="3556459"/>
+            <a:ext cx="5223479" cy="935502"/>
+          </a:xfrm>
+          <a:prstGeom prst="rect">
+            <a:avLst/>
+          </a:prstGeom>
+          <a:solidFill>
+            <a:schemeClr val="tx1">
+              <a:lumMod val="75000"/>
+              <a:lumOff val="25000"/>
+            </a:schemeClr>
+          </a:solidFill>
+          <a:ln>
+            <a:noFill/>
+          </a:ln>
+        </p:spPr>
+        <p:style>
+          <a:lnRef idx="2">
+            <a:schemeClr val="accent1">
+              <a:shade val="50000"/>
+            </a:schemeClr>
+          </a:lnRef>
+          <a:fillRef idx="1">
+            <a:schemeClr val="accent1"/>
+          </a:fillRef>
+          <a:effectRef idx="0">
+            <a:schemeClr val="accent1"/>
+          </a:effectRef>
+          <a:fontRef idx="minor">
+            <a:schemeClr val="lt1"/>
+          </a:fontRef>
+        </p:style>
+        <p:txBody>
+          <a:bodyPr rtlCol="0" anchor="ctr"/>
+          <a:lstStyle/>
+          <a:p>
+            <a:pPr marL="0" marR="0" lvl="0" indent="0" algn="ctr" defTabSz="914400" rtl="0" eaLnBrk="1" fontAlgn="auto" latinLnBrk="0" hangingPunct="1">
+              <a:lnSpc>
+                <a:spcPct val="100000"/>
+              </a:lnSpc>
+              <a:spcBef>
+                <a:spcPts val="0"/>
+              </a:spcBef>
+              <a:spcAft>
+                <a:spcPts val="0"/>
+              </a:spcAft>
+              <a:buClrTx/>
+              <a:buSzTx/>
+              <a:buFontTx/>
+              <a:buNone/>
+              <a:tabLst/>
+              <a:defRPr/>
+            </a:pPr>
+            <a:r>
+              <a:rPr kumimoji="0" lang="en-US" sz="2800" b="1" i="0" u="none" strike="noStrike" kern="1200" cap="none" spc="0" normalizeH="0" baseline="0" noProof="0" dirty="0">
+                <a:ln>
+                  <a:noFill/>
+                </a:ln>
+                <a:solidFill>
+                  <a:srgbClr val="E0E0E0"/>
+                </a:solidFill>
+                <a:effectLst/>
+                <a:uLnTx/>
+                <a:uFillTx/>
+                <a:latin typeface="Palatino Linotype" panose="02040502050505030304" pitchFamily="18" charset="0"/>
+                <a:ea typeface="+mn-ea"/>
+                <a:cs typeface="+mn-cs"/>
+              </a:rPr>
+              <a:t>Go Beyond Paper</a:t>
+            </a:r>
+          </a:p>
+        </p:txBody>
+      </p:sp>
+      <p:sp>
+        <p:nvSpPr>
+          <p:cNvPr id="11" name="Rectangle 10">
+            <a:extLst>
+              <a:ext uri="{FF2B5EF4-FFF2-40B4-BE49-F238E27FC236}">
+                <a16:creationId xmlns:a16="http://schemas.microsoft.com/office/drawing/2014/main" id="{F805079D-814A-40B3-9ED3-1AF747FFAEBE}"/>
+              </a:ext>
+            </a:extLst>
+          </p:cNvPr>
+          <p:cNvSpPr/>
+          <p:nvPr/>
+        </p:nvSpPr>
+        <p:spPr>
+          <a:xfrm>
+            <a:off x="4701911" y="4680700"/>
+            <a:ext cx="5223479" cy="935502"/>
+          </a:xfrm>
+          <a:prstGeom prst="rect">
+            <a:avLst/>
+          </a:prstGeom>
+          <a:solidFill>
+            <a:schemeClr val="tx1">
+              <a:lumMod val="75000"/>
+              <a:lumOff val="25000"/>
+            </a:schemeClr>
+          </a:solidFill>
+          <a:ln>
+            <a:noFill/>
+          </a:ln>
+        </p:spPr>
+        <p:style>
+          <a:lnRef idx="2">
+            <a:schemeClr val="accent1">
+              <a:shade val="50000"/>
+            </a:schemeClr>
+          </a:lnRef>
+          <a:fillRef idx="1">
+            <a:schemeClr val="accent1"/>
+          </a:fillRef>
+          <a:effectRef idx="0">
+            <a:schemeClr val="accent1"/>
+          </a:effectRef>
+          <a:fontRef idx="minor">
+            <a:schemeClr val="lt1"/>
+          </a:fontRef>
+        </p:style>
+        <p:txBody>
+          <a:bodyPr rtlCol="0" anchor="ctr"/>
+          <a:lstStyle/>
+          <a:p>
+            <a:pPr marL="0" marR="0" lvl="0" indent="0" algn="ctr" defTabSz="914400" rtl="0" eaLnBrk="1" fontAlgn="auto" latinLnBrk="0" hangingPunct="1">
+              <a:lnSpc>
+                <a:spcPct val="100000"/>
+              </a:lnSpc>
+              <a:spcBef>
+                <a:spcPts val="0"/>
+              </a:spcBef>
+              <a:spcAft>
+                <a:spcPts val="0"/>
+              </a:spcAft>
+              <a:buClrTx/>
+              <a:buSzTx/>
+              <a:buFontTx/>
+              <a:buNone/>
+              <a:tabLst/>
+              <a:defRPr/>
+            </a:pPr>
+            <a:r>
+              <a:rPr kumimoji="0" lang="en-US" sz="2800" b="1" i="0" u="none" strike="noStrike" kern="1200" cap="none" spc="0" normalizeH="0" baseline="0" noProof="0" dirty="0">
+                <a:ln>
+                  <a:noFill/>
+                </a:ln>
+                <a:solidFill>
+                  <a:srgbClr val="E0E0E0"/>
+                </a:solidFill>
+                <a:effectLst/>
+                <a:uLnTx/>
+                <a:uFillTx/>
+                <a:latin typeface="Palatino Linotype" panose="02040502050505030304" pitchFamily="18" charset="0"/>
+                <a:ea typeface="+mn-ea"/>
+                <a:cs typeface="+mn-cs"/>
+              </a:rPr>
+              <a:t>Conclusion &amp; Discussion</a:t>
+            </a:r>
+          </a:p>
+        </p:txBody>
+      </p:sp>
+      <mc:AlternateContent xmlns:mc="http://schemas.openxmlformats.org/markup-compatibility/2006">
+        <mc:Choice xmlns:pslz="http://schemas.microsoft.com/office/powerpoint/2016/slidezoom" Requires="pslz">
+          <p:graphicFrame>
+            <p:nvGraphicFramePr>
+              <p:cNvPr id="6" name="Slide Zoom 5">
+                <a:extLst>
+                  <a:ext uri="{FF2B5EF4-FFF2-40B4-BE49-F238E27FC236}">
+                    <a16:creationId xmlns:a16="http://schemas.microsoft.com/office/drawing/2014/main" id="{AD25FB75-B92D-425B-A74F-A2EEE69F18DD}"/>
+                  </a:ext>
+                </a:extLst>
+              </p:cNvPr>
+              <p:cNvGraphicFramePr>
+                <a:graphicFrameLocks noChangeAspect="1"/>
+              </p:cNvGraphicFramePr>
+              <p:nvPr>
+                <p:extLst>
+                  <p:ext uri="{D42A27DB-BD31-4B8C-83A1-F6EECF244321}">
+                    <p14:modId xmlns:p14="http://schemas.microsoft.com/office/powerpoint/2010/main" val="3876296653"/>
+                  </p:ext>
+                </p:extLst>
+              </p:nvPr>
+            </p:nvGraphicFramePr>
+            <p:xfrm>
+              <a:off x="7447360" y="2968228"/>
+              <a:ext cx="81279" cy="45719"/>
+            </p:xfrm>
+            <a:graphic>
+              <a:graphicData uri="http://schemas.microsoft.com/office/powerpoint/2016/slidezoom">
+                <pslz:sldZm>
+                  <pslz:sldZmObj sldId="294" cId="610144378">
+                    <pslz:zmPr id="{08CF6DD4-4D28-46AC-998B-D843E1CD6E2D}" returnToParent="0" transitionDur="1000">
+                      <p166:blipFill xmlns:p166="http://schemas.microsoft.com/office/powerpoint/2016/6/main">
+                        <a:blip r:embed="rId2"/>
+                        <a:stretch>
+                          <a:fillRect/>
+                        </a:stretch>
+                      </p166:blipFill>
+                      <p166:spPr xmlns:p166="http://schemas.microsoft.com/office/powerpoint/2016/6/main">
+                        <a:xfrm>
+                          <a:off x="0" y="0"/>
+                          <a:ext cx="81279" cy="45719"/>
+                        </a:xfrm>
+                        <a:prstGeom prst="rect">
+                          <a:avLst/>
+                        </a:prstGeom>
+                        <a:ln w="3175">
+                          <a:solidFill>
+                            <a:prstClr val="ltGray"/>
+                          </a:solidFill>
+                        </a:ln>
+                      </p166:spPr>
+                    </pslz:zmPr>
+                  </pslz:sldZmObj>
+                </pslz:sldZm>
+              </a:graphicData>
+            </a:graphic>
+          </p:graphicFrame>
+        </mc:Choice>
+        <mc:Fallback>
+          <p:pic>
+            <p:nvPicPr>
+              <p:cNvPr id="6" name="Slide Zoom 5">
+                <a:hlinkClick r:id="rId3" action="ppaction://hlinksldjump"/>
+                <a:extLst>
+                  <a:ext uri="{FF2B5EF4-FFF2-40B4-BE49-F238E27FC236}">
+                    <a16:creationId xmlns:a16="http://schemas.microsoft.com/office/drawing/2014/main" id="{AD25FB75-B92D-425B-A74F-A2EEE69F18DD}"/>
+                  </a:ext>
+                </a:extLst>
+              </p:cNvPr>
+              <p:cNvPicPr>
+                <a:picLocks noGrp="1" noRot="1" noChangeAspect="1" noMove="1" noResize="1" noEditPoints="1" noAdjustHandles="1" noChangeArrowheads="1" noChangeShapeType="1"/>
+              </p:cNvPicPr>
+              <p:nvPr/>
+            </p:nvPicPr>
+            <p:blipFill>
+              <a:blip r:embed="rId2"/>
+              <a:stretch>
+                <a:fillRect/>
+              </a:stretch>
+            </p:blipFill>
+            <p:spPr>
+              <a:xfrm>
+                <a:off x="7447360" y="2968228"/>
+                <a:ext cx="81279" cy="45719"/>
+              </a:xfrm>
+              <a:prstGeom prst="rect">
+                <a:avLst/>
+              </a:prstGeom>
+              <a:ln w="3175">
+                <a:solidFill>
+                  <a:prstClr val="ltGray"/>
+                </a:solidFill>
+              </a:ln>
+            </p:spPr>
+          </p:pic>
+        </mc:Fallback>
+      </mc:AlternateContent>
+    </p:spTree>
+    <p:extLst>
+      <p:ext uri="{BB962C8B-B14F-4D97-AF65-F5344CB8AC3E}">
+        <p14:creationId xmlns:p14="http://schemas.microsoft.com/office/powerpoint/2010/main" val="843350111"/>
       </p:ext>
     </p:extLst>
   </p:cSld>
@@ -13409,6 +13403,205 @@
 </file>
 
 <file path=ppt/slides/slide16.xml><?xml version="1.0" encoding="utf-8"?>
+<p:sld xmlns:a="http://schemas.openxmlformats.org/drawingml/2006/main" xmlns:r="http://schemas.openxmlformats.org/officeDocument/2006/relationships" xmlns:p="http://schemas.openxmlformats.org/presentationml/2006/main">
+  <p:cSld>
+    <p:bg>
+      <p:bgPr>
+        <a:solidFill>
+          <a:schemeClr val="bg1">
+            <a:tint val="95000"/>
+            <a:satMod val="170000"/>
+          </a:schemeClr>
+        </a:solidFill>
+        <a:effectLst/>
+      </p:bgPr>
+    </p:bg>
+    <p:spTree>
+      <p:nvGrpSpPr>
+        <p:cNvPr id="1" name=""/>
+        <p:cNvGrpSpPr/>
+        <p:nvPr/>
+      </p:nvGrpSpPr>
+      <p:grpSpPr>
+        <a:xfrm>
+          <a:off x="0" y="0"/>
+          <a:ext cx="0" cy="0"/>
+          <a:chOff x="0" y="0"/>
+          <a:chExt cx="0" cy="0"/>
+        </a:xfrm>
+      </p:grpSpPr>
+      <p:sp>
+        <p:nvSpPr>
+          <p:cNvPr id="24" name="Rectangle 23">
+            <a:extLst>
+              <a:ext uri="{FF2B5EF4-FFF2-40B4-BE49-F238E27FC236}">
+                <a16:creationId xmlns:a16="http://schemas.microsoft.com/office/drawing/2014/main" id="{5B336162-B533-4EFE-8BB3-8EBB4A5E32F8}"/>
+              </a:ext>
+              <a:ext uri="{C183D7F6-B498-43B3-948B-1728B52AA6E4}">
+                <adec:decorative xmlns:adec="http://schemas.microsoft.com/office/drawing/2017/decorative" val="1"/>
+              </a:ext>
+            </a:extLst>
+          </p:cNvPr>
+          <p:cNvSpPr>
+            <a:spLocks noGrp="1" noRot="1" noChangeAspect="1" noMove="1" noResize="1" noEditPoints="1" noAdjustHandles="1" noChangeArrowheads="1" noChangeShapeType="1" noTextEdit="1"/>
+          </p:cNvSpPr>
+          <p:nvPr>
+            <p:extLst>
+              <p:ext uri="{386F3935-93C4-4BCD-93E2-E3B085C9AB24}">
+                <p16:designElem xmlns:p16="http://schemas.microsoft.com/office/powerpoint/2015/main" val="1"/>
+              </p:ext>
+            </p:extLst>
+          </p:nvPr>
+        </p:nvSpPr>
+        <p:spPr>
+          <a:xfrm>
+            <a:off x="0" y="0"/>
+            <a:ext cx="5314384" cy="6858000"/>
+          </a:xfrm>
+          <a:prstGeom prst="rect">
+            <a:avLst/>
+          </a:prstGeom>
+          <a:solidFill>
+            <a:srgbClr val="D0CECE"/>
+          </a:solidFill>
+          <a:ln>
+            <a:noFill/>
+          </a:ln>
+        </p:spPr>
+        <p:style>
+          <a:lnRef idx="2">
+            <a:schemeClr val="accent1">
+              <a:shade val="50000"/>
+            </a:schemeClr>
+          </a:lnRef>
+          <a:fillRef idx="1">
+            <a:schemeClr val="accent1"/>
+          </a:fillRef>
+          <a:effectRef idx="0">
+            <a:schemeClr val="accent1"/>
+          </a:effectRef>
+          <a:fontRef idx="minor">
+            <a:schemeClr val="lt1"/>
+          </a:fontRef>
+        </p:style>
+        <p:txBody>
+          <a:bodyPr rtlCol="0" anchor="ctr"/>
+          <a:lstStyle/>
+          <a:p>
+            <a:pPr algn="ctr"/>
+            <a:endParaRPr lang="en-US"/>
+          </a:p>
+        </p:txBody>
+      </p:sp>
+      <p:sp>
+        <p:nvSpPr>
+          <p:cNvPr id="2" name="Title 1">
+            <a:extLst>
+              <a:ext uri="{FF2B5EF4-FFF2-40B4-BE49-F238E27FC236}">
+                <a16:creationId xmlns:a16="http://schemas.microsoft.com/office/drawing/2014/main" id="{0E53058D-4284-49C2-92D9-EAAF9E9AB910}"/>
+              </a:ext>
+            </a:extLst>
+          </p:cNvPr>
+          <p:cNvSpPr>
+            <a:spLocks noGrp="1"/>
+          </p:cNvSpPr>
+          <p:nvPr>
+            <p:ph type="title"/>
+          </p:nvPr>
+        </p:nvSpPr>
+        <p:spPr>
+          <a:xfrm>
+            <a:off x="829781" y="2745736"/>
+            <a:ext cx="3698803" cy="1366528"/>
+          </a:xfrm>
+          <a:solidFill>
+            <a:srgbClr val="FFFFFF"/>
+          </a:solidFill>
+          <a:ln w="25400" cap="sq">
+            <a:solidFill>
+              <a:srgbClr val="404040"/>
+            </a:solidFill>
+            <a:miter lim="800000"/>
+          </a:ln>
+        </p:spPr>
+        <p:txBody>
+          <a:bodyPr>
+            <a:normAutofit/>
+          </a:bodyPr>
+          <a:lstStyle/>
+          <a:p>
+            <a:pPr algn="ctr"/>
+            <a:r>
+              <a:rPr lang="en-US" sz="3200">
+                <a:solidFill>
+                  <a:srgbClr val="262626"/>
+                </a:solidFill>
+                <a:latin typeface="Palatino Linotype" panose="02040502050505030304" pitchFamily="18" charset="0"/>
+              </a:rPr>
+              <a:t>Reproduction of paper</a:t>
+            </a:r>
+          </a:p>
+        </p:txBody>
+      </p:sp>
+      <p:sp>
+        <p:nvSpPr>
+          <p:cNvPr id="4" name="Content Placeholder 3">
+            <a:extLst>
+              <a:ext uri="{FF2B5EF4-FFF2-40B4-BE49-F238E27FC236}">
+                <a16:creationId xmlns:a16="http://schemas.microsoft.com/office/drawing/2014/main" id="{29E87721-6289-4CF9-B459-BF838908CE6D}"/>
+              </a:ext>
+            </a:extLst>
+          </p:cNvPr>
+          <p:cNvSpPr>
+            <a:spLocks noGrp="1"/>
+          </p:cNvSpPr>
+          <p:nvPr>
+            <p:ph idx="1"/>
+          </p:nvPr>
+        </p:nvSpPr>
+        <p:spPr>
+          <a:xfrm>
+            <a:off x="6049182" y="802638"/>
+            <a:ext cx="5408696" cy="5252722"/>
+          </a:xfrm>
+        </p:spPr>
+        <p:txBody>
+          <a:bodyPr anchor="ctr">
+            <a:normAutofit/>
+          </a:bodyPr>
+          <a:lstStyle/>
+          <a:p>
+            <a:r>
+              <a:rPr lang="en-US" sz="2400" dirty="0">
+                <a:latin typeface="Palatino Linotype" panose="02040502050505030304" pitchFamily="18" charset="0"/>
+              </a:rPr>
+              <a:t>Algorithms</a:t>
+            </a:r>
+          </a:p>
+          <a:p>
+            <a:r>
+              <a:rPr lang="en-US" sz="2400" dirty="0">
+                <a:latin typeface="Palatino Linotype" panose="02040502050505030304" pitchFamily="18" charset="0"/>
+              </a:rPr>
+              <a:t>Implementations</a:t>
+            </a:r>
+          </a:p>
+        </p:txBody>
+      </p:sp>
+    </p:spTree>
+    <p:extLst>
+      <p:ext uri="{BB962C8B-B14F-4D97-AF65-F5344CB8AC3E}">
+        <p14:creationId xmlns:p14="http://schemas.microsoft.com/office/powerpoint/2010/main" val="610144378"/>
+      </p:ext>
+    </p:extLst>
+  </p:cSld>
+  <p:clrMapOvr>
+    <a:overrideClrMapping bg1="dk1" tx1="lt1" bg2="dk2" tx2="lt2" accent1="accent1" accent2="accent2" accent3="accent3" accent4="accent4" accent5="accent5" accent6="accent6" hlink="hlink" folHlink="folHlink"/>
+  </p:clrMapOvr>
+</p:sld>
+</file>
+
+<file path=ppt/slides/slide17.xml><?xml version="1.0" encoding="utf-8"?>
 <p:sld xmlns:a="http://schemas.openxmlformats.org/drawingml/2006/main" xmlns:r="http://schemas.openxmlformats.org/officeDocument/2006/relationships" xmlns:p="http://schemas.openxmlformats.org/presentationml/2006/main">
   <p:cSld>
     <p:spTree>
